--- a/04-pharmaverse/04-Contributing_To_The_Pharmaverse.pptx
+++ b/04-pharmaverse/04-Contributing_To_The_Pharmaverse.pptx
@@ -10,9 +10,10 @@
     <p:sldId id="258" r:id="rId4"/>
     <p:sldId id="259" r:id="rId5"/>
     <p:sldId id="260" r:id="rId6"/>
-    <p:sldId id="261" r:id="rId7"/>
-    <p:sldId id="262" r:id="rId8"/>
-    <p:sldId id="263" r:id="rId9"/>
+    <p:sldId id="264" r:id="rId7"/>
+    <p:sldId id="261" r:id="rId8"/>
+    <p:sldId id="262" r:id="rId9"/>
+    <p:sldId id="263" r:id="rId10"/>
   </p:sldIdLst>
   <p:sldSz cx="12192000" cy="6858000"/>
   <p:notesSz cx="6858000" cy="9144000"/>
@@ -266,7 +267,7 @@
           <a:p>
             <a:fld id="{6B20C4F4-914A-412E-A84A-52823570824D}" type="datetimeFigureOut">
               <a:rPr lang="en-US" smtClean="0"/>
-              <a:t>9/7/2023</a:t>
+              <a:t>9/8/23</a:t>
             </a:fld>
             <a:endParaRPr lang="en-US"/>
           </a:p>
@@ -464,7 +465,7 @@
           <a:p>
             <a:fld id="{6B20C4F4-914A-412E-A84A-52823570824D}" type="datetimeFigureOut">
               <a:rPr lang="en-US" smtClean="0"/>
-              <a:t>9/7/2023</a:t>
+              <a:t>9/8/23</a:t>
             </a:fld>
             <a:endParaRPr lang="en-US"/>
           </a:p>
@@ -672,7 +673,7 @@
           <a:p>
             <a:fld id="{6B20C4F4-914A-412E-A84A-52823570824D}" type="datetimeFigureOut">
               <a:rPr lang="en-US" smtClean="0"/>
-              <a:t>9/7/2023</a:t>
+              <a:t>9/8/23</a:t>
             </a:fld>
             <a:endParaRPr lang="en-US"/>
           </a:p>
@@ -870,7 +871,7 @@
           <a:p>
             <a:fld id="{6B20C4F4-914A-412E-A84A-52823570824D}" type="datetimeFigureOut">
               <a:rPr lang="en-US" smtClean="0"/>
-              <a:t>9/7/2023</a:t>
+              <a:t>9/8/23</a:t>
             </a:fld>
             <a:endParaRPr lang="en-US"/>
           </a:p>
@@ -1145,7 +1146,7 @@
           <a:p>
             <a:fld id="{6B20C4F4-914A-412E-A84A-52823570824D}" type="datetimeFigureOut">
               <a:rPr lang="en-US" smtClean="0"/>
-              <a:t>9/7/2023</a:t>
+              <a:t>9/8/23</a:t>
             </a:fld>
             <a:endParaRPr lang="en-US"/>
           </a:p>
@@ -1410,7 +1411,7 @@
           <a:p>
             <a:fld id="{6B20C4F4-914A-412E-A84A-52823570824D}" type="datetimeFigureOut">
               <a:rPr lang="en-US" smtClean="0"/>
-              <a:t>9/7/2023</a:t>
+              <a:t>9/8/23</a:t>
             </a:fld>
             <a:endParaRPr lang="en-US"/>
           </a:p>
@@ -1822,7 +1823,7 @@
           <a:p>
             <a:fld id="{6B20C4F4-914A-412E-A84A-52823570824D}" type="datetimeFigureOut">
               <a:rPr lang="en-US" smtClean="0"/>
-              <a:t>9/7/2023</a:t>
+              <a:t>9/8/23</a:t>
             </a:fld>
             <a:endParaRPr lang="en-US"/>
           </a:p>
@@ -1963,7 +1964,7 @@
           <a:p>
             <a:fld id="{6B20C4F4-914A-412E-A84A-52823570824D}" type="datetimeFigureOut">
               <a:rPr lang="en-US" smtClean="0"/>
-              <a:t>9/7/2023</a:t>
+              <a:t>9/8/23</a:t>
             </a:fld>
             <a:endParaRPr lang="en-US"/>
           </a:p>
@@ -2076,7 +2077,7 @@
           <a:p>
             <a:fld id="{6B20C4F4-914A-412E-A84A-52823570824D}" type="datetimeFigureOut">
               <a:rPr lang="en-US" smtClean="0"/>
-              <a:t>9/7/2023</a:t>
+              <a:t>9/8/23</a:t>
             </a:fld>
             <a:endParaRPr lang="en-US"/>
           </a:p>
@@ -2387,7 +2388,7 @@
           <a:p>
             <a:fld id="{6B20C4F4-914A-412E-A84A-52823570824D}" type="datetimeFigureOut">
               <a:rPr lang="en-US" smtClean="0"/>
-              <a:t>9/7/2023</a:t>
+              <a:t>9/8/23</a:t>
             </a:fld>
             <a:endParaRPr lang="en-US"/>
           </a:p>
@@ -2675,7 +2676,7 @@
           <a:p>
             <a:fld id="{6B20C4F4-914A-412E-A84A-52823570824D}" type="datetimeFigureOut">
               <a:rPr lang="en-US" smtClean="0"/>
-              <a:t>9/7/2023</a:t>
+              <a:t>9/8/23</a:t>
             </a:fld>
             <a:endParaRPr lang="en-US"/>
           </a:p>
@@ -2916,7 +2917,7 @@
           <a:p>
             <a:fld id="{6B20C4F4-914A-412E-A84A-52823570824D}" type="datetimeFigureOut">
               <a:rPr lang="en-US" smtClean="0"/>
-              <a:t>9/7/2023</a:t>
+              <a:t>9/8/23</a:t>
             </a:fld>
             <a:endParaRPr lang="en-US"/>
           </a:p>
@@ -3799,7 +3800,7 @@
           <p:cNvPr id="2" name="Title 1">
             <a:extLst>
               <a:ext uri="{FF2B5EF4-FFF2-40B4-BE49-F238E27FC236}">
-                <a16:creationId xmlns:a16="http://schemas.microsoft.com/office/drawing/2014/main" id="{E6E92473-15E9-3F94-627D-3E4A63E7A5F0}"/>
+                <a16:creationId xmlns:a16="http://schemas.microsoft.com/office/drawing/2014/main" id="{575F4081-31BC-774C-C1EB-75A050907BFF}"/>
               </a:ext>
             </a:extLst>
           </p:cNvPr>
@@ -3816,8 +3817,8 @@
           <a:lstStyle/>
           <a:p>
             <a:r>
-              <a:rPr lang="en-US" dirty="0"/>
-              <a:t>How to contribute</a:t>
+              <a:rPr lang="en-CH" dirty="0"/>
+              <a:t>Different contribution levels</a:t>
             </a:r>
           </a:p>
         </p:txBody>
@@ -3827,7 +3828,7 @@
           <p:cNvPr id="3" name="Content Placeholder 2">
             <a:extLst>
               <a:ext uri="{FF2B5EF4-FFF2-40B4-BE49-F238E27FC236}">
-                <a16:creationId xmlns:a16="http://schemas.microsoft.com/office/drawing/2014/main" id="{8CD8979D-6E0A-FFBE-FB0E-DDF3EBA095A9}"/>
+                <a16:creationId xmlns:a16="http://schemas.microsoft.com/office/drawing/2014/main" id="{88B5BC8D-FD02-5098-F6E0-E650FCC6A74A}"/>
               </a:ext>
             </a:extLst>
           </p:cNvPr>
@@ -3840,44 +3841,61 @@
         </p:nvSpPr>
         <p:spPr/>
         <p:txBody>
-          <a:bodyPr/>
-          <a:lstStyle/>
-          <a:p>
-            <a:r>
-              <a:rPr lang="en-US" dirty="0"/>
-              <a:t>Use it</a:t>
-            </a:r>
-          </a:p>
-          <a:p>
-            <a:r>
-              <a:rPr lang="en-US" dirty="0"/>
-              <a:t>Open issues when bugs are found</a:t>
-            </a:r>
-          </a:p>
-          <a:p>
-            <a:r>
-              <a:rPr lang="en-US" dirty="0"/>
-              <a:t>Provide feedback on ways to improve</a:t>
-            </a:r>
-          </a:p>
-          <a:p>
-            <a:r>
-              <a:rPr lang="en-US" dirty="0"/>
-              <a:t>Serve as part of the teams developing</a:t>
-            </a:r>
-          </a:p>
-          <a:p>
-            <a:r>
-              <a:rPr lang="en-US" dirty="0"/>
-              <a:t>Contribute code</a:t>
-            </a:r>
+          <a:bodyPr>
+            <a:normAutofit lnSpcReduction="10000"/>
+          </a:bodyPr>
+          <a:lstStyle/>
+          <a:p>
+            <a:r>
+              <a:rPr lang="en-CH" dirty="0"/>
+              <a:t>Submit the issue (bug / docs / feature request)</a:t>
+            </a:r>
+          </a:p>
+          <a:p>
+            <a:r>
+              <a:rPr lang="en-CH" dirty="0"/>
+              <a:t>Submit the issue and (co)develop the PR</a:t>
+            </a:r>
+          </a:p>
+          <a:p>
+            <a:r>
+              <a:rPr lang="en-CH" dirty="0"/>
+              <a:t>Give us the feedback</a:t>
+            </a:r>
+          </a:p>
+          <a:p>
+            <a:r>
+              <a:rPr lang="en-CH" dirty="0"/>
+              <a:t>Wanted to join as a long term contributor – get in touch with the maintainer</a:t>
+            </a:r>
+          </a:p>
+          <a:p>
+            <a:endParaRPr lang="en-CH" dirty="0"/>
+          </a:p>
+          <a:p>
+            <a:endParaRPr lang="en-CH" dirty="0"/>
+          </a:p>
+          <a:p>
+            <a:endParaRPr lang="en-CH" dirty="0"/>
+          </a:p>
+          <a:p>
+            <a:pPr marL="0" indent="0">
+              <a:buNone/>
+            </a:pPr>
+            <a:r>
+              <a:rPr lang="en-CH" dirty="0"/>
+              <a:t>All types of contributions are welcome!</a:t>
+            </a:r>
+          </a:p>
+          <a:p>
+            <a:endParaRPr lang="en-CH" dirty="0"/>
           </a:p>
         </p:txBody>
       </p:sp>
     </p:spTree>
     <p:extLst>
       <p:ext uri="{BB962C8B-B14F-4D97-AF65-F5344CB8AC3E}">
-        <p14:creationId xmlns:p14="http://schemas.microsoft.com/office/powerpoint/2010/main" val="2635565262"/>
+        <p14:creationId xmlns:p14="http://schemas.microsoft.com/office/powerpoint/2010/main" val="3342367078"/>
       </p:ext>
     </p:extLst>
   </p:cSld>
@@ -3909,6 +3927,116 @@
           <p:cNvPr id="2" name="Title 1">
             <a:extLst>
               <a:ext uri="{FF2B5EF4-FFF2-40B4-BE49-F238E27FC236}">
+                <a16:creationId xmlns:a16="http://schemas.microsoft.com/office/drawing/2014/main" id="{E6E92473-15E9-3F94-627D-3E4A63E7A5F0}"/>
+              </a:ext>
+            </a:extLst>
+          </p:cNvPr>
+          <p:cNvSpPr>
+            <a:spLocks noGrp="1"/>
+          </p:cNvSpPr>
+          <p:nvPr>
+            <p:ph type="title"/>
+          </p:nvPr>
+        </p:nvSpPr>
+        <p:spPr/>
+        <p:txBody>
+          <a:bodyPr/>
+          <a:lstStyle/>
+          <a:p>
+            <a:r>
+              <a:rPr lang="en-US" dirty="0"/>
+              <a:t>How to contribute?</a:t>
+            </a:r>
+          </a:p>
+        </p:txBody>
+      </p:sp>
+      <p:sp>
+        <p:nvSpPr>
+          <p:cNvPr id="3" name="Content Placeholder 2">
+            <a:extLst>
+              <a:ext uri="{FF2B5EF4-FFF2-40B4-BE49-F238E27FC236}">
+                <a16:creationId xmlns:a16="http://schemas.microsoft.com/office/drawing/2014/main" id="{8CD8979D-6E0A-FFBE-FB0E-DDF3EBA095A9}"/>
+              </a:ext>
+            </a:extLst>
+          </p:cNvPr>
+          <p:cNvSpPr>
+            <a:spLocks noGrp="1"/>
+          </p:cNvSpPr>
+          <p:nvPr>
+            <p:ph idx="1"/>
+          </p:nvPr>
+        </p:nvSpPr>
+        <p:spPr/>
+        <p:txBody>
+          <a:bodyPr/>
+          <a:lstStyle/>
+          <a:p>
+            <a:r>
+              <a:rPr lang="en-US" dirty="0"/>
+              <a:t>Use it</a:t>
+            </a:r>
+          </a:p>
+          <a:p>
+            <a:r>
+              <a:rPr lang="en-US" dirty="0"/>
+              <a:t>Open issues when bugs are found</a:t>
+            </a:r>
+          </a:p>
+          <a:p>
+            <a:r>
+              <a:rPr lang="en-US" dirty="0"/>
+              <a:t>Provide feedback on ways to improve</a:t>
+            </a:r>
+          </a:p>
+          <a:p>
+            <a:r>
+              <a:rPr lang="en-US" dirty="0"/>
+              <a:t>Serve as part of the teams developing</a:t>
+            </a:r>
+          </a:p>
+          <a:p>
+            <a:r>
+              <a:rPr lang="en-US" dirty="0"/>
+              <a:t>Contribute code</a:t>
+            </a:r>
+          </a:p>
+        </p:txBody>
+      </p:sp>
+    </p:spTree>
+    <p:extLst>
+      <p:ext uri="{BB962C8B-B14F-4D97-AF65-F5344CB8AC3E}">
+        <p14:creationId xmlns:p14="http://schemas.microsoft.com/office/powerpoint/2010/main" val="2635565262"/>
+      </p:ext>
+    </p:extLst>
+  </p:cSld>
+  <p:clrMapOvr>
+    <a:masterClrMapping/>
+  </p:clrMapOvr>
+</p:sld>
+</file>
+
+<file path=ppt/slides/slide8.xml><?xml version="1.0" encoding="utf-8"?>
+<p:sld xmlns:a="http://schemas.openxmlformats.org/drawingml/2006/main" xmlns:r="http://schemas.openxmlformats.org/officeDocument/2006/relationships" xmlns:p="http://schemas.openxmlformats.org/presentationml/2006/main">
+  <p:cSld>
+    <p:spTree>
+      <p:nvGrpSpPr>
+        <p:cNvPr id="1" name=""/>
+        <p:cNvGrpSpPr/>
+        <p:nvPr/>
+      </p:nvGrpSpPr>
+      <p:grpSpPr>
+        <a:xfrm>
+          <a:off x="0" y="0"/>
+          <a:ext cx="0" cy="0"/>
+          <a:chOff x="0" y="0"/>
+          <a:chExt cx="0" cy="0"/>
+        </a:xfrm>
+      </p:grpSpPr>
+      <p:sp>
+        <p:nvSpPr>
+          <p:cNvPr id="2" name="Title 1">
+            <a:extLst>
+              <a:ext uri="{FF2B5EF4-FFF2-40B4-BE49-F238E27FC236}">
                 <a16:creationId xmlns:a16="http://schemas.microsoft.com/office/drawing/2014/main" id="{51DBAFEB-6319-A397-EA82-D82E2A7C6B55}"/>
               </a:ext>
             </a:extLst>
@@ -3979,7 +4107,7 @@
 </p:sld>
 </file>
 
-<file path=ppt/slides/slide8.xml><?xml version="1.0" encoding="utf-8"?>
+<file path=ppt/slides/slide9.xml><?xml version="1.0" encoding="utf-8"?>
 <p:sld xmlns:a="http://schemas.openxmlformats.org/drawingml/2006/main" xmlns:r="http://schemas.openxmlformats.org/officeDocument/2006/relationships" xmlns:p="http://schemas.openxmlformats.org/presentationml/2006/main">
   <p:cSld>
     <p:spTree>

--- a/04-pharmaverse/04-Contributing_To_The_Pharmaverse.pptx
+++ b/04-pharmaverse/04-Contributing_To_The_Pharmaverse.pptx
@@ -10,10 +10,15 @@
     <p:sldId id="258" r:id="rId4"/>
     <p:sldId id="259" r:id="rId5"/>
     <p:sldId id="260" r:id="rId6"/>
-    <p:sldId id="264" r:id="rId7"/>
-    <p:sldId id="261" r:id="rId8"/>
+    <p:sldId id="269" r:id="rId7"/>
+    <p:sldId id="270" r:id="rId8"/>
     <p:sldId id="262" r:id="rId9"/>
-    <p:sldId id="263" r:id="rId10"/>
+    <p:sldId id="265" r:id="rId10"/>
+    <p:sldId id="266" r:id="rId11"/>
+    <p:sldId id="271" r:id="rId12"/>
+    <p:sldId id="263" r:id="rId13"/>
+    <p:sldId id="267" r:id="rId14"/>
+    <p:sldId id="268" r:id="rId15"/>
   </p:sldIdLst>
   <p:sldSz cx="12192000" cy="6858000"/>
   <p:notesSz cx="6858000" cy="9144000"/>
@@ -267,7 +272,7 @@
           <a:p>
             <a:fld id="{6B20C4F4-914A-412E-A84A-52823570824D}" type="datetimeFigureOut">
               <a:rPr lang="en-US" smtClean="0"/>
-              <a:t>9/8/23</a:t>
+              <a:t>9/13/2023</a:t>
             </a:fld>
             <a:endParaRPr lang="en-US"/>
           </a:p>
@@ -465,7 +470,7 @@
           <a:p>
             <a:fld id="{6B20C4F4-914A-412E-A84A-52823570824D}" type="datetimeFigureOut">
               <a:rPr lang="en-US" smtClean="0"/>
-              <a:t>9/8/23</a:t>
+              <a:t>9/13/2023</a:t>
             </a:fld>
             <a:endParaRPr lang="en-US"/>
           </a:p>
@@ -673,7 +678,7 @@
           <a:p>
             <a:fld id="{6B20C4F4-914A-412E-A84A-52823570824D}" type="datetimeFigureOut">
               <a:rPr lang="en-US" smtClean="0"/>
-              <a:t>9/8/23</a:t>
+              <a:t>9/13/2023</a:t>
             </a:fld>
             <a:endParaRPr lang="en-US"/>
           </a:p>
@@ -871,7 +876,7 @@
           <a:p>
             <a:fld id="{6B20C4F4-914A-412E-A84A-52823570824D}" type="datetimeFigureOut">
               <a:rPr lang="en-US" smtClean="0"/>
-              <a:t>9/8/23</a:t>
+              <a:t>9/13/2023</a:t>
             </a:fld>
             <a:endParaRPr lang="en-US"/>
           </a:p>
@@ -1146,7 +1151,7 @@
           <a:p>
             <a:fld id="{6B20C4F4-914A-412E-A84A-52823570824D}" type="datetimeFigureOut">
               <a:rPr lang="en-US" smtClean="0"/>
-              <a:t>9/8/23</a:t>
+              <a:t>9/13/2023</a:t>
             </a:fld>
             <a:endParaRPr lang="en-US"/>
           </a:p>
@@ -1411,7 +1416,7 @@
           <a:p>
             <a:fld id="{6B20C4F4-914A-412E-A84A-52823570824D}" type="datetimeFigureOut">
               <a:rPr lang="en-US" smtClean="0"/>
-              <a:t>9/8/23</a:t>
+              <a:t>9/13/2023</a:t>
             </a:fld>
             <a:endParaRPr lang="en-US"/>
           </a:p>
@@ -1823,7 +1828,7 @@
           <a:p>
             <a:fld id="{6B20C4F4-914A-412E-A84A-52823570824D}" type="datetimeFigureOut">
               <a:rPr lang="en-US" smtClean="0"/>
-              <a:t>9/8/23</a:t>
+              <a:t>9/13/2023</a:t>
             </a:fld>
             <a:endParaRPr lang="en-US"/>
           </a:p>
@@ -1964,7 +1969,7 @@
           <a:p>
             <a:fld id="{6B20C4F4-914A-412E-A84A-52823570824D}" type="datetimeFigureOut">
               <a:rPr lang="en-US" smtClean="0"/>
-              <a:t>9/8/23</a:t>
+              <a:t>9/13/2023</a:t>
             </a:fld>
             <a:endParaRPr lang="en-US"/>
           </a:p>
@@ -2077,7 +2082,7 @@
           <a:p>
             <a:fld id="{6B20C4F4-914A-412E-A84A-52823570824D}" type="datetimeFigureOut">
               <a:rPr lang="en-US" smtClean="0"/>
-              <a:t>9/8/23</a:t>
+              <a:t>9/13/2023</a:t>
             </a:fld>
             <a:endParaRPr lang="en-US"/>
           </a:p>
@@ -2388,7 +2393,7 @@
           <a:p>
             <a:fld id="{6B20C4F4-914A-412E-A84A-52823570824D}" type="datetimeFigureOut">
               <a:rPr lang="en-US" smtClean="0"/>
-              <a:t>9/8/23</a:t>
+              <a:t>9/13/2023</a:t>
             </a:fld>
             <a:endParaRPr lang="en-US"/>
           </a:p>
@@ -2676,7 +2681,7 @@
           <a:p>
             <a:fld id="{6B20C4F4-914A-412E-A84A-52823570824D}" type="datetimeFigureOut">
               <a:rPr lang="en-US" smtClean="0"/>
-              <a:t>9/8/23</a:t>
+              <a:t>9/13/2023</a:t>
             </a:fld>
             <a:endParaRPr lang="en-US"/>
           </a:p>
@@ -2917,7 +2922,7 @@
           <a:p>
             <a:fld id="{6B20C4F4-914A-412E-A84A-52823570824D}" type="datetimeFigureOut">
               <a:rPr lang="en-US" smtClean="0"/>
-              <a:t>9/8/23</a:t>
+              <a:t>9/13/2023</a:t>
             </a:fld>
             <a:endParaRPr lang="en-US"/>
           </a:p>
@@ -3408,6 +3413,1023 @@
 </p:sld>
 </file>
 
+<file path=ppt/slides/slide10.xml><?xml version="1.0" encoding="utf-8"?>
+<p:sld xmlns:a="http://schemas.openxmlformats.org/drawingml/2006/main" xmlns:r="http://schemas.openxmlformats.org/officeDocument/2006/relationships" xmlns:p="http://schemas.openxmlformats.org/presentationml/2006/main">
+  <p:cSld>
+    <p:spTree>
+      <p:nvGrpSpPr>
+        <p:cNvPr id="1" name=""/>
+        <p:cNvGrpSpPr/>
+        <p:nvPr/>
+      </p:nvGrpSpPr>
+      <p:grpSpPr>
+        <a:xfrm>
+          <a:off x="0" y="0"/>
+          <a:ext cx="0" cy="0"/>
+          <a:chOff x="0" y="0"/>
+          <a:chExt cx="0" cy="0"/>
+        </a:xfrm>
+      </p:grpSpPr>
+      <p:sp>
+        <p:nvSpPr>
+          <p:cNvPr id="2" name="Title 1">
+            <a:extLst>
+              <a:ext uri="{FF2B5EF4-FFF2-40B4-BE49-F238E27FC236}">
+                <a16:creationId xmlns:a16="http://schemas.microsoft.com/office/drawing/2014/main" id="{19213C66-1286-66B5-81E5-991CD41106E6}"/>
+              </a:ext>
+            </a:extLst>
+          </p:cNvPr>
+          <p:cNvSpPr>
+            <a:spLocks noGrp="1"/>
+          </p:cNvSpPr>
+          <p:nvPr>
+            <p:ph type="title"/>
+          </p:nvPr>
+        </p:nvSpPr>
+        <p:spPr/>
+        <p:txBody>
+          <a:bodyPr/>
+          <a:lstStyle/>
+          <a:p>
+            <a:r>
+              <a:rPr lang="en-US" dirty="0"/>
+              <a:t>Opening an Issue (Advanced mode)</a:t>
+            </a:r>
+          </a:p>
+        </p:txBody>
+      </p:sp>
+      <p:sp>
+        <p:nvSpPr>
+          <p:cNvPr id="3" name="Content Placeholder 2">
+            <a:extLst>
+              <a:ext uri="{FF2B5EF4-FFF2-40B4-BE49-F238E27FC236}">
+                <a16:creationId xmlns:a16="http://schemas.microsoft.com/office/drawing/2014/main" id="{48E16900-D0F4-27A6-5BBB-4673F1514A3B}"/>
+              </a:ext>
+            </a:extLst>
+          </p:cNvPr>
+          <p:cNvSpPr>
+            <a:spLocks noGrp="1"/>
+          </p:cNvSpPr>
+          <p:nvPr>
+            <p:ph idx="1"/>
+          </p:nvPr>
+        </p:nvSpPr>
+        <p:spPr/>
+        <p:txBody>
+          <a:bodyPr/>
+          <a:lstStyle/>
+          <a:p>
+            <a:r>
+              <a:rPr lang="en-US" dirty="0"/>
+              <a:t>If you saw an bug today, open an issue with an MVP!</a:t>
+            </a:r>
+          </a:p>
+          <a:p>
+            <a:pPr lvl="1"/>
+            <a:r>
+              <a:rPr lang="en-US" dirty="0"/>
+              <a:t>Find the </a:t>
+            </a:r>
+            <a:r>
+              <a:rPr lang="en-US" dirty="0" err="1"/>
+              <a:t>github</a:t>
+            </a:r>
+            <a:r>
+              <a:rPr lang="en-US" dirty="0"/>
+              <a:t> page for the package</a:t>
+            </a:r>
+          </a:p>
+          <a:p>
+            <a:pPr lvl="1"/>
+            <a:r>
+              <a:rPr lang="en-US" dirty="0"/>
+              <a:t>Click on “Issues” then “New issue”</a:t>
+            </a:r>
+          </a:p>
+          <a:p>
+            <a:pPr lvl="1"/>
+            <a:r>
+              <a:rPr lang="en-US" dirty="0"/>
+              <a:t>Construct an MVP</a:t>
+            </a:r>
+          </a:p>
+          <a:p>
+            <a:pPr lvl="2"/>
+            <a:r>
+              <a:rPr lang="en-US" dirty="0"/>
+              <a:t>Make issue you see reproducible (you can repeat the error)</a:t>
+            </a:r>
+          </a:p>
+          <a:p>
+            <a:pPr lvl="2"/>
+            <a:r>
+              <a:rPr lang="en-US" dirty="0"/>
+              <a:t>See if you can simplify the code down to only the required parts</a:t>
+            </a:r>
+          </a:p>
+          <a:p>
+            <a:pPr lvl="2"/>
+            <a:r>
+              <a:rPr lang="en-US" dirty="0"/>
+              <a:t>Run in a fresh R session to confirm</a:t>
+            </a:r>
+          </a:p>
+          <a:p>
+            <a:pPr lvl="1"/>
+            <a:r>
+              <a:rPr lang="en-US" dirty="0"/>
+              <a:t>Use {</a:t>
+            </a:r>
+            <a:r>
+              <a:rPr lang="en-US" dirty="0" err="1"/>
+              <a:t>reprex</a:t>
+            </a:r>
+            <a:r>
+              <a:rPr lang="en-US" dirty="0"/>
+              <a:t>} to generate code content and write in a) the issue the error you see and b) what you would expect</a:t>
+            </a:r>
+          </a:p>
+          <a:p>
+            <a:pPr lvl="2"/>
+            <a:endParaRPr lang="en-US" dirty="0"/>
+          </a:p>
+          <a:p>
+            <a:endParaRPr lang="en-US" dirty="0"/>
+          </a:p>
+        </p:txBody>
+      </p:sp>
+    </p:spTree>
+    <p:extLst>
+      <p:ext uri="{BB962C8B-B14F-4D97-AF65-F5344CB8AC3E}">
+        <p14:creationId xmlns:p14="http://schemas.microsoft.com/office/powerpoint/2010/main" val="2901306822"/>
+      </p:ext>
+    </p:extLst>
+  </p:cSld>
+  <p:clrMapOvr>
+    <a:masterClrMapping/>
+  </p:clrMapOvr>
+</p:sld>
+</file>
+
+<file path=ppt/slides/slide11.xml><?xml version="1.0" encoding="utf-8"?>
+<p:sld xmlns:a="http://schemas.openxmlformats.org/drawingml/2006/main" xmlns:r="http://schemas.openxmlformats.org/officeDocument/2006/relationships" xmlns:p="http://schemas.openxmlformats.org/presentationml/2006/main">
+  <p:cSld>
+    <p:spTree>
+      <p:nvGrpSpPr>
+        <p:cNvPr id="1" name=""/>
+        <p:cNvGrpSpPr/>
+        <p:nvPr/>
+      </p:nvGrpSpPr>
+      <p:grpSpPr>
+        <a:xfrm>
+          <a:off x="0" y="0"/>
+          <a:ext cx="0" cy="0"/>
+          <a:chOff x="0" y="0"/>
+          <a:chExt cx="0" cy="0"/>
+        </a:xfrm>
+      </p:grpSpPr>
+      <p:sp>
+        <p:nvSpPr>
+          <p:cNvPr id="2" name="Title 1">
+            <a:extLst>
+              <a:ext uri="{FF2B5EF4-FFF2-40B4-BE49-F238E27FC236}">
+                <a16:creationId xmlns:a16="http://schemas.microsoft.com/office/drawing/2014/main" id="{575F4081-31BC-774C-C1EB-75A050907BFF}"/>
+              </a:ext>
+            </a:extLst>
+          </p:cNvPr>
+          <p:cNvSpPr>
+            <a:spLocks noGrp="1"/>
+          </p:cNvSpPr>
+          <p:nvPr>
+            <p:ph type="title"/>
+          </p:nvPr>
+        </p:nvSpPr>
+        <p:spPr/>
+        <p:txBody>
+          <a:bodyPr/>
+          <a:lstStyle/>
+          <a:p>
+            <a:r>
+              <a:rPr lang="en-US" dirty="0"/>
+              <a:t>C</a:t>
+            </a:r>
+            <a:r>
+              <a:rPr lang="en-CH" dirty="0"/>
+              <a:t>ontribution levels</a:t>
+            </a:r>
+          </a:p>
+        </p:txBody>
+      </p:sp>
+      <p:sp>
+        <p:nvSpPr>
+          <p:cNvPr id="3" name="Content Placeholder 2">
+            <a:extLst>
+              <a:ext uri="{FF2B5EF4-FFF2-40B4-BE49-F238E27FC236}">
+                <a16:creationId xmlns:a16="http://schemas.microsoft.com/office/drawing/2014/main" id="{88B5BC8D-FD02-5098-F6E0-E650FCC6A74A}"/>
+              </a:ext>
+            </a:extLst>
+          </p:cNvPr>
+          <p:cNvSpPr>
+            <a:spLocks noGrp="1"/>
+          </p:cNvSpPr>
+          <p:nvPr>
+            <p:ph idx="1"/>
+          </p:nvPr>
+        </p:nvSpPr>
+        <p:spPr/>
+        <p:txBody>
+          <a:bodyPr>
+            <a:normAutofit/>
+          </a:bodyPr>
+          <a:lstStyle/>
+          <a:p>
+            <a:r>
+              <a:rPr lang="en-US" dirty="0"/>
+              <a:t>Use the packages</a:t>
+            </a:r>
+          </a:p>
+          <a:p>
+            <a:r>
+              <a:rPr lang="en-CH" dirty="0"/>
+              <a:t>Submit </a:t>
+            </a:r>
+            <a:r>
+              <a:rPr lang="en-US" dirty="0"/>
+              <a:t>I</a:t>
+            </a:r>
+            <a:r>
+              <a:rPr lang="en-CH" dirty="0"/>
+              <a:t>ssue</a:t>
+            </a:r>
+            <a:r>
+              <a:rPr lang="en-US" dirty="0"/>
+              <a:t>s</a:t>
+            </a:r>
+            <a:r>
+              <a:rPr lang="en-CH" dirty="0"/>
+              <a:t> </a:t>
+            </a:r>
+            <a:endParaRPr lang="en-US" dirty="0"/>
+          </a:p>
+          <a:p>
+            <a:pPr lvl="1"/>
+            <a:r>
+              <a:rPr lang="en-CH" dirty="0"/>
+              <a:t>doc</a:t>
+            </a:r>
+            <a:r>
+              <a:rPr lang="en-US" dirty="0" err="1"/>
+              <a:t>umentation</a:t>
+            </a:r>
+            <a:r>
+              <a:rPr lang="en-CH" dirty="0"/>
+              <a:t> </a:t>
+            </a:r>
+            <a:endParaRPr lang="en-US" dirty="0"/>
+          </a:p>
+          <a:p>
+            <a:pPr lvl="1"/>
+            <a:r>
+              <a:rPr lang="en-CH" dirty="0"/>
+              <a:t>feature request</a:t>
+            </a:r>
+            <a:r>
+              <a:rPr lang="en-US" dirty="0"/>
+              <a:t>s</a:t>
+            </a:r>
+          </a:p>
+          <a:p>
+            <a:pPr lvl="1"/>
+            <a:r>
+              <a:rPr lang="en-CH" dirty="0"/>
+              <a:t>bug</a:t>
+            </a:r>
+          </a:p>
+          <a:p>
+            <a:r>
+              <a:rPr lang="en-CH" dirty="0"/>
+              <a:t>Submit </a:t>
+            </a:r>
+            <a:r>
+              <a:rPr lang="en-US" dirty="0"/>
+              <a:t>I</a:t>
+            </a:r>
+            <a:r>
+              <a:rPr lang="en-CH" dirty="0"/>
+              <a:t>ssue</a:t>
+            </a:r>
+            <a:r>
+              <a:rPr lang="en-US" dirty="0"/>
+              <a:t>s</a:t>
+            </a:r>
+            <a:r>
+              <a:rPr lang="en-CH" dirty="0"/>
+              <a:t> and (co)develop the PR</a:t>
+            </a:r>
+          </a:p>
+          <a:p>
+            <a:r>
+              <a:rPr lang="en-US" dirty="0"/>
+              <a:t>J</a:t>
+            </a:r>
+            <a:r>
+              <a:rPr lang="en-CH" dirty="0"/>
+              <a:t>oin as a contributor – get in touch with the maintainer</a:t>
+            </a:r>
+          </a:p>
+          <a:p>
+            <a:pPr marL="0" indent="0">
+              <a:buNone/>
+            </a:pPr>
+            <a:endParaRPr lang="en-CH" dirty="0"/>
+          </a:p>
+          <a:p>
+            <a:pPr marL="0" indent="0">
+              <a:buNone/>
+            </a:pPr>
+            <a:r>
+              <a:rPr lang="en-CH" dirty="0"/>
+              <a:t>All types of contributions are welcome!</a:t>
+            </a:r>
+          </a:p>
+          <a:p>
+            <a:endParaRPr lang="en-CH" dirty="0"/>
+          </a:p>
+        </p:txBody>
+      </p:sp>
+    </p:spTree>
+    <p:extLst>
+      <p:ext uri="{BB962C8B-B14F-4D97-AF65-F5344CB8AC3E}">
+        <p14:creationId xmlns:p14="http://schemas.microsoft.com/office/powerpoint/2010/main" val="3564788154"/>
+      </p:ext>
+    </p:extLst>
+  </p:cSld>
+  <p:clrMapOvr>
+    <a:masterClrMapping/>
+  </p:clrMapOvr>
+  <p:timing>
+    <p:tnLst>
+      <p:par>
+        <p:cTn id="1" dur="indefinite" restart="never" nodeType="tmRoot">
+          <p:childTnLst>
+            <p:seq concurrent="1" nextAc="seek">
+              <p:cTn id="2" dur="indefinite" nodeType="mainSeq">
+                <p:childTnLst>
+                  <p:par>
+                    <p:cTn id="3" fill="hold">
+                      <p:stCondLst>
+                        <p:cond delay="indefinite"/>
+                      </p:stCondLst>
+                      <p:childTnLst>
+                        <p:par>
+                          <p:cTn id="4" fill="hold">
+                            <p:stCondLst>
+                              <p:cond delay="0"/>
+                            </p:stCondLst>
+                            <p:childTnLst>
+                              <p:par>
+                                <p:cTn id="5" presetID="1" presetClass="entr" presetSubtype="0" fill="hold" nodeType="clickEffect">
+                                  <p:stCondLst>
+                                    <p:cond delay="0"/>
+                                  </p:stCondLst>
+                                  <p:childTnLst>
+                                    <p:set>
+                                      <p:cBhvr>
+                                        <p:cTn id="6" dur="1" fill="hold">
+                                          <p:stCondLst>
+                                            <p:cond delay="0"/>
+                                          </p:stCondLst>
+                                        </p:cTn>
+                                        <p:tgtEl>
+                                          <p:spTgt spid="3">
+                                            <p:txEl>
+                                              <p:pRg st="5" end="5"/>
+                                            </p:txEl>
+                                          </p:spTgt>
+                                        </p:tgtEl>
+                                        <p:attrNameLst>
+                                          <p:attrName>style.visibility</p:attrName>
+                                        </p:attrNameLst>
+                                      </p:cBhvr>
+                                      <p:to>
+                                        <p:strVal val="visible"/>
+                                      </p:to>
+                                    </p:set>
+                                  </p:childTnLst>
+                                </p:cTn>
+                              </p:par>
+                            </p:childTnLst>
+                          </p:cTn>
+                        </p:par>
+                      </p:childTnLst>
+                    </p:cTn>
+                  </p:par>
+                  <p:par>
+                    <p:cTn id="7" fill="hold">
+                      <p:stCondLst>
+                        <p:cond delay="indefinite"/>
+                      </p:stCondLst>
+                      <p:childTnLst>
+                        <p:par>
+                          <p:cTn id="8" fill="hold">
+                            <p:stCondLst>
+                              <p:cond delay="0"/>
+                            </p:stCondLst>
+                            <p:childTnLst>
+                              <p:par>
+                                <p:cTn id="9" presetID="1" presetClass="entr" presetSubtype="0" fill="hold" nodeType="clickEffect">
+                                  <p:stCondLst>
+                                    <p:cond delay="0"/>
+                                  </p:stCondLst>
+                                  <p:childTnLst>
+                                    <p:set>
+                                      <p:cBhvr>
+                                        <p:cTn id="10" dur="1" fill="hold">
+                                          <p:stCondLst>
+                                            <p:cond delay="0"/>
+                                          </p:stCondLst>
+                                        </p:cTn>
+                                        <p:tgtEl>
+                                          <p:spTgt spid="3">
+                                            <p:txEl>
+                                              <p:pRg st="6" end="6"/>
+                                            </p:txEl>
+                                          </p:spTgt>
+                                        </p:tgtEl>
+                                        <p:attrNameLst>
+                                          <p:attrName>style.visibility</p:attrName>
+                                        </p:attrNameLst>
+                                      </p:cBhvr>
+                                      <p:to>
+                                        <p:strVal val="visible"/>
+                                      </p:to>
+                                    </p:set>
+                                  </p:childTnLst>
+                                </p:cTn>
+                              </p:par>
+                            </p:childTnLst>
+                          </p:cTn>
+                        </p:par>
+                      </p:childTnLst>
+                    </p:cTn>
+                  </p:par>
+                  <p:par>
+                    <p:cTn id="11" fill="hold">
+                      <p:stCondLst>
+                        <p:cond delay="indefinite"/>
+                      </p:stCondLst>
+                      <p:childTnLst>
+                        <p:par>
+                          <p:cTn id="12" fill="hold">
+                            <p:stCondLst>
+                              <p:cond delay="0"/>
+                            </p:stCondLst>
+                            <p:childTnLst>
+                              <p:par>
+                                <p:cTn id="13" presetID="1" presetClass="entr" presetSubtype="0" fill="hold" nodeType="clickEffect">
+                                  <p:stCondLst>
+                                    <p:cond delay="0"/>
+                                  </p:stCondLst>
+                                  <p:childTnLst>
+                                    <p:set>
+                                      <p:cBhvr>
+                                        <p:cTn id="14" dur="1" fill="hold">
+                                          <p:stCondLst>
+                                            <p:cond delay="0"/>
+                                          </p:stCondLst>
+                                        </p:cTn>
+                                        <p:tgtEl>
+                                          <p:spTgt spid="3">
+                                            <p:txEl>
+                                              <p:pRg st="8" end="8"/>
+                                            </p:txEl>
+                                          </p:spTgt>
+                                        </p:tgtEl>
+                                        <p:attrNameLst>
+                                          <p:attrName>style.visibility</p:attrName>
+                                        </p:attrNameLst>
+                                      </p:cBhvr>
+                                      <p:to>
+                                        <p:strVal val="visible"/>
+                                      </p:to>
+                                    </p:set>
+                                  </p:childTnLst>
+                                </p:cTn>
+                              </p:par>
+                            </p:childTnLst>
+                          </p:cTn>
+                        </p:par>
+                      </p:childTnLst>
+                    </p:cTn>
+                  </p:par>
+                </p:childTnLst>
+              </p:cTn>
+              <p:prevCondLst>
+                <p:cond evt="onPrev" delay="0">
+                  <p:tgtEl>
+                    <p:sldTgt/>
+                  </p:tgtEl>
+                </p:cond>
+              </p:prevCondLst>
+              <p:nextCondLst>
+                <p:cond evt="onNext" delay="0">
+                  <p:tgtEl>
+                    <p:sldTgt/>
+                  </p:tgtEl>
+                </p:cond>
+              </p:nextCondLst>
+            </p:seq>
+          </p:childTnLst>
+        </p:cTn>
+      </p:par>
+    </p:tnLst>
+  </p:timing>
+</p:sld>
+</file>
+
+<file path=ppt/slides/slide12.xml><?xml version="1.0" encoding="utf-8"?>
+<p:sld xmlns:a="http://schemas.openxmlformats.org/drawingml/2006/main" xmlns:r="http://schemas.openxmlformats.org/officeDocument/2006/relationships" xmlns:p="http://schemas.openxmlformats.org/presentationml/2006/main">
+  <p:cSld>
+    <p:spTree>
+      <p:nvGrpSpPr>
+        <p:cNvPr id="1" name=""/>
+        <p:cNvGrpSpPr/>
+        <p:nvPr/>
+      </p:nvGrpSpPr>
+      <p:grpSpPr>
+        <a:xfrm>
+          <a:off x="0" y="0"/>
+          <a:ext cx="0" cy="0"/>
+          <a:chOff x="0" y="0"/>
+          <a:chExt cx="0" cy="0"/>
+        </a:xfrm>
+      </p:grpSpPr>
+      <p:sp>
+        <p:nvSpPr>
+          <p:cNvPr id="2" name="Title 1">
+            <a:extLst>
+              <a:ext uri="{FF2B5EF4-FFF2-40B4-BE49-F238E27FC236}">
+                <a16:creationId xmlns:a16="http://schemas.microsoft.com/office/drawing/2014/main" id="{487008A4-B3BE-6337-2C22-49AE4408EB28}"/>
+              </a:ext>
+            </a:extLst>
+          </p:cNvPr>
+          <p:cNvSpPr>
+            <a:spLocks noGrp="1"/>
+          </p:cNvSpPr>
+          <p:nvPr>
+            <p:ph type="title"/>
+          </p:nvPr>
+        </p:nvSpPr>
+        <p:spPr/>
+        <p:txBody>
+          <a:bodyPr/>
+          <a:lstStyle/>
+          <a:p>
+            <a:r>
+              <a:rPr lang="en-US" dirty="0"/>
+              <a:t>Exercise Time! (50 minutes)</a:t>
+            </a:r>
+          </a:p>
+        </p:txBody>
+      </p:sp>
+      <p:sp>
+        <p:nvSpPr>
+          <p:cNvPr id="3" name="Content Placeholder 2">
+            <a:extLst>
+              <a:ext uri="{FF2B5EF4-FFF2-40B4-BE49-F238E27FC236}">
+                <a16:creationId xmlns:a16="http://schemas.microsoft.com/office/drawing/2014/main" id="{74CF2615-E0BB-1F40-7EF2-6F2B05D99222}"/>
+              </a:ext>
+            </a:extLst>
+          </p:cNvPr>
+          <p:cNvSpPr>
+            <a:spLocks noGrp="1"/>
+          </p:cNvSpPr>
+          <p:nvPr>
+            <p:ph idx="1"/>
+          </p:nvPr>
+        </p:nvSpPr>
+        <p:spPr>
+          <a:xfrm>
+            <a:off x="838200" y="1825625"/>
+            <a:ext cx="5620789" cy="4351338"/>
+          </a:xfrm>
+        </p:spPr>
+        <p:txBody>
+          <a:bodyPr>
+            <a:normAutofit lnSpcReduction="10000"/>
+          </a:bodyPr>
+          <a:lstStyle/>
+          <a:p>
+            <a:r>
+              <a:rPr lang="en-US" dirty="0"/>
+              <a:t>Form a group of group of 5</a:t>
+            </a:r>
+          </a:p>
+          <a:p>
+            <a:r>
+              <a:rPr lang="en-US" dirty="0"/>
+              <a:t>Find an issue across on of the </a:t>
+            </a:r>
+            <a:r>
+              <a:rPr lang="en-US" dirty="0" err="1"/>
+              <a:t>pharmaverse</a:t>
+            </a:r>
+            <a:r>
+              <a:rPr lang="en-US" dirty="0"/>
+              <a:t> packages</a:t>
+            </a:r>
+          </a:p>
+          <a:p>
+            <a:pPr lvl="1"/>
+            <a:r>
+              <a:rPr lang="en-US" dirty="0"/>
+              <a:t>Hint: look for “good first issue”</a:t>
+            </a:r>
+          </a:p>
+          <a:p>
+            <a:pPr lvl="1"/>
+            <a:r>
+              <a:rPr lang="en-US" dirty="0"/>
+              <a:t>Hint: Aim for documentation based issues</a:t>
+            </a:r>
+          </a:p>
+          <a:p>
+            <a:pPr lvl="1"/>
+            <a:r>
+              <a:rPr lang="en-US" dirty="0"/>
+              <a:t>Once you find one, flag down an instructor</a:t>
+            </a:r>
+          </a:p>
+          <a:p>
+            <a:r>
+              <a:rPr lang="en-US" dirty="0"/>
+              <a:t>Lets work on fixing that bug!</a:t>
+            </a:r>
+          </a:p>
+          <a:p>
+            <a:pPr lvl="1"/>
+            <a:r>
+              <a:rPr lang="en-US" dirty="0"/>
+              <a:t>One of the workshop leaders will walk around and help you.</a:t>
+            </a:r>
+          </a:p>
+        </p:txBody>
+      </p:sp>
+      <p:sp>
+        <p:nvSpPr>
+          <p:cNvPr id="5" name="TextBox 4">
+            <a:extLst>
+              <a:ext uri="{FF2B5EF4-FFF2-40B4-BE49-F238E27FC236}">
+                <a16:creationId xmlns:a16="http://schemas.microsoft.com/office/drawing/2014/main" id="{7A861C6E-61DB-2D31-B992-222AED6C0B3E}"/>
+              </a:ext>
+            </a:extLst>
+          </p:cNvPr>
+          <p:cNvSpPr txBox="1"/>
+          <p:nvPr/>
+        </p:nvSpPr>
+        <p:spPr>
+          <a:xfrm>
+            <a:off x="6774874" y="2638338"/>
+            <a:ext cx="5145578" cy="1938992"/>
+          </a:xfrm>
+          <a:prstGeom prst="rect">
+            <a:avLst/>
+          </a:prstGeom>
+          <a:noFill/>
+        </p:spPr>
+        <p:txBody>
+          <a:bodyPr wrap="square">
+            <a:spAutoFit/>
+          </a:bodyPr>
+          <a:lstStyle/>
+          <a:p>
+            <a:r>
+              <a:rPr lang="en-US" sz="2400" dirty="0"/>
+              <a:t>Packages we worked on today:</a:t>
+            </a:r>
+            <a:endParaRPr lang="en-US" sz="2400" dirty="0">
+              <a:hlinkClick r:id="rId2"/>
+            </a:endParaRPr>
+          </a:p>
+          <a:p>
+            <a:endParaRPr lang="en-US" sz="2400" dirty="0">
+              <a:hlinkClick r:id="rId2"/>
+            </a:endParaRPr>
+          </a:p>
+          <a:p>
+            <a:pPr marL="285750" indent="-285750">
+              <a:buFont typeface="Arial" panose="020B0604020202020204" pitchFamily="34" charset="0"/>
+              <a:buChar char="•"/>
+            </a:pPr>
+            <a:r>
+              <a:rPr lang="en-US" dirty="0">
+                <a:hlinkClick r:id="rId2"/>
+              </a:rPr>
+              <a:t>https://github.com/pharmaverse/admiral</a:t>
+            </a:r>
+            <a:endParaRPr lang="en-US" dirty="0"/>
+          </a:p>
+          <a:p>
+            <a:pPr marL="285750" indent="-285750">
+              <a:buFont typeface="Arial" panose="020B0604020202020204" pitchFamily="34" charset="0"/>
+              <a:buChar char="•"/>
+            </a:pPr>
+            <a:r>
+              <a:rPr lang="en-US" dirty="0">
+                <a:hlinkClick r:id="rId3"/>
+              </a:rPr>
+              <a:t>https://github.com/insightsengineering/teal</a:t>
+            </a:r>
+            <a:endParaRPr lang="en-US" dirty="0"/>
+          </a:p>
+          <a:p>
+            <a:pPr marL="285750" indent="-285750">
+              <a:buFont typeface="Arial" panose="020B0604020202020204" pitchFamily="34" charset="0"/>
+              <a:buChar char="•"/>
+            </a:pPr>
+            <a:r>
+              <a:rPr lang="en-US" dirty="0">
+                <a:hlinkClick r:id="rId4"/>
+              </a:rPr>
+              <a:t>https://github.com/GSK-Biostatistics/tfrmt</a:t>
+            </a:r>
+            <a:endParaRPr lang="en-US" dirty="0"/>
+          </a:p>
+          <a:p>
+            <a:pPr marL="285750" indent="-285750">
+              <a:buFont typeface="Arial" panose="020B0604020202020204" pitchFamily="34" charset="0"/>
+              <a:buChar char="•"/>
+            </a:pPr>
+            <a:r>
+              <a:rPr lang="en-US" dirty="0">
+                <a:hlinkClick r:id="rId5"/>
+              </a:rPr>
+              <a:t>https://github.com/GSK-Biostatistics/tfrmtbuilder</a:t>
+            </a:r>
+            <a:endParaRPr lang="en-US" dirty="0"/>
+          </a:p>
+        </p:txBody>
+      </p:sp>
+    </p:spTree>
+    <p:extLst>
+      <p:ext uri="{BB962C8B-B14F-4D97-AF65-F5344CB8AC3E}">
+        <p14:creationId xmlns:p14="http://schemas.microsoft.com/office/powerpoint/2010/main" val="1033892165"/>
+      </p:ext>
+    </p:extLst>
+  </p:cSld>
+  <p:clrMapOvr>
+    <a:masterClrMapping/>
+  </p:clrMapOvr>
+</p:sld>
+</file>
+
+<file path=ppt/slides/slide13.xml><?xml version="1.0" encoding="utf-8"?>
+<p:sld xmlns:a="http://schemas.openxmlformats.org/drawingml/2006/main" xmlns:r="http://schemas.openxmlformats.org/officeDocument/2006/relationships" xmlns:p="http://schemas.openxmlformats.org/presentationml/2006/main">
+  <p:cSld>
+    <p:spTree>
+      <p:nvGrpSpPr>
+        <p:cNvPr id="1" name=""/>
+        <p:cNvGrpSpPr/>
+        <p:nvPr/>
+      </p:nvGrpSpPr>
+      <p:grpSpPr>
+        <a:xfrm>
+          <a:off x="0" y="0"/>
+          <a:ext cx="0" cy="0"/>
+          <a:chOff x="0" y="0"/>
+          <a:chExt cx="0" cy="0"/>
+        </a:xfrm>
+      </p:grpSpPr>
+      <p:sp>
+        <p:nvSpPr>
+          <p:cNvPr id="2" name="Title 1">
+            <a:extLst>
+              <a:ext uri="{FF2B5EF4-FFF2-40B4-BE49-F238E27FC236}">
+                <a16:creationId xmlns:a16="http://schemas.microsoft.com/office/drawing/2014/main" id="{20F2E90E-225D-206C-8CD1-368E2A8A55E6}"/>
+              </a:ext>
+            </a:extLst>
+          </p:cNvPr>
+          <p:cNvSpPr>
+            <a:spLocks noGrp="1"/>
+          </p:cNvSpPr>
+          <p:nvPr>
+            <p:ph type="title"/>
+          </p:nvPr>
+        </p:nvSpPr>
+        <p:spPr/>
+        <p:txBody>
+          <a:bodyPr/>
+          <a:lstStyle/>
+          <a:p>
+            <a:r>
+              <a:rPr lang="en-US" dirty="0"/>
+              <a:t>Close out</a:t>
+            </a:r>
+          </a:p>
+        </p:txBody>
+      </p:sp>
+      <p:sp>
+        <p:nvSpPr>
+          <p:cNvPr id="3" name="Content Placeholder 2">
+            <a:extLst>
+              <a:ext uri="{FF2B5EF4-FFF2-40B4-BE49-F238E27FC236}">
+                <a16:creationId xmlns:a16="http://schemas.microsoft.com/office/drawing/2014/main" id="{2607D7DB-33F2-7EEC-664F-421A1C05E3D9}"/>
+              </a:ext>
+            </a:extLst>
+          </p:cNvPr>
+          <p:cNvSpPr>
+            <a:spLocks noGrp="1"/>
+          </p:cNvSpPr>
+          <p:nvPr>
+            <p:ph idx="1"/>
+          </p:nvPr>
+        </p:nvSpPr>
+        <p:spPr/>
+        <p:txBody>
+          <a:bodyPr/>
+          <a:lstStyle/>
+          <a:p>
+            <a:r>
+              <a:rPr lang="en-US" dirty="0"/>
+              <a:t>Welcome to the </a:t>
+            </a:r>
+            <a:r>
+              <a:rPr lang="en-US" dirty="0" err="1"/>
+              <a:t>Pharmaverse</a:t>
+            </a:r>
+            <a:r>
+              <a:rPr lang="en-US" dirty="0"/>
+              <a:t>!</a:t>
+            </a:r>
+          </a:p>
+          <a:p>
+            <a:r>
+              <a:rPr lang="en-US" dirty="0"/>
+              <a:t>We hope you enjoyed your stay and want to come back to visit, maybe stay for a while</a:t>
+            </a:r>
+          </a:p>
+          <a:p>
+            <a:endParaRPr lang="en-US" dirty="0"/>
+          </a:p>
+        </p:txBody>
+      </p:sp>
+    </p:spTree>
+    <p:extLst>
+      <p:ext uri="{BB962C8B-B14F-4D97-AF65-F5344CB8AC3E}">
+        <p14:creationId xmlns:p14="http://schemas.microsoft.com/office/powerpoint/2010/main" val="2193134711"/>
+      </p:ext>
+    </p:extLst>
+  </p:cSld>
+  <p:clrMapOvr>
+    <a:masterClrMapping/>
+  </p:clrMapOvr>
+</p:sld>
+</file>
+
+<file path=ppt/slides/slide14.xml><?xml version="1.0" encoding="utf-8"?>
+<p:sld xmlns:a="http://schemas.openxmlformats.org/drawingml/2006/main" xmlns:r="http://schemas.openxmlformats.org/officeDocument/2006/relationships" xmlns:p="http://schemas.openxmlformats.org/presentationml/2006/main">
+  <p:cSld>
+    <p:spTree>
+      <p:nvGrpSpPr>
+        <p:cNvPr id="1" name=""/>
+        <p:cNvGrpSpPr/>
+        <p:nvPr/>
+      </p:nvGrpSpPr>
+      <p:grpSpPr>
+        <a:xfrm>
+          <a:off x="0" y="0"/>
+          <a:ext cx="0" cy="0"/>
+          <a:chOff x="0" y="0"/>
+          <a:chExt cx="0" cy="0"/>
+        </a:xfrm>
+      </p:grpSpPr>
+      <p:sp>
+        <p:nvSpPr>
+          <p:cNvPr id="2" name="Title 1">
+            <a:extLst>
+              <a:ext uri="{FF2B5EF4-FFF2-40B4-BE49-F238E27FC236}">
+                <a16:creationId xmlns:a16="http://schemas.microsoft.com/office/drawing/2014/main" id="{311D0BD9-FB7A-6380-8831-C3F0CFB43A02}"/>
+              </a:ext>
+            </a:extLst>
+          </p:cNvPr>
+          <p:cNvSpPr>
+            <a:spLocks noGrp="1"/>
+          </p:cNvSpPr>
+          <p:nvPr>
+            <p:ph type="title"/>
+          </p:nvPr>
+        </p:nvSpPr>
+        <p:spPr/>
+        <p:txBody>
+          <a:bodyPr/>
+          <a:lstStyle/>
+          <a:p>
+            <a:r>
+              <a:rPr lang="en-US" dirty="0"/>
+              <a:t>Post-Workshop Survey</a:t>
+            </a:r>
+          </a:p>
+        </p:txBody>
+      </p:sp>
+      <p:sp>
+        <p:nvSpPr>
+          <p:cNvPr id="3" name="Content Placeholder 2">
+            <a:extLst>
+              <a:ext uri="{FF2B5EF4-FFF2-40B4-BE49-F238E27FC236}">
+                <a16:creationId xmlns:a16="http://schemas.microsoft.com/office/drawing/2014/main" id="{51C6C13D-D8B4-5140-7B35-8F18B35B00E7}"/>
+              </a:ext>
+            </a:extLst>
+          </p:cNvPr>
+          <p:cNvSpPr>
+            <a:spLocks noGrp="1"/>
+          </p:cNvSpPr>
+          <p:nvPr>
+            <p:ph idx="1"/>
+          </p:nvPr>
+        </p:nvSpPr>
+        <p:spPr/>
+        <p:txBody>
+          <a:bodyPr>
+            <a:normAutofit/>
+          </a:bodyPr>
+          <a:lstStyle/>
+          <a:p>
+            <a:r>
+              <a:rPr lang="en-US" dirty="0">
+                <a:effectLst/>
+                <a:latin typeface="Calibri" panose="020F0502020204030204" pitchFamily="34" charset="0"/>
+                <a:ea typeface="Times New Roman" panose="02020603050405020304" pitchFamily="18" charset="0"/>
+              </a:rPr>
+              <a:t>Your feedback is crucial! </a:t>
+            </a:r>
+          </a:p>
+          <a:p>
+            <a:r>
+              <a:rPr lang="en-US" dirty="0">
+                <a:effectLst/>
+                <a:latin typeface="Calibri" panose="020F0502020204030204" pitchFamily="34" charset="0"/>
+                <a:ea typeface="Times New Roman" panose="02020603050405020304" pitchFamily="18" charset="0"/>
+              </a:rPr>
+              <a:t>Data from the survey informs curriculum and format decisions for future conf workshops, and we really appreciate you taking the time to provide it</a:t>
+            </a:r>
+            <a:endParaRPr lang="en-US" sz="4000" dirty="0"/>
+          </a:p>
+        </p:txBody>
+      </p:sp>
+      <p:sp>
+        <p:nvSpPr>
+          <p:cNvPr id="7" name="TextBox 6">
+            <a:extLst>
+              <a:ext uri="{FF2B5EF4-FFF2-40B4-BE49-F238E27FC236}">
+                <a16:creationId xmlns:a16="http://schemas.microsoft.com/office/drawing/2014/main" id="{142F6A5E-9C15-236E-A835-A4901738428E}"/>
+              </a:ext>
+            </a:extLst>
+          </p:cNvPr>
+          <p:cNvSpPr txBox="1"/>
+          <p:nvPr/>
+        </p:nvSpPr>
+        <p:spPr>
+          <a:xfrm>
+            <a:off x="2275263" y="3876102"/>
+            <a:ext cx="7641473" cy="830997"/>
+          </a:xfrm>
+          <a:prstGeom prst="rect">
+            <a:avLst/>
+          </a:prstGeom>
+          <a:noFill/>
+        </p:spPr>
+        <p:txBody>
+          <a:bodyPr wrap="square">
+            <a:spAutoFit/>
+          </a:bodyPr>
+          <a:lstStyle/>
+          <a:p>
+            <a:pPr algn="ctr"/>
+            <a:r>
+              <a:rPr lang="en-US" sz="4800" dirty="0">
+                <a:effectLst/>
+                <a:latin typeface="Calibri" panose="020F0502020204030204" pitchFamily="34" charset="0"/>
+                <a:ea typeface="Times New Roman" panose="02020603050405020304" pitchFamily="18" charset="0"/>
+              </a:rPr>
+              <a:t>pos.it/conf-workshop-survey</a:t>
+            </a:r>
+            <a:endParaRPr lang="en-US" sz="4800" dirty="0"/>
+          </a:p>
+        </p:txBody>
+      </p:sp>
+    </p:spTree>
+    <p:extLst>
+      <p:ext uri="{BB962C8B-B14F-4D97-AF65-F5344CB8AC3E}">
+        <p14:creationId xmlns:p14="http://schemas.microsoft.com/office/powerpoint/2010/main" val="1474830922"/>
+      </p:ext>
+    </p:extLst>
+  </p:cSld>
+  <p:clrMapOvr>
+    <a:masterClrMapping/>
+  </p:clrMapOvr>
+</p:sld>
+</file>
+
 <file path=ppt/slides/slide2.xml><?xml version="1.0" encoding="utf-8"?>
 <p:sld xmlns:a="http://schemas.openxmlformats.org/drawingml/2006/main" xmlns:r="http://schemas.openxmlformats.org/officeDocument/2006/relationships" xmlns:p="http://schemas.openxmlformats.org/presentationml/2006/main">
   <p:cSld>
@@ -3576,7 +4598,16 @@
           <a:bodyPr/>
           <a:lstStyle/>
           <a:p>
-            <a:endParaRPr lang="en-US"/>
+            <a:r>
+              <a:rPr lang="en-US" dirty="0"/>
+              <a:t>Pharmaverse.org</a:t>
+            </a:r>
+          </a:p>
+          <a:p>
+            <a:endParaRPr lang="en-US" dirty="0"/>
+          </a:p>
+          <a:p>
+            <a:endParaRPr lang="en-US" dirty="0"/>
           </a:p>
         </p:txBody>
       </p:sp>
@@ -3760,8 +4791,13 @@
           <a:p>
             <a:r>
               <a:rPr lang="en-US" dirty="0"/>
-              <a:t>Thomas – your PHUSE 2023 talk content would be great here</a:t>
-            </a:r>
+              <a:t>Thomas – your PHUSE 2023 talk content would be great here </a:t>
+            </a:r>
+            <a:r>
+              <a:rPr lang="en-US"/>
+              <a:t>(Slides 3-5)</a:t>
+            </a:r>
+            <a:endParaRPr lang="en-US" dirty="0"/>
           </a:p>
         </p:txBody>
       </p:sp>
@@ -3817,8 +4853,12 @@
           <a:lstStyle/>
           <a:p>
             <a:r>
+              <a:rPr lang="en-US" dirty="0"/>
+              <a:t>C</a:t>
+            </a:r>
+            <a:r>
               <a:rPr lang="en-CH" dirty="0"/>
-              <a:t>Different contribution levels</a:t>
+              <a:t>ontribution levels</a:t>
             </a:r>
           </a:p>
         </p:txBody>
@@ -3842,49 +4882,13 @@
         <p:spPr/>
         <p:txBody>
           <a:bodyPr>
-            <a:normAutofit lnSpcReduction="10000"/>
+            <a:normAutofit/>
           </a:bodyPr>
           <a:lstStyle/>
           <a:p>
             <a:r>
-              <a:rPr lang="en-CH" dirty="0"/>
-              <a:t>Submit the issue (bug / docs / feature request)</a:t>
-            </a:r>
-          </a:p>
-          <a:p>
-            <a:r>
-              <a:rPr lang="en-CH" dirty="0"/>
-              <a:t>Submit the issue and (co)develop the PR</a:t>
-            </a:r>
-          </a:p>
-          <a:p>
-            <a:r>
-              <a:rPr lang="en-CH" dirty="0"/>
-              <a:t>Give us the feedback</a:t>
-            </a:r>
-          </a:p>
-          <a:p>
-            <a:r>
-              <a:rPr lang="en-CH" dirty="0"/>
-              <a:t>Wanted to join as a long term contributor – get in touch with the maintainer</a:t>
-            </a:r>
-          </a:p>
-          <a:p>
-            <a:endParaRPr lang="en-CH" dirty="0"/>
-          </a:p>
-          <a:p>
-            <a:endParaRPr lang="en-CH" dirty="0"/>
-          </a:p>
-          <a:p>
-            <a:endParaRPr lang="en-CH" dirty="0"/>
-          </a:p>
-          <a:p>
-            <a:pPr marL="0" indent="0">
-              <a:buNone/>
-            </a:pPr>
-            <a:r>
-              <a:rPr lang="en-CH" dirty="0"/>
-              <a:t>All types of contributions are welcome!</a:t>
+              <a:rPr lang="en-US" dirty="0"/>
+              <a:t>Use the packages</a:t>
             </a:r>
           </a:p>
           <a:p>
@@ -3895,7 +4899,7 @@
     </p:spTree>
     <p:extLst>
       <p:ext uri="{BB962C8B-B14F-4D97-AF65-F5344CB8AC3E}">
-        <p14:creationId xmlns:p14="http://schemas.microsoft.com/office/powerpoint/2010/main" val="3342367078"/>
+        <p14:creationId xmlns:p14="http://schemas.microsoft.com/office/powerpoint/2010/main" val="2157211617"/>
       </p:ext>
     </p:extLst>
   </p:cSld>
@@ -3927,7 +4931,7 @@
           <p:cNvPr id="2" name="Title 1">
             <a:extLst>
               <a:ext uri="{FF2B5EF4-FFF2-40B4-BE49-F238E27FC236}">
-                <a16:creationId xmlns:a16="http://schemas.microsoft.com/office/drawing/2014/main" id="{E6E92473-15E9-3F94-627D-3E4A63E7A5F0}"/>
+                <a16:creationId xmlns:a16="http://schemas.microsoft.com/office/drawing/2014/main" id="{575F4081-31BC-774C-C1EB-75A050907BFF}"/>
               </a:ext>
             </a:extLst>
           </p:cNvPr>
@@ -3945,7 +4949,11 @@
           <a:p>
             <a:r>
               <a:rPr lang="en-US" dirty="0"/>
-              <a:t>How to contribute?</a:t>
+              <a:t>C</a:t>
+            </a:r>
+            <a:r>
+              <a:rPr lang="en-CH" dirty="0"/>
+              <a:t>ontribution levels</a:t>
             </a:r>
           </a:p>
         </p:txBody>
@@ -3955,7 +4963,7 @@
           <p:cNvPr id="3" name="Content Placeholder 2">
             <a:extLst>
               <a:ext uri="{FF2B5EF4-FFF2-40B4-BE49-F238E27FC236}">
-                <a16:creationId xmlns:a16="http://schemas.microsoft.com/office/drawing/2014/main" id="{8CD8979D-6E0A-FFBE-FB0E-DDF3EBA095A9}"/>
+                <a16:creationId xmlns:a16="http://schemas.microsoft.com/office/drawing/2014/main" id="{88B5BC8D-FD02-5098-F6E0-E650FCC6A74A}"/>
               </a:ext>
             </a:extLst>
           </p:cNvPr>
@@ -3968,50 +4976,256 @@
         </p:nvSpPr>
         <p:spPr/>
         <p:txBody>
-          <a:bodyPr/>
-          <a:lstStyle/>
-          <a:p>
-            <a:r>
-              <a:rPr lang="en-US" dirty="0"/>
-              <a:t>Use it</a:t>
-            </a:r>
-          </a:p>
-          <a:p>
-            <a:r>
-              <a:rPr lang="en-US" dirty="0"/>
-              <a:t>Open issues when bugs are found</a:t>
-            </a:r>
-          </a:p>
-          <a:p>
-            <a:r>
-              <a:rPr lang="en-US" dirty="0"/>
-              <a:t>Provide feedback on ways to improve</a:t>
-            </a:r>
-          </a:p>
-          <a:p>
-            <a:r>
-              <a:rPr lang="en-US" dirty="0"/>
-              <a:t>Serve as part of the teams developing</a:t>
-            </a:r>
-          </a:p>
-          <a:p>
-            <a:r>
-              <a:rPr lang="en-US" dirty="0"/>
-              <a:t>Contribute code</a:t>
-            </a:r>
+          <a:bodyPr>
+            <a:normAutofit/>
+          </a:bodyPr>
+          <a:lstStyle/>
+          <a:p>
+            <a:r>
+              <a:rPr lang="en-US" dirty="0"/>
+              <a:t>Use the packages</a:t>
+            </a:r>
+          </a:p>
+          <a:p>
+            <a:r>
+              <a:rPr lang="en-CH" dirty="0"/>
+              <a:t>Submit </a:t>
+            </a:r>
+            <a:r>
+              <a:rPr lang="en-US" dirty="0"/>
+              <a:t>I</a:t>
+            </a:r>
+            <a:r>
+              <a:rPr lang="en-CH" dirty="0"/>
+              <a:t>ssue</a:t>
+            </a:r>
+            <a:r>
+              <a:rPr lang="en-US" dirty="0"/>
+              <a:t>s</a:t>
+            </a:r>
+            <a:r>
+              <a:rPr lang="en-CH" dirty="0"/>
+              <a:t> </a:t>
+            </a:r>
+            <a:endParaRPr lang="en-US" dirty="0"/>
+          </a:p>
+          <a:p>
+            <a:pPr lvl="1"/>
+            <a:r>
+              <a:rPr lang="en-US" dirty="0"/>
+              <a:t>documentation</a:t>
+            </a:r>
+          </a:p>
+          <a:p>
+            <a:pPr lvl="1"/>
+            <a:r>
+              <a:rPr lang="en-CH" dirty="0"/>
+              <a:t>feature request</a:t>
+            </a:r>
+            <a:r>
+              <a:rPr lang="en-US" dirty="0"/>
+              <a:t>s</a:t>
+            </a:r>
+          </a:p>
+          <a:p>
+            <a:pPr lvl="1"/>
+            <a:r>
+              <a:rPr lang="en-CH" dirty="0"/>
+              <a:t>bug</a:t>
+            </a:r>
+          </a:p>
+          <a:p>
+            <a:endParaRPr lang="en-CH" dirty="0"/>
           </a:p>
         </p:txBody>
       </p:sp>
     </p:spTree>
     <p:extLst>
       <p:ext uri="{BB962C8B-B14F-4D97-AF65-F5344CB8AC3E}">
-        <p14:creationId xmlns:p14="http://schemas.microsoft.com/office/powerpoint/2010/main" val="2635565262"/>
+        <p14:creationId xmlns:p14="http://schemas.microsoft.com/office/powerpoint/2010/main" val="82912287"/>
       </p:ext>
     </p:extLst>
   </p:cSld>
   <p:clrMapOvr>
     <a:masterClrMapping/>
   </p:clrMapOvr>
+  <p:timing>
+    <p:tnLst>
+      <p:par>
+        <p:cTn id="1" dur="indefinite" restart="never" nodeType="tmRoot">
+          <p:childTnLst>
+            <p:seq concurrent="1" nextAc="seek">
+              <p:cTn id="2" dur="indefinite" nodeType="mainSeq">
+                <p:childTnLst>
+                  <p:par>
+                    <p:cTn id="3" fill="hold">
+                      <p:stCondLst>
+                        <p:cond delay="indefinite"/>
+                      </p:stCondLst>
+                      <p:childTnLst>
+                        <p:par>
+                          <p:cTn id="4" fill="hold">
+                            <p:stCondLst>
+                              <p:cond delay="0"/>
+                            </p:stCondLst>
+                            <p:childTnLst>
+                              <p:par>
+                                <p:cTn id="5" presetID="1" presetClass="entr" presetSubtype="0" fill="hold" nodeType="clickEffect">
+                                  <p:stCondLst>
+                                    <p:cond delay="0"/>
+                                  </p:stCondLst>
+                                  <p:childTnLst>
+                                    <p:set>
+                                      <p:cBhvr>
+                                        <p:cTn id="6" dur="1" fill="hold">
+                                          <p:stCondLst>
+                                            <p:cond delay="0"/>
+                                          </p:stCondLst>
+                                        </p:cTn>
+                                        <p:tgtEl>
+                                          <p:spTgt spid="3">
+                                            <p:txEl>
+                                              <p:pRg st="2" end="2"/>
+                                            </p:txEl>
+                                          </p:spTgt>
+                                        </p:tgtEl>
+                                        <p:attrNameLst>
+                                          <p:attrName>style.visibility</p:attrName>
+                                        </p:attrNameLst>
+                                      </p:cBhvr>
+                                      <p:to>
+                                        <p:strVal val="visible"/>
+                                      </p:to>
+                                    </p:set>
+                                  </p:childTnLst>
+                                </p:cTn>
+                              </p:par>
+                            </p:childTnLst>
+                          </p:cTn>
+                        </p:par>
+                      </p:childTnLst>
+                    </p:cTn>
+                  </p:par>
+                  <p:par>
+                    <p:cTn id="7" fill="hold">
+                      <p:stCondLst>
+                        <p:cond delay="indefinite"/>
+                      </p:stCondLst>
+                      <p:childTnLst>
+                        <p:par>
+                          <p:cTn id="8" fill="hold">
+                            <p:stCondLst>
+                              <p:cond delay="0"/>
+                            </p:stCondLst>
+                            <p:childTnLst>
+                              <p:par>
+                                <p:cTn id="9" presetID="1" presetClass="entr" presetSubtype="0" fill="hold" nodeType="clickEffect">
+                                  <p:stCondLst>
+                                    <p:cond delay="0"/>
+                                  </p:stCondLst>
+                                  <p:childTnLst>
+                                    <p:set>
+                                      <p:cBhvr>
+                                        <p:cTn id="10" dur="1" fill="hold">
+                                          <p:stCondLst>
+                                            <p:cond delay="0"/>
+                                          </p:stCondLst>
+                                        </p:cTn>
+                                        <p:tgtEl>
+                                          <p:spTgt spid="3">
+                                            <p:txEl>
+                                              <p:pRg st="3" end="3"/>
+                                            </p:txEl>
+                                          </p:spTgt>
+                                        </p:tgtEl>
+                                        <p:attrNameLst>
+                                          <p:attrName>style.visibility</p:attrName>
+                                        </p:attrNameLst>
+                                      </p:cBhvr>
+                                      <p:to>
+                                        <p:strVal val="visible"/>
+                                      </p:to>
+                                    </p:set>
+                                  </p:childTnLst>
+                                </p:cTn>
+                              </p:par>
+                            </p:childTnLst>
+                          </p:cTn>
+                        </p:par>
+                      </p:childTnLst>
+                    </p:cTn>
+                  </p:par>
+                  <p:par>
+                    <p:cTn id="11" fill="hold">
+                      <p:stCondLst>
+                        <p:cond delay="indefinite"/>
+                      </p:stCondLst>
+                      <p:childTnLst>
+                        <p:par>
+                          <p:cTn id="12" fill="hold">
+                            <p:stCondLst>
+                              <p:cond delay="0"/>
+                            </p:stCondLst>
+                            <p:childTnLst>
+                              <p:par>
+                                <p:cTn id="13" presetID="1" presetClass="entr" presetSubtype="0" fill="hold" nodeType="clickEffect">
+                                  <p:stCondLst>
+                                    <p:cond delay="0"/>
+                                  </p:stCondLst>
+                                  <p:childTnLst>
+                                    <p:set>
+                                      <p:cBhvr>
+                                        <p:cTn id="14" dur="1" fill="hold">
+                                          <p:stCondLst>
+                                            <p:cond delay="0"/>
+                                          </p:stCondLst>
+                                        </p:cTn>
+                                        <p:tgtEl>
+                                          <p:spTgt spid="3">
+                                            <p:txEl>
+                                              <p:pRg st="4" end="4"/>
+                                            </p:txEl>
+                                          </p:spTgt>
+                                        </p:tgtEl>
+                                        <p:attrNameLst>
+                                          <p:attrName>style.visibility</p:attrName>
+                                        </p:attrNameLst>
+                                      </p:cBhvr>
+                                      <p:to>
+                                        <p:strVal val="visible"/>
+                                      </p:to>
+                                    </p:set>
+                                  </p:childTnLst>
+                                </p:cTn>
+                              </p:par>
+                            </p:childTnLst>
+                          </p:cTn>
+                        </p:par>
+                      </p:childTnLst>
+                    </p:cTn>
+                  </p:par>
+                </p:childTnLst>
+              </p:cTn>
+              <p:prevCondLst>
+                <p:cond evt="onPrev" delay="0">
+                  <p:tgtEl>
+                    <p:sldTgt/>
+                  </p:tgtEl>
+                </p:cond>
+              </p:prevCondLst>
+              <p:nextCondLst>
+                <p:cond evt="onNext" delay="0">
+                  <p:tgtEl>
+                    <p:sldTgt/>
+                  </p:tgtEl>
+                </p:cond>
+              </p:nextCondLst>
+            </p:seq>
+          </p:childTnLst>
+        </p:cTn>
+      </p:par>
+    </p:tnLst>
+  </p:timing>
 </p:sld>
 </file>
 
@@ -4053,7 +5267,10 @@
           <a:bodyPr/>
           <a:lstStyle/>
           <a:p>
-            <a:endParaRPr lang="en-US"/>
+            <a:r>
+              <a:rPr lang="en-US" dirty="0"/>
+              <a:t>Opening an Issue</a:t>
+            </a:r>
           </a:p>
         </p:txBody>
       </p:sp>
@@ -4080,13 +5297,46 @@
           <a:p>
             <a:r>
               <a:rPr lang="en-US" dirty="0"/>
-              <a:t>If you saw an bug today, open an issue with an MVP!</a:t>
-            </a:r>
-          </a:p>
-          <a:p>
-            <a:r>
-              <a:rPr lang="en-US" dirty="0"/>
-              <a:t>If you saw a discrepancy or typo in the documentation, open an issue pointing to the documentation and what you think should be fixed</a:t>
+              <a:t>If you saw a discrepancy or typo in the documentation of a package used today, open an issue pointing to the documentation and what you think should be fixed</a:t>
+            </a:r>
+          </a:p>
+          <a:p>
+            <a:pPr lvl="1"/>
+            <a:r>
+              <a:rPr lang="en-US" dirty="0"/>
+              <a:t>Find the </a:t>
+            </a:r>
+            <a:r>
+              <a:rPr lang="en-US" dirty="0" err="1"/>
+              <a:t>github</a:t>
+            </a:r>
+            <a:r>
+              <a:rPr lang="en-US" dirty="0"/>
+              <a:t> page for the package</a:t>
+            </a:r>
+          </a:p>
+          <a:p>
+            <a:pPr lvl="1"/>
+            <a:r>
+              <a:rPr lang="en-US" dirty="0"/>
+              <a:t>Click on “Issues” then “New issue”</a:t>
+            </a:r>
+          </a:p>
+          <a:p>
+            <a:pPr lvl="1"/>
+            <a:r>
+              <a:rPr lang="en-US" dirty="0"/>
+              <a:t>Write the location of the discrepancy and what you think might be a better solution</a:t>
+            </a:r>
+          </a:p>
+          <a:p>
+            <a:pPr lvl="1"/>
+            <a:endParaRPr lang="en-US" dirty="0"/>
+          </a:p>
+          <a:p>
+            <a:r>
+              <a:rPr lang="en-US" dirty="0"/>
+              <a:t>Demo Time on admiral!</a:t>
             </a:r>
           </a:p>
           <a:p>
@@ -4104,6 +5354,85 @@
   <p:clrMapOvr>
     <a:masterClrMapping/>
   </p:clrMapOvr>
+  <p:timing>
+    <p:tnLst>
+      <p:par>
+        <p:cTn id="1" dur="indefinite" restart="never" nodeType="tmRoot">
+          <p:childTnLst>
+            <p:seq concurrent="1" nextAc="seek">
+              <p:cTn id="2" dur="indefinite" nodeType="mainSeq">
+                <p:childTnLst>
+                  <p:par>
+                    <p:cTn id="3" fill="hold">
+                      <p:stCondLst>
+                        <p:cond delay="indefinite"/>
+                      </p:stCondLst>
+                      <p:childTnLst>
+                        <p:par>
+                          <p:cTn id="4" fill="hold">
+                            <p:stCondLst>
+                              <p:cond delay="0"/>
+                            </p:stCondLst>
+                            <p:childTnLst>
+                              <p:par>
+                                <p:cTn id="5" presetID="1" presetClass="entr" presetSubtype="0" fill="hold" nodeType="clickEffect">
+                                  <p:stCondLst>
+                                    <p:cond delay="0"/>
+                                  </p:stCondLst>
+                                  <p:childTnLst>
+                                    <p:set>
+                                      <p:cBhvr>
+                                        <p:cTn id="6" dur="1" fill="hold">
+                                          <p:stCondLst>
+                                            <p:cond delay="0"/>
+                                          </p:stCondLst>
+                                        </p:cTn>
+                                        <p:tgtEl>
+                                          <p:spTgt spid="3">
+                                            <p:txEl>
+                                              <p:pRg st="5" end="5"/>
+                                            </p:txEl>
+                                          </p:spTgt>
+                                        </p:tgtEl>
+                                        <p:attrNameLst>
+                                          <p:attrName>style.visibility</p:attrName>
+                                        </p:attrNameLst>
+                                      </p:cBhvr>
+                                      <p:to>
+                                        <p:strVal val="visible"/>
+                                      </p:to>
+                                    </p:set>
+                                  </p:childTnLst>
+                                </p:cTn>
+                              </p:par>
+                            </p:childTnLst>
+                          </p:cTn>
+                        </p:par>
+                      </p:childTnLst>
+                    </p:cTn>
+                  </p:par>
+                </p:childTnLst>
+              </p:cTn>
+              <p:prevCondLst>
+                <p:cond evt="onPrev" delay="0">
+                  <p:tgtEl>
+                    <p:sldTgt/>
+                  </p:tgtEl>
+                </p:cond>
+              </p:prevCondLst>
+              <p:nextCondLst>
+                <p:cond evt="onNext" delay="0">
+                  <p:tgtEl>
+                    <p:sldTgt/>
+                  </p:tgtEl>
+                </p:cond>
+              </p:nextCondLst>
+            </p:seq>
+          </p:childTnLst>
+        </p:cTn>
+      </p:par>
+    </p:tnLst>
+  </p:timing>
 </p:sld>
 </file>
 
@@ -4129,7 +5458,7 @@
           <p:cNvPr id="2" name="Title 1">
             <a:extLst>
               <a:ext uri="{FF2B5EF4-FFF2-40B4-BE49-F238E27FC236}">
-                <a16:creationId xmlns:a16="http://schemas.microsoft.com/office/drawing/2014/main" id="{487008A4-B3BE-6337-2C22-49AE4408EB28}"/>
+                <a16:creationId xmlns:a16="http://schemas.microsoft.com/office/drawing/2014/main" id="{19213C66-1286-66B5-81E5-991CD41106E6}"/>
               </a:ext>
             </a:extLst>
           </p:cNvPr>
@@ -4145,7 +5474,10 @@
           <a:bodyPr/>
           <a:lstStyle/>
           <a:p>
-            <a:endParaRPr lang="en-US"/>
+            <a:r>
+              <a:rPr lang="en-US" dirty="0"/>
+              <a:t>Opening an Issue (Innovator mode)</a:t>
+            </a:r>
           </a:p>
         </p:txBody>
       </p:sp>
@@ -4154,7 +5486,7 @@
           <p:cNvPr id="3" name="Content Placeholder 2">
             <a:extLst>
               <a:ext uri="{FF2B5EF4-FFF2-40B4-BE49-F238E27FC236}">
-                <a16:creationId xmlns:a16="http://schemas.microsoft.com/office/drawing/2014/main" id="{74CF2615-E0BB-1F40-7EF2-6F2B05D99222}"/>
+                <a16:creationId xmlns:a16="http://schemas.microsoft.com/office/drawing/2014/main" id="{48E16900-D0F4-27A6-5BBB-4673F1514A3B}"/>
               </a:ext>
             </a:extLst>
           </p:cNvPr>
@@ -4172,63 +5504,58 @@
           <a:p>
             <a:r>
               <a:rPr lang="en-US" dirty="0"/>
-              <a:t>Form a group of group of 5</a:t>
-            </a:r>
-          </a:p>
-          <a:p>
-            <a:r>
-              <a:rPr lang="en-US" dirty="0"/>
-              <a:t>Find an issue across on of the </a:t>
+              <a:t>If you have a feature you would like to see in the package!</a:t>
+            </a:r>
+          </a:p>
+          <a:p>
+            <a:pPr lvl="1"/>
+            <a:r>
+              <a:rPr lang="en-US" dirty="0"/>
+              <a:t>Find the </a:t>
             </a:r>
             <a:r>
               <a:rPr lang="en-US" dirty="0" err="1"/>
-              <a:t>pharmaverse</a:t>
-            </a:r>
-            <a:r>
-              <a:rPr lang="en-US" dirty="0"/>
-              <a:t> packages</a:t>
+              <a:t>github</a:t>
+            </a:r>
+            <a:r>
+              <a:rPr lang="en-US" dirty="0"/>
+              <a:t> page for the package</a:t>
             </a:r>
           </a:p>
           <a:p>
             <a:pPr lvl="1"/>
             <a:r>
               <a:rPr lang="en-US" dirty="0"/>
-              <a:t>Hint: look for ones marked “good first issue”</a:t>
+              <a:t>Click on “Issues” then “New issue”</a:t>
             </a:r>
           </a:p>
           <a:p>
             <a:pPr lvl="1"/>
             <a:r>
               <a:rPr lang="en-US" dirty="0"/>
-              <a:t>Hint: Aim for documentation based issues</a:t>
+              <a:t>Write out an explanation of the feature you would like to see and why</a:t>
             </a:r>
           </a:p>
           <a:p>
             <a:pPr lvl="1"/>
             <a:r>
               <a:rPr lang="en-US" dirty="0"/>
-              <a:t>Once you find one, flag down an instructor</a:t>
-            </a:r>
-          </a:p>
-          <a:p>
-            <a:r>
-              <a:rPr lang="en-US" dirty="0"/>
-              <a:t>Lets work on fixing that bug!</a:t>
-            </a:r>
-          </a:p>
-          <a:p>
-            <a:pPr lvl="1"/>
-            <a:r>
-              <a:rPr lang="en-US" dirty="0"/>
-              <a:t>One of the workshop leaders will walk around and help you.</a:t>
-            </a:r>
+              <a:t>(optional) write pseudocode code content, detailing what you would expect and how you would like to interact with it</a:t>
+            </a:r>
+          </a:p>
+          <a:p>
+            <a:pPr lvl="2"/>
+            <a:endParaRPr lang="en-US" dirty="0"/>
+          </a:p>
+          <a:p>
+            <a:endParaRPr lang="en-US" dirty="0"/>
           </a:p>
         </p:txBody>
       </p:sp>
     </p:spTree>
     <p:extLst>
       <p:ext uri="{BB962C8B-B14F-4D97-AF65-F5344CB8AC3E}">
-        <p14:creationId xmlns:p14="http://schemas.microsoft.com/office/powerpoint/2010/main" val="1033892165"/>
+        <p14:creationId xmlns:p14="http://schemas.microsoft.com/office/powerpoint/2010/main" val="2731555695"/>
       </p:ext>
     </p:extLst>
   </p:cSld>

--- a/04-pharmaverse/04-Contributing_To_The_Pharmaverse.pptx
+++ b/04-pharmaverse/04-Contributing_To_The_Pharmaverse.pptx
@@ -4,21 +4,31 @@
   <p:sldMasterIdLst>
     <p:sldMasterId id="2147483648" r:id="rId1"/>
   </p:sldMasterIdLst>
+  <p:notesMasterIdLst>
+    <p:notesMasterId r:id="rId23"/>
+  </p:notesMasterIdLst>
   <p:sldIdLst>
     <p:sldId id="256" r:id="rId2"/>
     <p:sldId id="257" r:id="rId3"/>
     <p:sldId id="258" r:id="rId4"/>
     <p:sldId id="259" r:id="rId5"/>
-    <p:sldId id="260" r:id="rId6"/>
-    <p:sldId id="269" r:id="rId7"/>
-    <p:sldId id="270" r:id="rId8"/>
-    <p:sldId id="262" r:id="rId9"/>
-    <p:sldId id="265" r:id="rId10"/>
-    <p:sldId id="266" r:id="rId11"/>
-    <p:sldId id="271" r:id="rId12"/>
-    <p:sldId id="263" r:id="rId13"/>
-    <p:sldId id="267" r:id="rId14"/>
-    <p:sldId id="268" r:id="rId15"/>
+    <p:sldId id="277" r:id="rId6"/>
+    <p:sldId id="261" r:id="rId7"/>
+    <p:sldId id="272" r:id="rId8"/>
+    <p:sldId id="273" r:id="rId9"/>
+    <p:sldId id="264" r:id="rId10"/>
+    <p:sldId id="274" r:id="rId11"/>
+    <p:sldId id="275" r:id="rId12"/>
+    <p:sldId id="276" r:id="rId13"/>
+    <p:sldId id="269" r:id="rId14"/>
+    <p:sldId id="270" r:id="rId15"/>
+    <p:sldId id="262" r:id="rId16"/>
+    <p:sldId id="265" r:id="rId17"/>
+    <p:sldId id="266" r:id="rId18"/>
+    <p:sldId id="271" r:id="rId19"/>
+    <p:sldId id="263" r:id="rId20"/>
+    <p:sldId id="267" r:id="rId21"/>
+    <p:sldId id="268" r:id="rId22"/>
   </p:sldIdLst>
   <p:sldSz cx="12192000" cy="6858000"/>
   <p:notesSz cx="6858000" cy="9144000"/>
@@ -125,6 +135,1091 @@
 </p:presentation>
 </file>
 
+<file path=ppt/commentAuthors.xml><?xml version="1.0" encoding="utf-8"?>
+<p:cmAuthorLst xmlns:a="http://schemas.openxmlformats.org/drawingml/2006/main" xmlns:r="http://schemas.openxmlformats.org/officeDocument/2006/relationships" xmlns:p="http://schemas.openxmlformats.org/presentationml/2006/main">
+  <p:cmAuthor id="1" name="James Black" initials="" lastIdx="2" clrIdx="0"/>
+  <p:cmAuthor id="2" name="Thomas Neitmann" initials="" lastIdx="2" clrIdx="1"/>
+  <p:cmAuthor id="3" name="Stefan Pascal Thoma" initials="" lastIdx="2" clrIdx="2"/>
+</p:cmAuthorLst>
+</file>
+
+<file path=ppt/notesMasters/notesMaster1.xml><?xml version="1.0" encoding="utf-8"?>
+<p:notesMaster xmlns:a="http://schemas.openxmlformats.org/drawingml/2006/main" xmlns:r="http://schemas.openxmlformats.org/officeDocument/2006/relationships" xmlns:p="http://schemas.openxmlformats.org/presentationml/2006/main">
+  <p:cSld>
+    <p:bg>
+      <p:bgRef idx="1001">
+        <a:schemeClr val="bg1"/>
+      </p:bgRef>
+    </p:bg>
+    <p:spTree>
+      <p:nvGrpSpPr>
+        <p:cNvPr id="1" name=""/>
+        <p:cNvGrpSpPr/>
+        <p:nvPr/>
+      </p:nvGrpSpPr>
+      <p:grpSpPr>
+        <a:xfrm>
+          <a:off x="0" y="0"/>
+          <a:ext cx="0" cy="0"/>
+          <a:chOff x="0" y="0"/>
+          <a:chExt cx="0" cy="0"/>
+        </a:xfrm>
+      </p:grpSpPr>
+      <p:sp>
+        <p:nvSpPr>
+          <p:cNvPr id="2" name="Header Placeholder 1"/>
+          <p:cNvSpPr>
+            <a:spLocks noGrp="1"/>
+          </p:cNvSpPr>
+          <p:nvPr>
+            <p:ph type="hdr" sz="quarter"/>
+          </p:nvPr>
+        </p:nvSpPr>
+        <p:spPr>
+          <a:xfrm>
+            <a:off x="0" y="0"/>
+            <a:ext cx="2971800" cy="458788"/>
+          </a:xfrm>
+          <a:prstGeom prst="rect">
+            <a:avLst/>
+          </a:prstGeom>
+        </p:spPr>
+        <p:txBody>
+          <a:bodyPr vert="horz" lIns="91440" tIns="45720" rIns="91440" bIns="45720" rtlCol="0"/>
+          <a:lstStyle>
+            <a:lvl1pPr algn="l">
+              <a:defRPr sz="1200"/>
+            </a:lvl1pPr>
+          </a:lstStyle>
+          <a:p>
+            <a:endParaRPr lang="en-US"/>
+          </a:p>
+        </p:txBody>
+      </p:sp>
+      <p:sp>
+        <p:nvSpPr>
+          <p:cNvPr id="3" name="Date Placeholder 2"/>
+          <p:cNvSpPr>
+            <a:spLocks noGrp="1"/>
+          </p:cNvSpPr>
+          <p:nvPr>
+            <p:ph type="dt" idx="1"/>
+          </p:nvPr>
+        </p:nvSpPr>
+        <p:spPr>
+          <a:xfrm>
+            <a:off x="3884613" y="0"/>
+            <a:ext cx="2971800" cy="458788"/>
+          </a:xfrm>
+          <a:prstGeom prst="rect">
+            <a:avLst/>
+          </a:prstGeom>
+        </p:spPr>
+        <p:txBody>
+          <a:bodyPr vert="horz" lIns="91440" tIns="45720" rIns="91440" bIns="45720" rtlCol="0"/>
+          <a:lstStyle>
+            <a:lvl1pPr algn="r">
+              <a:defRPr sz="1200"/>
+            </a:lvl1pPr>
+          </a:lstStyle>
+          <a:p>
+            <a:fld id="{0B0FE49E-A995-5747-8F82-5779EB95019C}" type="datetimeFigureOut">
+              <a:rPr lang="en-US" smtClean="0"/>
+              <a:t>9/16/23</a:t>
+            </a:fld>
+            <a:endParaRPr lang="en-US"/>
+          </a:p>
+        </p:txBody>
+      </p:sp>
+      <p:sp>
+        <p:nvSpPr>
+          <p:cNvPr id="4" name="Slide Image Placeholder 3"/>
+          <p:cNvSpPr>
+            <a:spLocks noGrp="1" noRot="1" noChangeAspect="1"/>
+          </p:cNvSpPr>
+          <p:nvPr>
+            <p:ph type="sldImg" idx="2"/>
+          </p:nvPr>
+        </p:nvSpPr>
+        <p:spPr>
+          <a:xfrm>
+            <a:off x="685800" y="1143000"/>
+            <a:ext cx="5486400" cy="3086100"/>
+          </a:xfrm>
+          <a:prstGeom prst="rect">
+            <a:avLst/>
+          </a:prstGeom>
+          <a:noFill/>
+          <a:ln w="12700">
+            <a:solidFill>
+              <a:prstClr val="black"/>
+            </a:solidFill>
+          </a:ln>
+        </p:spPr>
+        <p:txBody>
+          <a:bodyPr vert="horz" lIns="91440" tIns="45720" rIns="91440" bIns="45720" rtlCol="0" anchor="ctr"/>
+          <a:lstStyle/>
+          <a:p>
+            <a:endParaRPr lang="en-US"/>
+          </a:p>
+        </p:txBody>
+      </p:sp>
+      <p:sp>
+        <p:nvSpPr>
+          <p:cNvPr id="5" name="Notes Placeholder 4"/>
+          <p:cNvSpPr>
+            <a:spLocks noGrp="1"/>
+          </p:cNvSpPr>
+          <p:nvPr>
+            <p:ph type="body" sz="quarter" idx="3"/>
+          </p:nvPr>
+        </p:nvSpPr>
+        <p:spPr>
+          <a:xfrm>
+            <a:off x="685800" y="4400550"/>
+            <a:ext cx="5486400" cy="3600450"/>
+          </a:xfrm>
+          <a:prstGeom prst="rect">
+            <a:avLst/>
+          </a:prstGeom>
+        </p:spPr>
+        <p:txBody>
+          <a:bodyPr vert="horz" lIns="91440" tIns="45720" rIns="91440" bIns="45720" rtlCol="0"/>
+          <a:lstStyle/>
+          <a:p>
+            <a:pPr lvl="0"/>
+            <a:r>
+              <a:rPr lang="en-US"/>
+              <a:t>Click to edit Master text styles</a:t>
+            </a:r>
+          </a:p>
+          <a:p>
+            <a:pPr lvl="1"/>
+            <a:r>
+              <a:rPr lang="en-US"/>
+              <a:t>Second level</a:t>
+            </a:r>
+          </a:p>
+          <a:p>
+            <a:pPr lvl="2"/>
+            <a:r>
+              <a:rPr lang="en-US"/>
+              <a:t>Third level</a:t>
+            </a:r>
+          </a:p>
+          <a:p>
+            <a:pPr lvl="3"/>
+            <a:r>
+              <a:rPr lang="en-US"/>
+              <a:t>Fourth level</a:t>
+            </a:r>
+          </a:p>
+          <a:p>
+            <a:pPr lvl="4"/>
+            <a:r>
+              <a:rPr lang="en-US"/>
+              <a:t>Fifth level</a:t>
+            </a:r>
+          </a:p>
+        </p:txBody>
+      </p:sp>
+      <p:sp>
+        <p:nvSpPr>
+          <p:cNvPr id="6" name="Footer Placeholder 5"/>
+          <p:cNvSpPr>
+            <a:spLocks noGrp="1"/>
+          </p:cNvSpPr>
+          <p:nvPr>
+            <p:ph type="ftr" sz="quarter" idx="4"/>
+          </p:nvPr>
+        </p:nvSpPr>
+        <p:spPr>
+          <a:xfrm>
+            <a:off x="0" y="8685213"/>
+            <a:ext cx="2971800" cy="458787"/>
+          </a:xfrm>
+          <a:prstGeom prst="rect">
+            <a:avLst/>
+          </a:prstGeom>
+        </p:spPr>
+        <p:txBody>
+          <a:bodyPr vert="horz" lIns="91440" tIns="45720" rIns="91440" bIns="45720" rtlCol="0" anchor="b"/>
+          <a:lstStyle>
+            <a:lvl1pPr algn="l">
+              <a:defRPr sz="1200"/>
+            </a:lvl1pPr>
+          </a:lstStyle>
+          <a:p>
+            <a:endParaRPr lang="en-US"/>
+          </a:p>
+        </p:txBody>
+      </p:sp>
+      <p:sp>
+        <p:nvSpPr>
+          <p:cNvPr id="7" name="Slide Number Placeholder 6"/>
+          <p:cNvSpPr>
+            <a:spLocks noGrp="1"/>
+          </p:cNvSpPr>
+          <p:nvPr>
+            <p:ph type="sldNum" sz="quarter" idx="5"/>
+          </p:nvPr>
+        </p:nvSpPr>
+        <p:spPr>
+          <a:xfrm>
+            <a:off x="3884613" y="8685213"/>
+            <a:ext cx="2971800" cy="458787"/>
+          </a:xfrm>
+          <a:prstGeom prst="rect">
+            <a:avLst/>
+          </a:prstGeom>
+        </p:spPr>
+        <p:txBody>
+          <a:bodyPr vert="horz" lIns="91440" tIns="45720" rIns="91440" bIns="45720" rtlCol="0" anchor="b"/>
+          <a:lstStyle>
+            <a:lvl1pPr algn="r">
+              <a:defRPr sz="1200"/>
+            </a:lvl1pPr>
+          </a:lstStyle>
+          <a:p>
+            <a:fld id="{56A11112-ECB2-7A4B-954B-CC9D9BE61DA1}" type="slidenum">
+              <a:rPr lang="en-US" smtClean="0"/>
+              <a:t>‹#›</a:t>
+            </a:fld>
+            <a:endParaRPr lang="en-US"/>
+          </a:p>
+        </p:txBody>
+      </p:sp>
+    </p:spTree>
+    <p:extLst>
+      <p:ext uri="{BB962C8B-B14F-4D97-AF65-F5344CB8AC3E}">
+        <p14:creationId xmlns:p14="http://schemas.microsoft.com/office/powerpoint/2010/main" val="1996860834"/>
+      </p:ext>
+    </p:extLst>
+  </p:cSld>
+  <p:clrMap bg1="lt1" tx1="dk1" bg2="lt2" tx2="dk2" accent1="accent1" accent2="accent2" accent3="accent3" accent4="accent4" accent5="accent5" accent6="accent6" hlink="hlink" folHlink="folHlink"/>
+  <p:notesStyle>
+    <a:lvl1pPr marL="0" algn="l" defTabSz="914400" rtl="0" eaLnBrk="1" latinLnBrk="0" hangingPunct="1">
+      <a:defRPr sz="1200" kern="1200">
+        <a:solidFill>
+          <a:schemeClr val="tx1"/>
+        </a:solidFill>
+        <a:latin typeface="+mn-lt"/>
+        <a:ea typeface="+mn-ea"/>
+        <a:cs typeface="+mn-cs"/>
+      </a:defRPr>
+    </a:lvl1pPr>
+    <a:lvl2pPr marL="457200" algn="l" defTabSz="914400" rtl="0" eaLnBrk="1" latinLnBrk="0" hangingPunct="1">
+      <a:defRPr sz="1200" kern="1200">
+        <a:solidFill>
+          <a:schemeClr val="tx1"/>
+        </a:solidFill>
+        <a:latin typeface="+mn-lt"/>
+        <a:ea typeface="+mn-ea"/>
+        <a:cs typeface="+mn-cs"/>
+      </a:defRPr>
+    </a:lvl2pPr>
+    <a:lvl3pPr marL="914400" algn="l" defTabSz="914400" rtl="0" eaLnBrk="1" latinLnBrk="0" hangingPunct="1">
+      <a:defRPr sz="1200" kern="1200">
+        <a:solidFill>
+          <a:schemeClr val="tx1"/>
+        </a:solidFill>
+        <a:latin typeface="+mn-lt"/>
+        <a:ea typeface="+mn-ea"/>
+        <a:cs typeface="+mn-cs"/>
+      </a:defRPr>
+    </a:lvl3pPr>
+    <a:lvl4pPr marL="1371600" algn="l" defTabSz="914400" rtl="0" eaLnBrk="1" latinLnBrk="0" hangingPunct="1">
+      <a:defRPr sz="1200" kern="1200">
+        <a:solidFill>
+          <a:schemeClr val="tx1"/>
+        </a:solidFill>
+        <a:latin typeface="+mn-lt"/>
+        <a:ea typeface="+mn-ea"/>
+        <a:cs typeface="+mn-cs"/>
+      </a:defRPr>
+    </a:lvl4pPr>
+    <a:lvl5pPr marL="1828800" algn="l" defTabSz="914400" rtl="0" eaLnBrk="1" latinLnBrk="0" hangingPunct="1">
+      <a:defRPr sz="1200" kern="1200">
+        <a:solidFill>
+          <a:schemeClr val="tx1"/>
+        </a:solidFill>
+        <a:latin typeface="+mn-lt"/>
+        <a:ea typeface="+mn-ea"/>
+        <a:cs typeface="+mn-cs"/>
+      </a:defRPr>
+    </a:lvl5pPr>
+    <a:lvl6pPr marL="2286000" algn="l" defTabSz="914400" rtl="0" eaLnBrk="1" latinLnBrk="0" hangingPunct="1">
+      <a:defRPr sz="1200" kern="1200">
+        <a:solidFill>
+          <a:schemeClr val="tx1"/>
+        </a:solidFill>
+        <a:latin typeface="+mn-lt"/>
+        <a:ea typeface="+mn-ea"/>
+        <a:cs typeface="+mn-cs"/>
+      </a:defRPr>
+    </a:lvl6pPr>
+    <a:lvl7pPr marL="2743200" algn="l" defTabSz="914400" rtl="0" eaLnBrk="1" latinLnBrk="0" hangingPunct="1">
+      <a:defRPr sz="1200" kern="1200">
+        <a:solidFill>
+          <a:schemeClr val="tx1"/>
+        </a:solidFill>
+        <a:latin typeface="+mn-lt"/>
+        <a:ea typeface="+mn-ea"/>
+        <a:cs typeface="+mn-cs"/>
+      </a:defRPr>
+    </a:lvl7pPr>
+    <a:lvl8pPr marL="3200400" algn="l" defTabSz="914400" rtl="0" eaLnBrk="1" latinLnBrk="0" hangingPunct="1">
+      <a:defRPr sz="1200" kern="1200">
+        <a:solidFill>
+          <a:schemeClr val="tx1"/>
+        </a:solidFill>
+        <a:latin typeface="+mn-lt"/>
+        <a:ea typeface="+mn-ea"/>
+        <a:cs typeface="+mn-cs"/>
+      </a:defRPr>
+    </a:lvl8pPr>
+    <a:lvl9pPr marL="3657600" algn="l" defTabSz="914400" rtl="0" eaLnBrk="1" latinLnBrk="0" hangingPunct="1">
+      <a:defRPr sz="1200" kern="1200">
+        <a:solidFill>
+          <a:schemeClr val="tx1"/>
+        </a:solidFill>
+        <a:latin typeface="+mn-lt"/>
+        <a:ea typeface="+mn-ea"/>
+        <a:cs typeface="+mn-cs"/>
+      </a:defRPr>
+    </a:lvl9pPr>
+  </p:notesStyle>
+</p:notesMaster>
+</file>
+
+<file path=ppt/notesSlides/notesSlide1.xml><?xml version="1.0" encoding="utf-8"?>
+<p:notes xmlns:a="http://schemas.openxmlformats.org/drawingml/2006/main" xmlns:r="http://schemas.openxmlformats.org/officeDocument/2006/relationships" xmlns:p="http://schemas.openxmlformats.org/presentationml/2006/main" showMasterSp="0" showMasterPhAnim="0">
+  <p:cSld>
+    <p:spTree>
+      <p:nvGrpSpPr>
+        <p:cNvPr id="1" name="Shape 226"/>
+        <p:cNvGrpSpPr/>
+        <p:nvPr/>
+      </p:nvGrpSpPr>
+      <p:grpSpPr>
+        <a:xfrm>
+          <a:off x="0" y="0"/>
+          <a:ext cx="0" cy="0"/>
+          <a:chOff x="0" y="0"/>
+          <a:chExt cx="0" cy="0"/>
+        </a:xfrm>
+      </p:grpSpPr>
+      <p:sp>
+        <p:nvSpPr>
+          <p:cNvPr id="227" name="Google Shape;227;SLIDES_API974921449_324:notes"/>
+          <p:cNvSpPr>
+            <a:spLocks noGrp="1" noRot="1" noChangeAspect="1"/>
+          </p:cNvSpPr>
+          <p:nvPr>
+            <p:ph type="sldImg" idx="2"/>
+          </p:nvPr>
+        </p:nvSpPr>
+        <p:spPr>
+          <a:xfrm>
+            <a:off x="381000" y="685800"/>
+            <a:ext cx="6096000" cy="3429000"/>
+          </a:xfrm>
+          <a:custGeom>
+            <a:avLst/>
+            <a:gdLst/>
+            <a:ahLst/>
+            <a:cxnLst/>
+            <a:rect l="l" t="t" r="r" b="b"/>
+            <a:pathLst>
+              <a:path w="120000" h="120000" extrusionOk="0">
+                <a:moveTo>
+                  <a:pt x="0" y="0"/>
+                </a:moveTo>
+                <a:lnTo>
+                  <a:pt x="120000" y="0"/>
+                </a:lnTo>
+                <a:lnTo>
+                  <a:pt x="120000" y="120000"/>
+                </a:lnTo>
+                <a:lnTo>
+                  <a:pt x="0" y="120000"/>
+                </a:lnTo>
+                <a:close/>
+              </a:path>
+            </a:pathLst>
+          </a:custGeom>
+        </p:spPr>
+      </p:sp>
+      <p:sp>
+        <p:nvSpPr>
+          <p:cNvPr id="228" name="Google Shape;228;SLIDES_API974921449_324:notes"/>
+          <p:cNvSpPr txBox="1">
+            <a:spLocks noGrp="1"/>
+          </p:cNvSpPr>
+          <p:nvPr>
+            <p:ph type="body" idx="1"/>
+          </p:nvPr>
+        </p:nvSpPr>
+        <p:spPr>
+          <a:xfrm>
+            <a:off x="685800" y="4343400"/>
+            <a:ext cx="5486400" cy="4114800"/>
+          </a:xfrm>
+          <a:prstGeom prst="rect">
+            <a:avLst/>
+          </a:prstGeom>
+        </p:spPr>
+        <p:txBody>
+          <a:bodyPr spcFirstLastPara="1" wrap="square" lIns="91425" tIns="91425" rIns="91425" bIns="91425" anchor="t" anchorCtr="0">
+            <a:noAutofit/>
+          </a:bodyPr>
+          <a:lstStyle/>
+          <a:p>
+            <a:pPr marL="0" lvl="0" indent="0" algn="l" rtl="0">
+              <a:spcBef>
+                <a:spcPts val="0"/>
+              </a:spcBef>
+              <a:spcAft>
+                <a:spcPts val="0"/>
+              </a:spcAft>
+              <a:buNone/>
+            </a:pPr>
+            <a:endParaRPr/>
+          </a:p>
+        </p:txBody>
+      </p:sp>
+    </p:spTree>
+  </p:cSld>
+  <p:clrMapOvr>
+    <a:masterClrMapping/>
+  </p:clrMapOvr>
+</p:notes>
+</file>
+
+<file path=ppt/notesSlides/notesSlide2.xml><?xml version="1.0" encoding="utf-8"?>
+<p:notes xmlns:a="http://schemas.openxmlformats.org/drawingml/2006/main" xmlns:r="http://schemas.openxmlformats.org/officeDocument/2006/relationships" xmlns:p="http://schemas.openxmlformats.org/presentationml/2006/main" showMasterSp="0" showMasterPhAnim="0">
+  <p:cSld>
+    <p:spTree>
+      <p:nvGrpSpPr>
+        <p:cNvPr id="1" name="Shape 235"/>
+        <p:cNvGrpSpPr/>
+        <p:nvPr/>
+      </p:nvGrpSpPr>
+      <p:grpSpPr>
+        <a:xfrm>
+          <a:off x="0" y="0"/>
+          <a:ext cx="0" cy="0"/>
+          <a:chOff x="0" y="0"/>
+          <a:chExt cx="0" cy="0"/>
+        </a:xfrm>
+      </p:grpSpPr>
+      <p:sp>
+        <p:nvSpPr>
+          <p:cNvPr id="236" name="Google Shape;236;g1dd3d6cdb24_0_18:notes"/>
+          <p:cNvSpPr>
+            <a:spLocks noGrp="1" noRot="1" noChangeAspect="1"/>
+          </p:cNvSpPr>
+          <p:nvPr>
+            <p:ph type="sldImg" idx="2"/>
+          </p:nvPr>
+        </p:nvSpPr>
+        <p:spPr>
+          <a:xfrm>
+            <a:off x="381300" y="685800"/>
+            <a:ext cx="6096000" cy="3429000"/>
+          </a:xfrm>
+          <a:custGeom>
+            <a:avLst/>
+            <a:gdLst/>
+            <a:ahLst/>
+            <a:cxnLst/>
+            <a:rect l="l" t="t" r="r" b="b"/>
+            <a:pathLst>
+              <a:path w="120000" h="120000" extrusionOk="0">
+                <a:moveTo>
+                  <a:pt x="0" y="0"/>
+                </a:moveTo>
+                <a:lnTo>
+                  <a:pt x="120000" y="0"/>
+                </a:lnTo>
+                <a:lnTo>
+                  <a:pt x="120000" y="120000"/>
+                </a:lnTo>
+                <a:lnTo>
+                  <a:pt x="0" y="120000"/>
+                </a:lnTo>
+                <a:close/>
+              </a:path>
+            </a:pathLst>
+          </a:custGeom>
+        </p:spPr>
+      </p:sp>
+      <p:sp>
+        <p:nvSpPr>
+          <p:cNvPr id="237" name="Google Shape;237;g1dd3d6cdb24_0_18:notes"/>
+          <p:cNvSpPr txBox="1">
+            <a:spLocks noGrp="1"/>
+          </p:cNvSpPr>
+          <p:nvPr>
+            <p:ph type="body" idx="1"/>
+          </p:nvPr>
+        </p:nvSpPr>
+        <p:spPr>
+          <a:xfrm>
+            <a:off x="685800" y="4343400"/>
+            <a:ext cx="5486400" cy="4114800"/>
+          </a:xfrm>
+          <a:prstGeom prst="rect">
+            <a:avLst/>
+          </a:prstGeom>
+        </p:spPr>
+        <p:txBody>
+          <a:bodyPr spcFirstLastPara="1" wrap="square" lIns="91425" tIns="91425" rIns="91425" bIns="91425" anchor="t" anchorCtr="0">
+            <a:noAutofit/>
+          </a:bodyPr>
+          <a:lstStyle/>
+          <a:p>
+            <a:pPr marL="0" lvl="0" indent="0" algn="l" rtl="0">
+              <a:spcBef>
+                <a:spcPts val="0"/>
+              </a:spcBef>
+              <a:spcAft>
+                <a:spcPts val="0"/>
+              </a:spcAft>
+              <a:buNone/>
+            </a:pPr>
+            <a:endParaRPr/>
+          </a:p>
+        </p:txBody>
+      </p:sp>
+    </p:spTree>
+  </p:cSld>
+  <p:clrMapOvr>
+    <a:masterClrMapping/>
+  </p:clrMapOvr>
+</p:notes>
+</file>
+
+<file path=ppt/notesSlides/notesSlide3.xml><?xml version="1.0" encoding="utf-8"?>
+<p:notes xmlns:a="http://schemas.openxmlformats.org/drawingml/2006/main" xmlns:r="http://schemas.openxmlformats.org/officeDocument/2006/relationships" xmlns:p="http://schemas.openxmlformats.org/presentationml/2006/main" showMasterSp="0" showMasterPhAnim="0">
+  <p:cSld>
+    <p:spTree>
+      <p:nvGrpSpPr>
+        <p:cNvPr id="1" name="Shape 244"/>
+        <p:cNvGrpSpPr/>
+        <p:nvPr/>
+      </p:nvGrpSpPr>
+      <p:grpSpPr>
+        <a:xfrm>
+          <a:off x="0" y="0"/>
+          <a:ext cx="0" cy="0"/>
+          <a:chOff x="0" y="0"/>
+          <a:chExt cx="0" cy="0"/>
+        </a:xfrm>
+      </p:grpSpPr>
+      <p:sp>
+        <p:nvSpPr>
+          <p:cNvPr id="245" name="Google Shape;245;g1dd3d6cdb24_0_2:notes"/>
+          <p:cNvSpPr>
+            <a:spLocks noGrp="1" noRot="1" noChangeAspect="1"/>
+          </p:cNvSpPr>
+          <p:nvPr>
+            <p:ph type="sldImg" idx="2"/>
+          </p:nvPr>
+        </p:nvSpPr>
+        <p:spPr>
+          <a:xfrm>
+            <a:off x="381300" y="685800"/>
+            <a:ext cx="6096000" cy="3429000"/>
+          </a:xfrm>
+          <a:custGeom>
+            <a:avLst/>
+            <a:gdLst/>
+            <a:ahLst/>
+            <a:cxnLst/>
+            <a:rect l="l" t="t" r="r" b="b"/>
+            <a:pathLst>
+              <a:path w="120000" h="120000" extrusionOk="0">
+                <a:moveTo>
+                  <a:pt x="0" y="0"/>
+                </a:moveTo>
+                <a:lnTo>
+                  <a:pt x="120000" y="0"/>
+                </a:lnTo>
+                <a:lnTo>
+                  <a:pt x="120000" y="120000"/>
+                </a:lnTo>
+                <a:lnTo>
+                  <a:pt x="0" y="120000"/>
+                </a:lnTo>
+                <a:close/>
+              </a:path>
+            </a:pathLst>
+          </a:custGeom>
+        </p:spPr>
+      </p:sp>
+      <p:sp>
+        <p:nvSpPr>
+          <p:cNvPr id="246" name="Google Shape;246;g1dd3d6cdb24_0_2:notes"/>
+          <p:cNvSpPr txBox="1">
+            <a:spLocks noGrp="1"/>
+          </p:cNvSpPr>
+          <p:nvPr>
+            <p:ph type="body" idx="1"/>
+          </p:nvPr>
+        </p:nvSpPr>
+        <p:spPr>
+          <a:xfrm>
+            <a:off x="685800" y="4343400"/>
+            <a:ext cx="5486400" cy="4114800"/>
+          </a:xfrm>
+          <a:prstGeom prst="rect">
+            <a:avLst/>
+          </a:prstGeom>
+        </p:spPr>
+        <p:txBody>
+          <a:bodyPr spcFirstLastPara="1" wrap="square" lIns="91425" tIns="91425" rIns="91425" bIns="91425" anchor="t" anchorCtr="0">
+            <a:noAutofit/>
+          </a:bodyPr>
+          <a:lstStyle/>
+          <a:p>
+            <a:pPr marL="0" lvl="0" indent="0" algn="l" rtl="0">
+              <a:spcBef>
+                <a:spcPts val="0"/>
+              </a:spcBef>
+              <a:spcAft>
+                <a:spcPts val="0"/>
+              </a:spcAft>
+              <a:buNone/>
+            </a:pPr>
+            <a:endParaRPr/>
+          </a:p>
+        </p:txBody>
+      </p:sp>
+    </p:spTree>
+  </p:cSld>
+  <p:clrMapOvr>
+    <a:masterClrMapping/>
+  </p:clrMapOvr>
+</p:notes>
+</file>
+
+<file path=ppt/notesSlides/notesSlide4.xml><?xml version="1.0" encoding="utf-8"?>
+<p:notes xmlns:a="http://schemas.openxmlformats.org/drawingml/2006/main" xmlns:r="http://schemas.openxmlformats.org/officeDocument/2006/relationships" xmlns:p="http://schemas.openxmlformats.org/presentationml/2006/main" showMasterSp="0" showMasterPhAnim="0">
+  <p:cSld>
+    <p:spTree>
+      <p:nvGrpSpPr>
+        <p:cNvPr id="1" name="Shape 253"/>
+        <p:cNvGrpSpPr/>
+        <p:nvPr/>
+      </p:nvGrpSpPr>
+      <p:grpSpPr>
+        <a:xfrm>
+          <a:off x="0" y="0"/>
+          <a:ext cx="0" cy="0"/>
+          <a:chOff x="0" y="0"/>
+          <a:chExt cx="0" cy="0"/>
+        </a:xfrm>
+      </p:grpSpPr>
+      <p:sp>
+        <p:nvSpPr>
+          <p:cNvPr id="254" name="Google Shape;254;g1dd3d6cdb24_0_6:notes"/>
+          <p:cNvSpPr>
+            <a:spLocks noGrp="1" noRot="1" noChangeAspect="1"/>
+          </p:cNvSpPr>
+          <p:nvPr>
+            <p:ph type="sldImg" idx="2"/>
+          </p:nvPr>
+        </p:nvSpPr>
+        <p:spPr>
+          <a:xfrm>
+            <a:off x="381000" y="685800"/>
+            <a:ext cx="6096000" cy="3429000"/>
+          </a:xfrm>
+          <a:custGeom>
+            <a:avLst/>
+            <a:gdLst/>
+            <a:ahLst/>
+            <a:cxnLst/>
+            <a:rect l="l" t="t" r="r" b="b"/>
+            <a:pathLst>
+              <a:path w="120000" h="120000" extrusionOk="0">
+                <a:moveTo>
+                  <a:pt x="0" y="0"/>
+                </a:moveTo>
+                <a:lnTo>
+                  <a:pt x="120000" y="0"/>
+                </a:lnTo>
+                <a:lnTo>
+                  <a:pt x="120000" y="120000"/>
+                </a:lnTo>
+                <a:lnTo>
+                  <a:pt x="0" y="120000"/>
+                </a:lnTo>
+                <a:close/>
+              </a:path>
+            </a:pathLst>
+          </a:custGeom>
+        </p:spPr>
+      </p:sp>
+      <p:sp>
+        <p:nvSpPr>
+          <p:cNvPr id="255" name="Google Shape;255;g1dd3d6cdb24_0_6:notes"/>
+          <p:cNvSpPr txBox="1">
+            <a:spLocks noGrp="1"/>
+          </p:cNvSpPr>
+          <p:nvPr>
+            <p:ph type="body" idx="1"/>
+          </p:nvPr>
+        </p:nvSpPr>
+        <p:spPr>
+          <a:xfrm>
+            <a:off x="685800" y="4343400"/>
+            <a:ext cx="5486400" cy="4114800"/>
+          </a:xfrm>
+          <a:prstGeom prst="rect">
+            <a:avLst/>
+          </a:prstGeom>
+        </p:spPr>
+        <p:txBody>
+          <a:bodyPr spcFirstLastPara="1" wrap="square" lIns="91425" tIns="91425" rIns="91425" bIns="91425" anchor="t" anchorCtr="0">
+            <a:noAutofit/>
+          </a:bodyPr>
+          <a:lstStyle/>
+          <a:p>
+            <a:pPr marL="0" lvl="0" indent="0" algn="l" rtl="0">
+              <a:spcBef>
+                <a:spcPts val="0"/>
+              </a:spcBef>
+              <a:spcAft>
+                <a:spcPts val="0"/>
+              </a:spcAft>
+              <a:buNone/>
+            </a:pPr>
+            <a:endParaRPr/>
+          </a:p>
+        </p:txBody>
+      </p:sp>
+    </p:spTree>
+  </p:cSld>
+  <p:clrMapOvr>
+    <a:masterClrMapping/>
+  </p:clrMapOvr>
+</p:notes>
+</file>
+
+<file path=ppt/notesSlides/notesSlide5.xml><?xml version="1.0" encoding="utf-8"?>
+<p:notes xmlns:a="http://schemas.openxmlformats.org/drawingml/2006/main" xmlns:r="http://schemas.openxmlformats.org/officeDocument/2006/relationships" xmlns:p="http://schemas.openxmlformats.org/presentationml/2006/main" showMasterSp="0" showMasterPhAnim="0">
+  <p:cSld>
+    <p:spTree>
+      <p:nvGrpSpPr>
+        <p:cNvPr id="1" name="Shape 262"/>
+        <p:cNvGrpSpPr/>
+        <p:nvPr/>
+      </p:nvGrpSpPr>
+      <p:grpSpPr>
+        <a:xfrm>
+          <a:off x="0" y="0"/>
+          <a:ext cx="0" cy="0"/>
+          <a:chOff x="0" y="0"/>
+          <a:chExt cx="0" cy="0"/>
+        </a:xfrm>
+      </p:grpSpPr>
+      <p:sp>
+        <p:nvSpPr>
+          <p:cNvPr id="263" name="Google Shape;263;g20f816340d7_0_2:notes"/>
+          <p:cNvSpPr>
+            <a:spLocks noGrp="1" noRot="1" noChangeAspect="1"/>
+          </p:cNvSpPr>
+          <p:nvPr>
+            <p:ph type="sldImg" idx="2"/>
+          </p:nvPr>
+        </p:nvSpPr>
+        <p:spPr>
+          <a:xfrm>
+            <a:off x="381300" y="685800"/>
+            <a:ext cx="6096000" cy="3429000"/>
+          </a:xfrm>
+          <a:custGeom>
+            <a:avLst/>
+            <a:gdLst/>
+            <a:ahLst/>
+            <a:cxnLst/>
+            <a:rect l="l" t="t" r="r" b="b"/>
+            <a:pathLst>
+              <a:path w="120000" h="120000" extrusionOk="0">
+                <a:moveTo>
+                  <a:pt x="0" y="0"/>
+                </a:moveTo>
+                <a:lnTo>
+                  <a:pt x="120000" y="0"/>
+                </a:lnTo>
+                <a:lnTo>
+                  <a:pt x="120000" y="120000"/>
+                </a:lnTo>
+                <a:lnTo>
+                  <a:pt x="0" y="120000"/>
+                </a:lnTo>
+                <a:close/>
+              </a:path>
+            </a:pathLst>
+          </a:custGeom>
+        </p:spPr>
+      </p:sp>
+      <p:sp>
+        <p:nvSpPr>
+          <p:cNvPr id="264" name="Google Shape;264;g20f816340d7_0_2:notes"/>
+          <p:cNvSpPr txBox="1">
+            <a:spLocks noGrp="1"/>
+          </p:cNvSpPr>
+          <p:nvPr>
+            <p:ph type="body" idx="1"/>
+          </p:nvPr>
+        </p:nvSpPr>
+        <p:spPr>
+          <a:xfrm>
+            <a:off x="685800" y="4343400"/>
+            <a:ext cx="5486400" cy="4114800"/>
+          </a:xfrm>
+          <a:prstGeom prst="rect">
+            <a:avLst/>
+          </a:prstGeom>
+        </p:spPr>
+        <p:txBody>
+          <a:bodyPr spcFirstLastPara="1" wrap="square" lIns="91425" tIns="91425" rIns="91425" bIns="91425" anchor="t" anchorCtr="0">
+            <a:noAutofit/>
+          </a:bodyPr>
+          <a:lstStyle/>
+          <a:p>
+            <a:pPr marL="0" lvl="0" indent="0" algn="l" rtl="0">
+              <a:spcBef>
+                <a:spcPts val="0"/>
+              </a:spcBef>
+              <a:spcAft>
+                <a:spcPts val="0"/>
+              </a:spcAft>
+              <a:buNone/>
+            </a:pPr>
+            <a:endParaRPr/>
+          </a:p>
+        </p:txBody>
+      </p:sp>
+    </p:spTree>
+  </p:cSld>
+  <p:clrMapOvr>
+    <a:masterClrMapping/>
+  </p:clrMapOvr>
+</p:notes>
+</file>
+
+<file path=ppt/notesSlides/notesSlide6.xml><?xml version="1.0" encoding="utf-8"?>
+<p:notes xmlns:a="http://schemas.openxmlformats.org/drawingml/2006/main" xmlns:r="http://schemas.openxmlformats.org/officeDocument/2006/relationships" xmlns:p="http://schemas.openxmlformats.org/presentationml/2006/main" showMasterSp="0" showMasterPhAnim="0">
+  <p:cSld>
+    <p:spTree>
+      <p:nvGrpSpPr>
+        <p:cNvPr id="1" name="Shape 271"/>
+        <p:cNvGrpSpPr/>
+        <p:nvPr/>
+      </p:nvGrpSpPr>
+      <p:grpSpPr>
+        <a:xfrm>
+          <a:off x="0" y="0"/>
+          <a:ext cx="0" cy="0"/>
+          <a:chOff x="0" y="0"/>
+          <a:chExt cx="0" cy="0"/>
+        </a:xfrm>
+      </p:grpSpPr>
+      <p:sp>
+        <p:nvSpPr>
+          <p:cNvPr id="272" name="Google Shape;272;g1dd3d6cdb24_0_10:notes"/>
+          <p:cNvSpPr>
+            <a:spLocks noGrp="1" noRot="1" noChangeAspect="1"/>
+          </p:cNvSpPr>
+          <p:nvPr>
+            <p:ph type="sldImg" idx="2"/>
+          </p:nvPr>
+        </p:nvSpPr>
+        <p:spPr>
+          <a:xfrm>
+            <a:off x="381000" y="685800"/>
+            <a:ext cx="6096000" cy="3429000"/>
+          </a:xfrm>
+          <a:custGeom>
+            <a:avLst/>
+            <a:gdLst/>
+            <a:ahLst/>
+            <a:cxnLst/>
+            <a:rect l="l" t="t" r="r" b="b"/>
+            <a:pathLst>
+              <a:path w="120000" h="120000" extrusionOk="0">
+                <a:moveTo>
+                  <a:pt x="0" y="0"/>
+                </a:moveTo>
+                <a:lnTo>
+                  <a:pt x="120000" y="0"/>
+                </a:lnTo>
+                <a:lnTo>
+                  <a:pt x="120000" y="120000"/>
+                </a:lnTo>
+                <a:lnTo>
+                  <a:pt x="0" y="120000"/>
+                </a:lnTo>
+                <a:close/>
+              </a:path>
+            </a:pathLst>
+          </a:custGeom>
+        </p:spPr>
+      </p:sp>
+      <p:sp>
+        <p:nvSpPr>
+          <p:cNvPr id="273" name="Google Shape;273;g1dd3d6cdb24_0_10:notes"/>
+          <p:cNvSpPr txBox="1">
+            <a:spLocks noGrp="1"/>
+          </p:cNvSpPr>
+          <p:nvPr>
+            <p:ph type="body" idx="1"/>
+          </p:nvPr>
+        </p:nvSpPr>
+        <p:spPr>
+          <a:xfrm>
+            <a:off x="685800" y="4343400"/>
+            <a:ext cx="5486400" cy="4114800"/>
+          </a:xfrm>
+          <a:prstGeom prst="rect">
+            <a:avLst/>
+          </a:prstGeom>
+        </p:spPr>
+        <p:txBody>
+          <a:bodyPr spcFirstLastPara="1" wrap="square" lIns="91425" tIns="91425" rIns="91425" bIns="91425" anchor="t" anchorCtr="0">
+            <a:noAutofit/>
+          </a:bodyPr>
+          <a:lstStyle/>
+          <a:p>
+            <a:pPr marL="0" lvl="0" indent="0" algn="l" rtl="0">
+              <a:spcBef>
+                <a:spcPts val="0"/>
+              </a:spcBef>
+              <a:spcAft>
+                <a:spcPts val="0"/>
+              </a:spcAft>
+              <a:buNone/>
+            </a:pPr>
+            <a:endParaRPr/>
+          </a:p>
+        </p:txBody>
+      </p:sp>
+    </p:spTree>
+  </p:cSld>
+  <p:clrMapOvr>
+    <a:masterClrMapping/>
+  </p:clrMapOvr>
+</p:notes>
+</file>
+
+<file path=ppt/notesSlides/notesSlide7.xml><?xml version="1.0" encoding="utf-8"?>
+<p:notes xmlns:a="http://schemas.openxmlformats.org/drawingml/2006/main" xmlns:r="http://schemas.openxmlformats.org/officeDocument/2006/relationships" xmlns:p="http://schemas.openxmlformats.org/presentationml/2006/main" showMasterSp="0" showMasterPhAnim="0">
+  <p:cSld>
+    <p:spTree>
+      <p:nvGrpSpPr>
+        <p:cNvPr id="1" name="Shape 280"/>
+        <p:cNvGrpSpPr/>
+        <p:nvPr/>
+      </p:nvGrpSpPr>
+      <p:grpSpPr>
+        <a:xfrm>
+          <a:off x="0" y="0"/>
+          <a:ext cx="0" cy="0"/>
+          <a:chOff x="0" y="0"/>
+          <a:chExt cx="0" cy="0"/>
+        </a:xfrm>
+      </p:grpSpPr>
+      <p:sp>
+        <p:nvSpPr>
+          <p:cNvPr id="281" name="Google Shape;281;SLIDES_API974921449_401:notes"/>
+          <p:cNvSpPr>
+            <a:spLocks noGrp="1" noRot="1" noChangeAspect="1"/>
+          </p:cNvSpPr>
+          <p:nvPr>
+            <p:ph type="sldImg" idx="2"/>
+          </p:nvPr>
+        </p:nvSpPr>
+        <p:spPr>
+          <a:xfrm>
+            <a:off x="381300" y="685800"/>
+            <a:ext cx="6096000" cy="3429000"/>
+          </a:xfrm>
+          <a:custGeom>
+            <a:avLst/>
+            <a:gdLst/>
+            <a:ahLst/>
+            <a:cxnLst/>
+            <a:rect l="l" t="t" r="r" b="b"/>
+            <a:pathLst>
+              <a:path w="120000" h="120000" extrusionOk="0">
+                <a:moveTo>
+                  <a:pt x="0" y="0"/>
+                </a:moveTo>
+                <a:lnTo>
+                  <a:pt x="120000" y="0"/>
+                </a:lnTo>
+                <a:lnTo>
+                  <a:pt x="120000" y="120000"/>
+                </a:lnTo>
+                <a:lnTo>
+                  <a:pt x="0" y="120000"/>
+                </a:lnTo>
+                <a:close/>
+              </a:path>
+            </a:pathLst>
+          </a:custGeom>
+        </p:spPr>
+      </p:sp>
+      <p:sp>
+        <p:nvSpPr>
+          <p:cNvPr id="282" name="Google Shape;282;SLIDES_API974921449_401:notes"/>
+          <p:cNvSpPr txBox="1">
+            <a:spLocks noGrp="1"/>
+          </p:cNvSpPr>
+          <p:nvPr>
+            <p:ph type="body" idx="1"/>
+          </p:nvPr>
+        </p:nvSpPr>
+        <p:spPr>
+          <a:xfrm>
+            <a:off x="685800" y="4343400"/>
+            <a:ext cx="5486400" cy="4114800"/>
+          </a:xfrm>
+          <a:prstGeom prst="rect">
+            <a:avLst/>
+          </a:prstGeom>
+        </p:spPr>
+        <p:txBody>
+          <a:bodyPr spcFirstLastPara="1" wrap="square" lIns="91425" tIns="91425" rIns="91425" bIns="91425" anchor="t" anchorCtr="0">
+            <a:noAutofit/>
+          </a:bodyPr>
+          <a:lstStyle/>
+          <a:p>
+            <a:pPr marL="0" lvl="0" indent="0" algn="l" rtl="0">
+              <a:spcBef>
+                <a:spcPts val="0"/>
+              </a:spcBef>
+              <a:spcAft>
+                <a:spcPts val="0"/>
+              </a:spcAft>
+              <a:buNone/>
+            </a:pPr>
+            <a:endParaRPr/>
+          </a:p>
+        </p:txBody>
+      </p:sp>
+    </p:spTree>
+  </p:cSld>
+  <p:clrMapOvr>
+    <a:masterClrMapping/>
+  </p:clrMapOvr>
+</p:notes>
+</file>
+
 <file path=ppt/slideLayouts/slideLayout1.xml><?xml version="1.0" encoding="utf-8"?>
 <p:sldLayout xmlns:a="http://schemas.openxmlformats.org/drawingml/2006/main" xmlns:r="http://schemas.openxmlformats.org/officeDocument/2006/relationships" xmlns:p="http://schemas.openxmlformats.org/presentationml/2006/main" type="title" preserve="1">
   <p:cSld name="Title Slide">
@@ -272,7 +1367,7 @@
           <a:p>
             <a:fld id="{6B20C4F4-914A-412E-A84A-52823570824D}" type="datetimeFigureOut">
               <a:rPr lang="en-US" smtClean="0"/>
-              <a:t>9/13/2023</a:t>
+              <a:t>9/16/23</a:t>
             </a:fld>
             <a:endParaRPr lang="en-US"/>
           </a:p>
@@ -470,7 +1565,7 @@
           <a:p>
             <a:fld id="{6B20C4F4-914A-412E-A84A-52823570824D}" type="datetimeFigureOut">
               <a:rPr lang="en-US" smtClean="0"/>
-              <a:t>9/13/2023</a:t>
+              <a:t>9/16/23</a:t>
             </a:fld>
             <a:endParaRPr lang="en-US"/>
           </a:p>
@@ -678,7 +1773,7 @@
           <a:p>
             <a:fld id="{6B20C4F4-914A-412E-A84A-52823570824D}" type="datetimeFigureOut">
               <a:rPr lang="en-US" smtClean="0"/>
-              <a:t>9/13/2023</a:t>
+              <a:t>9/16/23</a:t>
             </a:fld>
             <a:endParaRPr lang="en-US"/>
           </a:p>
@@ -742,6 +1837,601 @@
     <p:extLst>
       <p:ext uri="{BB962C8B-B14F-4D97-AF65-F5344CB8AC3E}">
         <p14:creationId xmlns:p14="http://schemas.microsoft.com/office/powerpoint/2010/main" val="705789233"/>
+      </p:ext>
+    </p:extLst>
+  </p:cSld>
+  <p:clrMapOvr>
+    <a:masterClrMapping/>
+  </p:clrMapOvr>
+</p:sldLayout>
+</file>
+
+<file path=ppt/slideLayouts/slideLayout12.xml><?xml version="1.0" encoding="utf-8"?>
+<p:sldLayout xmlns:a="http://schemas.openxmlformats.org/drawingml/2006/main" xmlns:r="http://schemas.openxmlformats.org/officeDocument/2006/relationships" xmlns:p="http://schemas.openxmlformats.org/presentationml/2006/main" matchingName="04a - Title and 1 column" type="tx">
+  <p:cSld name="04a - Title and 1 column">
+    <p:spTree>
+      <p:nvGrpSpPr>
+        <p:cNvPr id="1" name="Shape 47"/>
+        <p:cNvGrpSpPr/>
+        <p:nvPr/>
+      </p:nvGrpSpPr>
+      <p:grpSpPr>
+        <a:xfrm>
+          <a:off x="0" y="0"/>
+          <a:ext cx="0" cy="0"/>
+          <a:chOff x="0" y="0"/>
+          <a:chExt cx="0" cy="0"/>
+        </a:xfrm>
+      </p:grpSpPr>
+      <p:sp>
+        <p:nvSpPr>
+          <p:cNvPr id="48" name="Google Shape;48;p8"/>
+          <p:cNvSpPr txBox="1">
+            <a:spLocks noGrp="1"/>
+          </p:cNvSpPr>
+          <p:nvPr>
+            <p:ph type="title"/>
+          </p:nvPr>
+        </p:nvSpPr>
+        <p:spPr>
+          <a:xfrm>
+            <a:off x="761933" y="576900"/>
+            <a:ext cx="9908800" cy="508800"/>
+          </a:xfrm>
+          <a:prstGeom prst="rect">
+            <a:avLst/>
+          </a:prstGeom>
+        </p:spPr>
+        <p:txBody>
+          <a:bodyPr spcFirstLastPara="1" wrap="square" lIns="0" tIns="91425" rIns="91425" bIns="91425" anchor="t" anchorCtr="0">
+            <a:noAutofit/>
+          </a:bodyPr>
+          <a:lstStyle>
+            <a:lvl1pPr lvl="0">
+              <a:spcBef>
+                <a:spcPts val="0"/>
+              </a:spcBef>
+              <a:spcAft>
+                <a:spcPts val="0"/>
+              </a:spcAft>
+              <a:buSzPts val="2200"/>
+              <a:buFont typeface="Roche Sans Medium"/>
+              <a:buNone/>
+              <a:defRPr sz="2933">
+                <a:latin typeface="Roche Sans Medium"/>
+                <a:ea typeface="Roche Sans Medium"/>
+                <a:cs typeface="Roche Sans Medium"/>
+                <a:sym typeface="Roche Sans Medium"/>
+              </a:defRPr>
+            </a:lvl1pPr>
+            <a:lvl2pPr lvl="1">
+              <a:spcBef>
+                <a:spcPts val="0"/>
+              </a:spcBef>
+              <a:spcAft>
+                <a:spcPts val="0"/>
+              </a:spcAft>
+              <a:buClr>
+                <a:schemeClr val="dk1"/>
+              </a:buClr>
+              <a:buSzPts val="2400"/>
+              <a:buNone/>
+              <a:defRPr>
+                <a:solidFill>
+                  <a:schemeClr val="dk1"/>
+                </a:solidFill>
+              </a:defRPr>
+            </a:lvl2pPr>
+            <a:lvl3pPr lvl="2">
+              <a:spcBef>
+                <a:spcPts val="0"/>
+              </a:spcBef>
+              <a:spcAft>
+                <a:spcPts val="0"/>
+              </a:spcAft>
+              <a:buClr>
+                <a:schemeClr val="dk1"/>
+              </a:buClr>
+              <a:buSzPts val="2400"/>
+              <a:buNone/>
+              <a:defRPr>
+                <a:solidFill>
+                  <a:schemeClr val="dk1"/>
+                </a:solidFill>
+              </a:defRPr>
+            </a:lvl3pPr>
+            <a:lvl4pPr lvl="3">
+              <a:spcBef>
+                <a:spcPts val="0"/>
+              </a:spcBef>
+              <a:spcAft>
+                <a:spcPts val="0"/>
+              </a:spcAft>
+              <a:buClr>
+                <a:schemeClr val="dk1"/>
+              </a:buClr>
+              <a:buSzPts val="2400"/>
+              <a:buNone/>
+              <a:defRPr>
+                <a:solidFill>
+                  <a:schemeClr val="dk1"/>
+                </a:solidFill>
+              </a:defRPr>
+            </a:lvl4pPr>
+            <a:lvl5pPr lvl="4">
+              <a:spcBef>
+                <a:spcPts val="0"/>
+              </a:spcBef>
+              <a:spcAft>
+                <a:spcPts val="0"/>
+              </a:spcAft>
+              <a:buClr>
+                <a:schemeClr val="dk1"/>
+              </a:buClr>
+              <a:buSzPts val="2400"/>
+              <a:buNone/>
+              <a:defRPr>
+                <a:solidFill>
+                  <a:schemeClr val="dk1"/>
+                </a:solidFill>
+              </a:defRPr>
+            </a:lvl5pPr>
+            <a:lvl6pPr lvl="5">
+              <a:spcBef>
+                <a:spcPts val="0"/>
+              </a:spcBef>
+              <a:spcAft>
+                <a:spcPts val="0"/>
+              </a:spcAft>
+              <a:buClr>
+                <a:schemeClr val="dk1"/>
+              </a:buClr>
+              <a:buSzPts val="2400"/>
+              <a:buNone/>
+              <a:defRPr>
+                <a:solidFill>
+                  <a:schemeClr val="dk1"/>
+                </a:solidFill>
+              </a:defRPr>
+            </a:lvl6pPr>
+            <a:lvl7pPr lvl="6">
+              <a:spcBef>
+                <a:spcPts val="0"/>
+              </a:spcBef>
+              <a:spcAft>
+                <a:spcPts val="0"/>
+              </a:spcAft>
+              <a:buClr>
+                <a:schemeClr val="dk1"/>
+              </a:buClr>
+              <a:buSzPts val="2400"/>
+              <a:buNone/>
+              <a:defRPr>
+                <a:solidFill>
+                  <a:schemeClr val="dk1"/>
+                </a:solidFill>
+              </a:defRPr>
+            </a:lvl7pPr>
+            <a:lvl8pPr lvl="7">
+              <a:spcBef>
+                <a:spcPts val="0"/>
+              </a:spcBef>
+              <a:spcAft>
+                <a:spcPts val="0"/>
+              </a:spcAft>
+              <a:buClr>
+                <a:schemeClr val="dk1"/>
+              </a:buClr>
+              <a:buSzPts val="2400"/>
+              <a:buNone/>
+              <a:defRPr>
+                <a:solidFill>
+                  <a:schemeClr val="dk1"/>
+                </a:solidFill>
+              </a:defRPr>
+            </a:lvl8pPr>
+            <a:lvl9pPr lvl="8">
+              <a:spcBef>
+                <a:spcPts val="0"/>
+              </a:spcBef>
+              <a:spcAft>
+                <a:spcPts val="0"/>
+              </a:spcAft>
+              <a:buClr>
+                <a:schemeClr val="dk1"/>
+              </a:buClr>
+              <a:buSzPts val="2400"/>
+              <a:buNone/>
+              <a:defRPr>
+                <a:solidFill>
+                  <a:schemeClr val="dk1"/>
+                </a:solidFill>
+              </a:defRPr>
+            </a:lvl9pPr>
+          </a:lstStyle>
+          <a:p>
+            <a:endParaRPr/>
+          </a:p>
+        </p:txBody>
+      </p:sp>
+      <p:sp>
+        <p:nvSpPr>
+          <p:cNvPr id="49" name="Google Shape;49;p8"/>
+          <p:cNvSpPr txBox="1">
+            <a:spLocks noGrp="1"/>
+          </p:cNvSpPr>
+          <p:nvPr>
+            <p:ph type="subTitle" idx="1"/>
+          </p:nvPr>
+        </p:nvSpPr>
+        <p:spPr>
+          <a:xfrm>
+            <a:off x="761933" y="1084800"/>
+            <a:ext cx="9908800" cy="432000"/>
+          </a:xfrm>
+          <a:prstGeom prst="rect">
+            <a:avLst/>
+          </a:prstGeom>
+        </p:spPr>
+        <p:txBody>
+          <a:bodyPr spcFirstLastPara="1" wrap="square" lIns="0" tIns="0" rIns="91425" bIns="18000" anchor="t" anchorCtr="0">
+            <a:noAutofit/>
+          </a:bodyPr>
+          <a:lstStyle>
+            <a:lvl1pPr lvl="0">
+              <a:spcBef>
+                <a:spcPts val="0"/>
+              </a:spcBef>
+              <a:spcAft>
+                <a:spcPts val="0"/>
+              </a:spcAft>
+              <a:buClr>
+                <a:srgbClr val="706B69"/>
+              </a:buClr>
+              <a:buSzPts val="1700"/>
+              <a:buFont typeface="Roche Sans Condensed Light"/>
+              <a:buNone/>
+              <a:defRPr sz="2267">
+                <a:solidFill>
+                  <a:srgbClr val="706B69"/>
+                </a:solidFill>
+                <a:latin typeface="Roche Sans Condensed Light"/>
+                <a:ea typeface="Roche Sans Condensed Light"/>
+                <a:cs typeface="Roche Sans Condensed Light"/>
+                <a:sym typeface="Roche Sans Condensed Light"/>
+              </a:defRPr>
+            </a:lvl1pPr>
+            <a:lvl2pPr lvl="1">
+              <a:spcBef>
+                <a:spcPts val="0"/>
+              </a:spcBef>
+              <a:spcAft>
+                <a:spcPts val="0"/>
+              </a:spcAft>
+              <a:buClr>
+                <a:schemeClr val="accent3"/>
+              </a:buClr>
+              <a:buSzPts val="1400"/>
+              <a:buNone/>
+              <a:defRPr>
+                <a:solidFill>
+                  <a:schemeClr val="accent3"/>
+                </a:solidFill>
+              </a:defRPr>
+            </a:lvl2pPr>
+            <a:lvl3pPr lvl="2">
+              <a:spcBef>
+                <a:spcPts val="0"/>
+              </a:spcBef>
+              <a:spcAft>
+                <a:spcPts val="0"/>
+              </a:spcAft>
+              <a:buClr>
+                <a:schemeClr val="accent3"/>
+              </a:buClr>
+              <a:buSzPts val="1400"/>
+              <a:buNone/>
+              <a:defRPr>
+                <a:solidFill>
+                  <a:schemeClr val="accent3"/>
+                </a:solidFill>
+              </a:defRPr>
+            </a:lvl3pPr>
+            <a:lvl4pPr lvl="3">
+              <a:spcBef>
+                <a:spcPts val="0"/>
+              </a:spcBef>
+              <a:spcAft>
+                <a:spcPts val="0"/>
+              </a:spcAft>
+              <a:buClr>
+                <a:schemeClr val="accent3"/>
+              </a:buClr>
+              <a:buSzPts val="1400"/>
+              <a:buNone/>
+              <a:defRPr>
+                <a:solidFill>
+                  <a:schemeClr val="accent3"/>
+                </a:solidFill>
+              </a:defRPr>
+            </a:lvl4pPr>
+            <a:lvl5pPr lvl="4">
+              <a:spcBef>
+                <a:spcPts val="0"/>
+              </a:spcBef>
+              <a:spcAft>
+                <a:spcPts val="0"/>
+              </a:spcAft>
+              <a:buClr>
+                <a:schemeClr val="accent3"/>
+              </a:buClr>
+              <a:buSzPts val="1400"/>
+              <a:buNone/>
+              <a:defRPr>
+                <a:solidFill>
+                  <a:schemeClr val="accent3"/>
+                </a:solidFill>
+              </a:defRPr>
+            </a:lvl5pPr>
+            <a:lvl6pPr lvl="5">
+              <a:spcBef>
+                <a:spcPts val="0"/>
+              </a:spcBef>
+              <a:spcAft>
+                <a:spcPts val="0"/>
+              </a:spcAft>
+              <a:buClr>
+                <a:schemeClr val="accent3"/>
+              </a:buClr>
+              <a:buSzPts val="1400"/>
+              <a:buNone/>
+              <a:defRPr>
+                <a:solidFill>
+                  <a:schemeClr val="accent3"/>
+                </a:solidFill>
+              </a:defRPr>
+            </a:lvl6pPr>
+            <a:lvl7pPr lvl="6">
+              <a:spcBef>
+                <a:spcPts val="0"/>
+              </a:spcBef>
+              <a:spcAft>
+                <a:spcPts val="0"/>
+              </a:spcAft>
+              <a:buClr>
+                <a:schemeClr val="accent3"/>
+              </a:buClr>
+              <a:buSzPts val="1400"/>
+              <a:buNone/>
+              <a:defRPr>
+                <a:solidFill>
+                  <a:schemeClr val="accent3"/>
+                </a:solidFill>
+              </a:defRPr>
+            </a:lvl7pPr>
+            <a:lvl8pPr lvl="7">
+              <a:spcBef>
+                <a:spcPts val="0"/>
+              </a:spcBef>
+              <a:spcAft>
+                <a:spcPts val="0"/>
+              </a:spcAft>
+              <a:buClr>
+                <a:schemeClr val="accent3"/>
+              </a:buClr>
+              <a:buSzPts val="1400"/>
+              <a:buNone/>
+              <a:defRPr>
+                <a:solidFill>
+                  <a:schemeClr val="accent3"/>
+                </a:solidFill>
+              </a:defRPr>
+            </a:lvl8pPr>
+            <a:lvl9pPr lvl="8">
+              <a:spcBef>
+                <a:spcPts val="0"/>
+              </a:spcBef>
+              <a:spcAft>
+                <a:spcPts val="0"/>
+              </a:spcAft>
+              <a:buClr>
+                <a:schemeClr val="accent3"/>
+              </a:buClr>
+              <a:buSzPts val="1400"/>
+              <a:buNone/>
+              <a:defRPr>
+                <a:solidFill>
+                  <a:schemeClr val="accent3"/>
+                </a:solidFill>
+              </a:defRPr>
+            </a:lvl9pPr>
+          </a:lstStyle>
+          <a:p>
+            <a:endParaRPr/>
+          </a:p>
+        </p:txBody>
+      </p:sp>
+      <p:sp>
+        <p:nvSpPr>
+          <p:cNvPr id="50" name="Google Shape;50;p8"/>
+          <p:cNvSpPr txBox="1">
+            <a:spLocks noGrp="1"/>
+          </p:cNvSpPr>
+          <p:nvPr>
+            <p:ph type="body" idx="2"/>
+          </p:nvPr>
+        </p:nvSpPr>
+        <p:spPr>
+          <a:xfrm>
+            <a:off x="761933" y="1923567"/>
+            <a:ext cx="10972800" cy="4480800"/>
+          </a:xfrm>
+          <a:prstGeom prst="rect">
+            <a:avLst/>
+          </a:prstGeom>
+        </p:spPr>
+        <p:txBody>
+          <a:bodyPr spcFirstLastPara="1" wrap="square" lIns="0" tIns="0" rIns="0" bIns="0" anchor="t" anchorCtr="0">
+            <a:noAutofit/>
+          </a:bodyPr>
+          <a:lstStyle>
+            <a:lvl1pPr marL="609585" lvl="0" indent="-406390">
+              <a:lnSpc>
+                <a:spcPct val="105000"/>
+              </a:lnSpc>
+              <a:spcBef>
+                <a:spcPts val="533"/>
+              </a:spcBef>
+              <a:spcAft>
+                <a:spcPts val="0"/>
+              </a:spcAft>
+              <a:buSzPts val="1200"/>
+              <a:buChar char="■"/>
+              <a:defRPr sz="1867"/>
+            </a:lvl1pPr>
+            <a:lvl2pPr marL="1219170" lvl="1" indent="-406390">
+              <a:lnSpc>
+                <a:spcPct val="105000"/>
+              </a:lnSpc>
+              <a:spcBef>
+                <a:spcPts val="400"/>
+              </a:spcBef>
+              <a:spcAft>
+                <a:spcPts val="0"/>
+              </a:spcAft>
+              <a:buClr>
+                <a:schemeClr val="dk1"/>
+              </a:buClr>
+              <a:buSzPts val="1200"/>
+              <a:buChar char="■"/>
+              <a:defRPr/>
+            </a:lvl2pPr>
+            <a:lvl3pPr marL="1828754" lvl="2" indent="-406390">
+              <a:lnSpc>
+                <a:spcPct val="100000"/>
+              </a:lnSpc>
+              <a:spcBef>
+                <a:spcPts val="400"/>
+              </a:spcBef>
+              <a:spcAft>
+                <a:spcPts val="0"/>
+              </a:spcAft>
+              <a:buSzPts val="1200"/>
+              <a:buChar char="■"/>
+              <a:defRPr/>
+            </a:lvl3pPr>
+            <a:lvl4pPr marL="2438339" lvl="3" indent="-406390">
+              <a:lnSpc>
+                <a:spcPct val="100000"/>
+              </a:lnSpc>
+              <a:spcBef>
+                <a:spcPts val="0"/>
+              </a:spcBef>
+              <a:spcAft>
+                <a:spcPts val="0"/>
+              </a:spcAft>
+              <a:buClr>
+                <a:schemeClr val="dk1"/>
+              </a:buClr>
+              <a:buSzPts val="1200"/>
+              <a:buChar char="■"/>
+              <a:defRPr/>
+            </a:lvl4pPr>
+            <a:lvl5pPr marL="3047924" lvl="4" indent="-406390">
+              <a:lnSpc>
+                <a:spcPct val="100000"/>
+              </a:lnSpc>
+              <a:spcBef>
+                <a:spcPts val="0"/>
+              </a:spcBef>
+              <a:spcAft>
+                <a:spcPts val="0"/>
+              </a:spcAft>
+              <a:buClr>
+                <a:schemeClr val="dk1"/>
+              </a:buClr>
+              <a:buSzPts val="1200"/>
+              <a:buChar char="■"/>
+              <a:defRPr/>
+            </a:lvl5pPr>
+            <a:lvl6pPr marL="3657509" lvl="5" indent="-406390">
+              <a:lnSpc>
+                <a:spcPct val="100000"/>
+              </a:lnSpc>
+              <a:spcBef>
+                <a:spcPts val="0"/>
+              </a:spcBef>
+              <a:spcAft>
+                <a:spcPts val="0"/>
+              </a:spcAft>
+              <a:buClr>
+                <a:schemeClr val="dk1"/>
+              </a:buClr>
+              <a:buSzPts val="1200"/>
+              <a:buChar char="■"/>
+              <a:defRPr/>
+            </a:lvl6pPr>
+            <a:lvl7pPr marL="4267093" lvl="6" indent="-406390">
+              <a:lnSpc>
+                <a:spcPct val="100000"/>
+              </a:lnSpc>
+              <a:spcBef>
+                <a:spcPts val="0"/>
+              </a:spcBef>
+              <a:spcAft>
+                <a:spcPts val="0"/>
+              </a:spcAft>
+              <a:buClr>
+                <a:schemeClr val="dk1"/>
+              </a:buClr>
+              <a:buSzPts val="1200"/>
+              <a:buChar char="■"/>
+              <a:defRPr/>
+            </a:lvl7pPr>
+            <a:lvl8pPr marL="4876678" lvl="7" indent="-406390">
+              <a:lnSpc>
+                <a:spcPct val="100000"/>
+              </a:lnSpc>
+              <a:spcBef>
+                <a:spcPts val="0"/>
+              </a:spcBef>
+              <a:spcAft>
+                <a:spcPts val="0"/>
+              </a:spcAft>
+              <a:buClr>
+                <a:schemeClr val="dk1"/>
+              </a:buClr>
+              <a:buSzPts val="1200"/>
+              <a:buChar char="■"/>
+              <a:defRPr/>
+            </a:lvl8pPr>
+            <a:lvl9pPr marL="5486263" lvl="8" indent="-406390">
+              <a:lnSpc>
+                <a:spcPct val="100000"/>
+              </a:lnSpc>
+              <a:spcBef>
+                <a:spcPts val="0"/>
+              </a:spcBef>
+              <a:spcAft>
+                <a:spcPts val="0"/>
+              </a:spcAft>
+              <a:buClr>
+                <a:schemeClr val="dk1"/>
+              </a:buClr>
+              <a:buSzPts val="1200"/>
+              <a:buChar char="■"/>
+              <a:defRPr/>
+            </a:lvl9pPr>
+          </a:lstStyle>
+          <a:p>
+            <a:endParaRPr/>
+          </a:p>
+        </p:txBody>
+      </p:sp>
+    </p:spTree>
+    <p:extLst>
+      <p:ext uri="{BB962C8B-B14F-4D97-AF65-F5344CB8AC3E}">
+        <p14:creationId xmlns:p14="http://schemas.microsoft.com/office/powerpoint/2010/main" val="3744750213"/>
       </p:ext>
     </p:extLst>
   </p:cSld>
@@ -876,7 +2566,7 @@
           <a:p>
             <a:fld id="{6B20C4F4-914A-412E-A84A-52823570824D}" type="datetimeFigureOut">
               <a:rPr lang="en-US" smtClean="0"/>
-              <a:t>9/13/2023</a:t>
+              <a:t>9/16/23</a:t>
             </a:fld>
             <a:endParaRPr lang="en-US"/>
           </a:p>
@@ -1151,7 +2841,7 @@
           <a:p>
             <a:fld id="{6B20C4F4-914A-412E-A84A-52823570824D}" type="datetimeFigureOut">
               <a:rPr lang="en-US" smtClean="0"/>
-              <a:t>9/13/2023</a:t>
+              <a:t>9/16/23</a:t>
             </a:fld>
             <a:endParaRPr lang="en-US"/>
           </a:p>
@@ -1416,7 +3106,7 @@
           <a:p>
             <a:fld id="{6B20C4F4-914A-412E-A84A-52823570824D}" type="datetimeFigureOut">
               <a:rPr lang="en-US" smtClean="0"/>
-              <a:t>9/13/2023</a:t>
+              <a:t>9/16/23</a:t>
             </a:fld>
             <a:endParaRPr lang="en-US"/>
           </a:p>
@@ -1828,7 +3518,7 @@
           <a:p>
             <a:fld id="{6B20C4F4-914A-412E-A84A-52823570824D}" type="datetimeFigureOut">
               <a:rPr lang="en-US" smtClean="0"/>
-              <a:t>9/13/2023</a:t>
+              <a:t>9/16/23</a:t>
             </a:fld>
             <a:endParaRPr lang="en-US"/>
           </a:p>
@@ -1969,7 +3659,7 @@
           <a:p>
             <a:fld id="{6B20C4F4-914A-412E-A84A-52823570824D}" type="datetimeFigureOut">
               <a:rPr lang="en-US" smtClean="0"/>
-              <a:t>9/13/2023</a:t>
+              <a:t>9/16/23</a:t>
             </a:fld>
             <a:endParaRPr lang="en-US"/>
           </a:p>
@@ -2082,7 +3772,7 @@
           <a:p>
             <a:fld id="{6B20C4F4-914A-412E-A84A-52823570824D}" type="datetimeFigureOut">
               <a:rPr lang="en-US" smtClean="0"/>
-              <a:t>9/13/2023</a:t>
+              <a:t>9/16/23</a:t>
             </a:fld>
             <a:endParaRPr lang="en-US"/>
           </a:p>
@@ -2393,7 +4083,7 @@
           <a:p>
             <a:fld id="{6B20C4F4-914A-412E-A84A-52823570824D}" type="datetimeFigureOut">
               <a:rPr lang="en-US" smtClean="0"/>
-              <a:t>9/13/2023</a:t>
+              <a:t>9/16/23</a:t>
             </a:fld>
             <a:endParaRPr lang="en-US"/>
           </a:p>
@@ -2681,7 +4371,7 @@
           <a:p>
             <a:fld id="{6B20C4F4-914A-412E-A84A-52823570824D}" type="datetimeFigureOut">
               <a:rPr lang="en-US" smtClean="0"/>
-              <a:t>9/13/2023</a:t>
+              <a:t>9/16/23</a:t>
             </a:fld>
             <a:endParaRPr lang="en-US"/>
           </a:p>
@@ -2922,7 +4612,7 @@
           <a:p>
             <a:fld id="{6B20C4F4-914A-412E-A84A-52823570824D}" type="datetimeFigureOut">
               <a:rPr lang="en-US" smtClean="0"/>
-              <a:t>9/13/2023</a:t>
+              <a:t>9/16/23</a:t>
             </a:fld>
             <a:endParaRPr lang="en-US"/>
           </a:p>
@@ -3038,6 +4728,7 @@
     <p:sldLayoutId id="2147483657" r:id="rId9"/>
     <p:sldLayoutId id="2147483658" r:id="rId10"/>
     <p:sldLayoutId id="2147483659" r:id="rId11"/>
+    <p:sldLayoutId id="2147483660" r:id="rId12"/>
   </p:sldLayoutIdLst>
   <p:txStyles>
     <p:titleStyle>
@@ -3325,6 +5016,14 @@
 <file path=ppt/slides/slide1.xml><?xml version="1.0" encoding="utf-8"?>
 <p:sld xmlns:a="http://schemas.openxmlformats.org/drawingml/2006/main" xmlns:r="http://schemas.openxmlformats.org/officeDocument/2006/relationships" xmlns:p="http://schemas.openxmlformats.org/presentationml/2006/main">
   <p:cSld>
+    <p:bg>
+      <p:bgPr>
+        <a:solidFill>
+          <a:schemeClr val="bg1"/>
+        </a:solidFill>
+        <a:effectLst/>
+      </p:bgPr>
+    </p:bg>
     <p:spTree>
       <p:nvGrpSpPr>
         <p:cNvPr id="1" name=""/>
@@ -3341,6 +5040,132 @@
       </p:grpSpPr>
       <p:sp>
         <p:nvSpPr>
+          <p:cNvPr id="24" name="Rectangle 23">
+            <a:extLst>
+              <a:ext uri="{FF2B5EF4-FFF2-40B4-BE49-F238E27FC236}">
+                <a16:creationId xmlns:a16="http://schemas.microsoft.com/office/drawing/2014/main" id="{6753252F-4873-4F63-801D-CC719279A7D5}"/>
+              </a:ext>
+              <a:ext uri="{C183D7F6-B498-43B3-948B-1728B52AA6E4}">
+                <adec:decorative xmlns:adec="http://schemas.microsoft.com/office/drawing/2017/decorative" val="1"/>
+              </a:ext>
+            </a:extLst>
+          </p:cNvPr>
+          <p:cNvSpPr>
+            <a:spLocks noGrp="1" noRot="1" noChangeAspect="1" noMove="1" noResize="1" noEditPoints="1" noAdjustHandles="1" noChangeArrowheads="1" noChangeShapeType="1" noTextEdit="1"/>
+          </p:cNvSpPr>
+          <p:nvPr>
+            <p:extLst>
+              <p:ext uri="{386F3935-93C4-4BCD-93E2-E3B085C9AB24}">
+                <p16:designElem xmlns:p16="http://schemas.microsoft.com/office/powerpoint/2015/main" val="1"/>
+              </p:ext>
+            </p:extLst>
+          </p:nvPr>
+        </p:nvSpPr>
+        <p:spPr>
+          <a:xfrm>
+            <a:off x="0" y="0"/>
+            <a:ext cx="12192000" cy="6858000"/>
+          </a:xfrm>
+          <a:prstGeom prst="rect">
+            <a:avLst/>
+          </a:prstGeom>
+          <a:solidFill>
+            <a:srgbClr val="FFFFFF"/>
+          </a:solidFill>
+          <a:ln>
+            <a:noFill/>
+          </a:ln>
+        </p:spPr>
+        <p:style>
+          <a:lnRef idx="2">
+            <a:schemeClr val="accent1">
+              <a:shade val="50000"/>
+            </a:schemeClr>
+          </a:lnRef>
+          <a:fillRef idx="1">
+            <a:schemeClr val="accent1"/>
+          </a:fillRef>
+          <a:effectRef idx="0">
+            <a:schemeClr val="accent1"/>
+          </a:effectRef>
+          <a:fontRef idx="minor">
+            <a:schemeClr val="lt1"/>
+          </a:fontRef>
+        </p:style>
+        <p:txBody>
+          <a:bodyPr rtlCol="0" anchor="ctr"/>
+          <a:lstStyle/>
+          <a:p>
+            <a:pPr algn="ctr"/>
+            <a:endParaRPr lang="en-US"/>
+          </a:p>
+        </p:txBody>
+      </p:sp>
+      <p:sp>
+        <p:nvSpPr>
+          <p:cNvPr id="26" name="Rectangle 25">
+            <a:extLst>
+              <a:ext uri="{FF2B5EF4-FFF2-40B4-BE49-F238E27FC236}">
+                <a16:creationId xmlns:a16="http://schemas.microsoft.com/office/drawing/2014/main" id="{047C8CCB-F95D-4249-92DD-651249D3535A}"/>
+              </a:ext>
+              <a:ext uri="{C183D7F6-B498-43B3-948B-1728B52AA6E4}">
+                <adec:decorative xmlns:adec="http://schemas.microsoft.com/office/drawing/2017/decorative" val="1"/>
+              </a:ext>
+            </a:extLst>
+          </p:cNvPr>
+          <p:cNvSpPr>
+            <a:spLocks noGrp="1" noRot="1" noChangeAspect="1" noMove="1" noResize="1" noEditPoints="1" noAdjustHandles="1" noChangeArrowheads="1" noChangeShapeType="1" noTextEdit="1"/>
+          </p:cNvSpPr>
+          <p:nvPr>
+            <p:extLst>
+              <p:ext uri="{386F3935-93C4-4BCD-93E2-E3B085C9AB24}">
+                <p16:designElem xmlns:p16="http://schemas.microsoft.com/office/powerpoint/2015/main" val="1"/>
+              </p:ext>
+            </p:extLst>
+          </p:nvPr>
+        </p:nvSpPr>
+        <p:spPr>
+          <a:xfrm>
+            <a:off x="0" y="0"/>
+            <a:ext cx="2013557" cy="6858000"/>
+          </a:xfrm>
+          <a:prstGeom prst="rect">
+            <a:avLst/>
+          </a:prstGeom>
+          <a:solidFill>
+            <a:srgbClr val="7F7F7F"/>
+          </a:solidFill>
+          <a:ln>
+            <a:noFill/>
+          </a:ln>
+        </p:spPr>
+        <p:style>
+          <a:lnRef idx="2">
+            <a:schemeClr val="accent1">
+              <a:shade val="50000"/>
+            </a:schemeClr>
+          </a:lnRef>
+          <a:fillRef idx="1">
+            <a:schemeClr val="accent1"/>
+          </a:fillRef>
+          <a:effectRef idx="0">
+            <a:schemeClr val="accent1"/>
+          </a:effectRef>
+          <a:fontRef idx="minor">
+            <a:schemeClr val="lt1"/>
+          </a:fontRef>
+        </p:style>
+        <p:txBody>
+          <a:bodyPr rtlCol="0" anchor="ctr"/>
+          <a:lstStyle/>
+          <a:p>
+            <a:pPr algn="ctr"/>
+            <a:endParaRPr lang="en-US"/>
+          </a:p>
+        </p:txBody>
+      </p:sp>
+      <p:sp>
+        <p:nvSpPr>
           <p:cNvPr id="2" name="Title 1">
             <a:extLst>
               <a:ext uri="{FF2B5EF4-FFF2-40B4-BE49-F238E27FC236}">
@@ -3355,51 +5180,101 @@
             <p:ph type="ctrTitle"/>
           </p:nvPr>
         </p:nvSpPr>
-        <p:spPr/>
-        <p:txBody>
-          <a:bodyPr/>
-          <a:lstStyle/>
-          <a:p>
-            <a:r>
-              <a:rPr lang="en-US" dirty="0"/>
+        <p:spPr>
+          <a:xfrm>
+            <a:off x="640080" y="2074363"/>
+            <a:ext cx="2752354" cy="2709275"/>
+          </a:xfrm>
+          <a:prstGeom prst="ellipse">
+            <a:avLst/>
+          </a:prstGeom>
+          <a:solidFill>
+            <a:srgbClr val="262626"/>
+          </a:solidFill>
+          <a:ln w="174625" cmpd="thinThick">
+            <a:solidFill>
+              <a:srgbClr val="262626"/>
+            </a:solidFill>
+          </a:ln>
+        </p:spPr>
+        <p:txBody>
+          <a:bodyPr vert="horz" lIns="91440" tIns="45720" rIns="91440" bIns="45720" rtlCol="0" anchor="ctr">
+            <a:normAutofit/>
+          </a:bodyPr>
+          <a:lstStyle/>
+          <a:p>
+            <a:r>
+              <a:rPr lang="en-US" sz="2400" kern="1200" dirty="0">
+                <a:solidFill>
+                  <a:srgbClr val="FFFFFF"/>
+                </a:solidFill>
+                <a:latin typeface="+mj-lt"/>
+                <a:ea typeface="+mj-ea"/>
+                <a:cs typeface="+mj-cs"/>
+              </a:rPr>
               <a:t>Contributing To The </a:t>
             </a:r>
             <a:r>
-              <a:rPr lang="en-US" dirty="0" err="1"/>
+              <a:rPr lang="en-US" sz="2400" kern="1200" dirty="0" err="1">
+                <a:solidFill>
+                  <a:srgbClr val="FFFFFF"/>
+                </a:solidFill>
+                <a:latin typeface="+mj-lt"/>
+                <a:ea typeface="+mj-ea"/>
+                <a:cs typeface="+mj-cs"/>
+              </a:rPr>
               <a:t>Pharmaverse</a:t>
             </a:r>
             <a:r>
-              <a:rPr lang="en-US" dirty="0"/>
+              <a:rPr lang="en-US" sz="2400" kern="1200" dirty="0">
+                <a:solidFill>
+                  <a:srgbClr val="FFFFFF"/>
+                </a:solidFill>
+                <a:latin typeface="+mj-lt"/>
+                <a:ea typeface="+mj-ea"/>
+                <a:cs typeface="+mj-cs"/>
+              </a:rPr>
               <a:t>!</a:t>
             </a:r>
           </a:p>
         </p:txBody>
       </p:sp>
-      <p:sp>
-        <p:nvSpPr>
-          <p:cNvPr id="3" name="Subtitle 2">
+      <p:pic>
+        <p:nvPicPr>
+          <p:cNvPr id="5" name="Picture 4" descr="A white cube with red lines&#10;&#10;Description automatically generated">
             <a:extLst>
               <a:ext uri="{FF2B5EF4-FFF2-40B4-BE49-F238E27FC236}">
-                <a16:creationId xmlns:a16="http://schemas.microsoft.com/office/drawing/2014/main" id="{F47F1520-3737-B7EC-30DA-ABD30F0E7B2A}"/>
+                <a16:creationId xmlns:a16="http://schemas.microsoft.com/office/drawing/2014/main" id="{D8CBE308-E9C1-8985-FAF9-56A4A1C87994}"/>
               </a:ext>
             </a:extLst>
           </p:cNvPr>
-          <p:cNvSpPr>
-            <a:spLocks noGrp="1"/>
-          </p:cNvSpPr>
-          <p:nvPr>
-            <p:ph type="subTitle" idx="1"/>
-          </p:nvPr>
-        </p:nvSpPr>
-        <p:spPr/>
-        <p:txBody>
-          <a:bodyPr/>
-          <a:lstStyle/>
-          <a:p>
-            <a:endParaRPr lang="en-US" dirty="0"/>
-          </a:p>
-        </p:txBody>
-      </p:sp>
+          <p:cNvPicPr>
+            <a:picLocks noChangeAspect="1"/>
+          </p:cNvPicPr>
+          <p:nvPr/>
+        </p:nvPicPr>
+        <p:blipFill>
+          <a:blip r:embed="rId2">
+            <a:extLst>
+              <a:ext uri="{28A0092B-C50C-407E-A947-70E740481C1C}">
+                <a14:useLocalDpi xmlns:a14="http://schemas.microsoft.com/office/drawing/2010/main" val="0"/>
+              </a:ext>
+            </a:extLst>
+          </a:blip>
+          <a:stretch>
+            <a:fillRect/>
+          </a:stretch>
+        </p:blipFill>
+        <p:spPr>
+          <a:xfrm>
+            <a:off x="5150879" y="961812"/>
+            <a:ext cx="4963640" cy="4930987"/>
+          </a:xfrm>
+          <a:prstGeom prst="rect">
+            <a:avLst/>
+          </a:prstGeom>
+        </p:spPr>
+      </p:pic>
     </p:spTree>
     <p:extLst>
       <p:ext uri="{BB962C8B-B14F-4D97-AF65-F5344CB8AC3E}">
@@ -3418,7 +5293,7 @@
   <p:cSld>
     <p:spTree>
       <p:nvGrpSpPr>
-        <p:cNvPr id="1" name=""/>
+        <p:cNvPr id="1" name="Shape 265"/>
         <p:cNvGrpSpPr/>
         <p:nvPr/>
       </p:nvGrpSpPr>
@@ -3432,138 +5307,232 @@
       </p:grpSpPr>
       <p:sp>
         <p:nvSpPr>
-          <p:cNvPr id="2" name="Title 1">
-            <a:extLst>
-              <a:ext uri="{FF2B5EF4-FFF2-40B4-BE49-F238E27FC236}">
-                <a16:creationId xmlns:a16="http://schemas.microsoft.com/office/drawing/2014/main" id="{19213C66-1286-66B5-81E5-991CD41106E6}"/>
-              </a:ext>
-            </a:extLst>
-          </p:cNvPr>
-          <p:cNvSpPr>
+          <p:cNvPr id="266" name="Google Shape;266;p25"/>
+          <p:cNvSpPr txBox="1">
             <a:spLocks noGrp="1"/>
           </p:cNvSpPr>
           <p:nvPr>
             <p:ph type="title"/>
           </p:nvPr>
         </p:nvSpPr>
-        <p:spPr/>
-        <p:txBody>
-          <a:bodyPr/>
-          <a:lstStyle/>
-          <a:p>
-            <a:r>
-              <a:rPr lang="en-US" dirty="0"/>
-              <a:t>Opening an Issue (Advanced mode)</a:t>
-            </a:r>
-          </a:p>
-        </p:txBody>
-      </p:sp>
-      <p:sp>
-        <p:nvSpPr>
-          <p:cNvPr id="3" name="Content Placeholder 2">
-            <a:extLst>
-              <a:ext uri="{FF2B5EF4-FFF2-40B4-BE49-F238E27FC236}">
-                <a16:creationId xmlns:a16="http://schemas.microsoft.com/office/drawing/2014/main" id="{48E16900-D0F4-27A6-5BBB-4673F1514A3B}"/>
-              </a:ext>
-            </a:extLst>
-          </p:cNvPr>
-          <p:cNvSpPr>
-            <a:spLocks noGrp="1"/>
-          </p:cNvSpPr>
-          <p:nvPr>
-            <p:ph idx="1"/>
-          </p:nvPr>
-        </p:nvSpPr>
-        <p:spPr/>
-        <p:txBody>
-          <a:bodyPr/>
-          <a:lstStyle/>
-          <a:p>
-            <a:r>
-              <a:rPr lang="en-US" dirty="0"/>
-              <a:t>If you saw an bug today, open an issue with an MVP!</a:t>
-            </a:r>
-          </a:p>
-          <a:p>
-            <a:pPr lvl="1"/>
-            <a:r>
-              <a:rPr lang="en-US" dirty="0"/>
-              <a:t>Find the </a:t>
-            </a:r>
-            <a:r>
-              <a:rPr lang="en-US" dirty="0" err="1"/>
-              <a:t>github</a:t>
-            </a:r>
-            <a:r>
-              <a:rPr lang="en-US" dirty="0"/>
-              <a:t> page for the package</a:t>
-            </a:r>
-          </a:p>
-          <a:p>
-            <a:pPr lvl="1"/>
-            <a:r>
-              <a:rPr lang="en-US" dirty="0"/>
-              <a:t>Click on “Issues” then “New issue”</a:t>
-            </a:r>
-          </a:p>
-          <a:p>
-            <a:pPr lvl="1"/>
-            <a:r>
-              <a:rPr lang="en-US" dirty="0"/>
-              <a:t>Construct an MVP</a:t>
-            </a:r>
-          </a:p>
-          <a:p>
-            <a:pPr lvl="2"/>
-            <a:r>
-              <a:rPr lang="en-US" dirty="0"/>
-              <a:t>Make issue you see reproducible (you can repeat the error)</a:t>
-            </a:r>
-          </a:p>
-          <a:p>
-            <a:pPr lvl="2"/>
-            <a:r>
-              <a:rPr lang="en-US" dirty="0"/>
-              <a:t>See if you can simplify the code down to only the required parts</a:t>
-            </a:r>
-          </a:p>
-          <a:p>
-            <a:pPr lvl="2"/>
-            <a:r>
-              <a:rPr lang="en-US" dirty="0"/>
-              <a:t>Run in a fresh R session to confirm</a:t>
-            </a:r>
-          </a:p>
-          <a:p>
-            <a:pPr lvl="1"/>
-            <a:r>
-              <a:rPr lang="en-US" dirty="0"/>
-              <a:t>Use {</a:t>
-            </a:r>
-            <a:r>
-              <a:rPr lang="en-US" dirty="0" err="1"/>
-              <a:t>reprex</a:t>
-            </a:r>
-            <a:r>
-              <a:rPr lang="en-US" dirty="0"/>
-              <a:t>} to generate code content and write in a) the issue the error you see and b) what you would expect</a:t>
-            </a:r>
-          </a:p>
-          <a:p>
-            <a:pPr lvl="2"/>
-            <a:endParaRPr lang="en-US" dirty="0"/>
-          </a:p>
-          <a:p>
-            <a:endParaRPr lang="en-US" dirty="0"/>
+        <p:spPr>
+          <a:xfrm>
+            <a:off x="761933" y="576900"/>
+            <a:ext cx="9908800" cy="508800"/>
+          </a:xfrm>
+          <a:prstGeom prst="rect">
+            <a:avLst/>
+          </a:prstGeom>
+        </p:spPr>
+        <p:txBody>
+          <a:bodyPr spcFirstLastPara="1" vert="horz" wrap="square" lIns="0" tIns="121900" rIns="121900" bIns="121900" rtlCol="0" anchor="t" anchorCtr="0">
+            <a:noAutofit/>
+          </a:bodyPr>
+          <a:lstStyle/>
+          <a:p>
+            <a:r>
+              <a:rPr lang="en"/>
+              <a:t>V. Reproducibility</a:t>
+            </a:r>
+            <a:endParaRPr/>
+          </a:p>
+        </p:txBody>
+      </p:sp>
+      <p:sp>
+        <p:nvSpPr>
+          <p:cNvPr id="267" name="Google Shape;267;p25"/>
+          <p:cNvSpPr txBox="1">
+            <a:spLocks noGrp="1"/>
+          </p:cNvSpPr>
+          <p:nvPr>
+            <p:ph type="subTitle" idx="1"/>
+          </p:nvPr>
+        </p:nvSpPr>
+        <p:spPr>
+          <a:xfrm>
+            <a:off x="761933" y="1084800"/>
+            <a:ext cx="9908800" cy="432000"/>
+          </a:xfrm>
+          <a:prstGeom prst="rect">
+            <a:avLst/>
+          </a:prstGeom>
+        </p:spPr>
+        <p:txBody>
+          <a:bodyPr spcFirstLastPara="1" vert="horz" wrap="square" lIns="0" tIns="0" rIns="121900" bIns="24000" rtlCol="0" anchor="t" anchorCtr="0">
+            <a:noAutofit/>
+          </a:bodyPr>
+          <a:lstStyle/>
+          <a:p>
+            <a:pPr marL="0" indent="0"/>
+            <a:endParaRPr/>
+          </a:p>
+        </p:txBody>
+      </p:sp>
+      <p:pic>
+        <p:nvPicPr>
+          <p:cNvPr id="268" name="Google Shape;268;p25" descr="A picture containing electronics&#10;&#10;Description automatically generated"/>
+          <p:cNvPicPr preferRelativeResize="0"/>
+          <p:nvPr/>
+        </p:nvPicPr>
+        <p:blipFill rotWithShape="1">
+          <a:blip r:embed="rId3">
+            <a:alphaModFix/>
+          </a:blip>
+          <a:srcRect t="13406" b="32624"/>
+          <a:stretch/>
+        </p:blipFill>
+        <p:spPr>
+          <a:xfrm>
+            <a:off x="0" y="2916185"/>
+            <a:ext cx="12192000" cy="2495551"/>
+          </a:xfrm>
+          <a:custGeom>
+            <a:avLst/>
+            <a:gdLst/>
+            <a:ahLst/>
+            <a:cxnLst/>
+            <a:rect l="l" t="t" r="r" b="b"/>
+            <a:pathLst>
+              <a:path w="9144000" h="1871663" extrusionOk="0">
+                <a:moveTo>
+                  <a:pt x="0" y="0"/>
+                </a:moveTo>
+                <a:lnTo>
+                  <a:pt x="9144000" y="0"/>
+                </a:lnTo>
+                <a:lnTo>
+                  <a:pt x="9144000" y="1871663"/>
+                </a:lnTo>
+                <a:lnTo>
+                  <a:pt x="0" y="1871663"/>
+                </a:lnTo>
+                <a:close/>
+              </a:path>
+            </a:pathLst>
+          </a:custGeom>
+          <a:noFill/>
+          <a:ln>
+            <a:noFill/>
+          </a:ln>
+        </p:spPr>
+      </p:pic>
+      <p:sp>
+        <p:nvSpPr>
+          <p:cNvPr id="269" name="Google Shape;269;p25"/>
+          <p:cNvSpPr/>
+          <p:nvPr/>
+        </p:nvSpPr>
+        <p:spPr>
+          <a:xfrm>
+            <a:off x="0" y="2916167"/>
+            <a:ext cx="12192000" cy="2495600"/>
+          </a:xfrm>
+          <a:prstGeom prst="rect">
+            <a:avLst/>
+          </a:prstGeom>
+          <a:solidFill>
+            <a:srgbClr val="022366">
+              <a:alpha val="84710"/>
+            </a:srgbClr>
+          </a:solidFill>
+          <a:ln>
+            <a:noFill/>
+          </a:ln>
+          <a:effectLst>
+            <a:outerShdw blurRad="57150" dist="19050" dir="5400000" algn="bl" rotWithShape="0">
+              <a:srgbClr val="000000">
+                <a:alpha val="30000"/>
+              </a:srgbClr>
+            </a:outerShdw>
+          </a:effectLst>
+        </p:spPr>
+        <p:txBody>
+          <a:bodyPr spcFirstLastPara="1" wrap="square" lIns="121900" tIns="60933" rIns="121900" bIns="60933" anchor="ctr" anchorCtr="0">
+            <a:noAutofit/>
+          </a:bodyPr>
+          <a:lstStyle/>
+          <a:p>
+            <a:pPr algn="ctr"/>
+            <a:endParaRPr sz="1867">
+              <a:solidFill>
+                <a:srgbClr val="1482FA"/>
+              </a:solidFill>
+              <a:latin typeface="Arial"/>
+              <a:ea typeface="Arial"/>
+              <a:cs typeface="Arial"/>
+              <a:sym typeface="Arial"/>
+            </a:endParaRPr>
+          </a:p>
+        </p:txBody>
+      </p:sp>
+      <p:sp>
+        <p:nvSpPr>
+          <p:cNvPr id="270" name="Google Shape;270;p25"/>
+          <p:cNvSpPr txBox="1">
+            <a:spLocks noGrp="1"/>
+          </p:cNvSpPr>
+          <p:nvPr>
+            <p:ph type="body" idx="2"/>
+          </p:nvPr>
+        </p:nvSpPr>
+        <p:spPr>
+          <a:xfrm>
+            <a:off x="761933" y="1923567"/>
+            <a:ext cx="10972800" cy="4480800"/>
+          </a:xfrm>
+          <a:prstGeom prst="rect">
+            <a:avLst/>
+          </a:prstGeom>
+        </p:spPr>
+        <p:txBody>
+          <a:bodyPr spcFirstLastPara="1" vert="horz" wrap="square" lIns="0" tIns="0" rIns="0" bIns="0" rtlCol="0" anchor="ctr" anchorCtr="0">
+            <a:noAutofit/>
+          </a:bodyPr>
+          <a:lstStyle/>
+          <a:p>
+            <a:pPr marL="0" indent="0" algn="ctr">
+              <a:spcAft>
+                <a:spcPts val="400"/>
+              </a:spcAft>
+              <a:buNone/>
+            </a:pPr>
+            <a:r>
+              <a:rPr lang="en" sz="2667">
+                <a:solidFill>
+                  <a:srgbClr val="FFFFFF"/>
+                </a:solidFill>
+              </a:rPr>
+              <a:t>Open-source is hard requirement for </a:t>
+            </a:r>
+            <a:r>
+              <a:rPr lang="en" sz="2667" b="1">
+                <a:solidFill>
+                  <a:srgbClr val="FFFFFF"/>
+                </a:solidFill>
+                <a:latin typeface="Roche Sans"/>
+                <a:ea typeface="Roche Sans"/>
+                <a:cs typeface="Roche Sans"/>
+                <a:sym typeface="Roche Sans"/>
+              </a:rPr>
+              <a:t>reproducibility</a:t>
+            </a:r>
+            <a:r>
+              <a:rPr lang="en" sz="2667">
+                <a:solidFill>
+                  <a:srgbClr val="FFFFFF"/>
+                </a:solidFill>
+              </a:rPr>
+              <a:t>. Only open-source code can guarantee that someone other than the original author can reproduce a particular analysis. </a:t>
+            </a:r>
+            <a:endParaRPr sz="2667">
+              <a:solidFill>
+                <a:srgbClr val="FFFFFF"/>
+              </a:solidFill>
+            </a:endParaRPr>
           </a:p>
         </p:txBody>
       </p:sp>
     </p:spTree>
-    <p:extLst>
-      <p:ext uri="{BB962C8B-B14F-4D97-AF65-F5344CB8AC3E}">
-        <p14:creationId xmlns:p14="http://schemas.microsoft.com/office/powerpoint/2010/main" val="2901306822"/>
-      </p:ext>
-    </p:extLst>
   </p:cSld>
   <p:clrMapOvr>
     <a:masterClrMapping/>
@@ -3572,6 +5541,550 @@
 </file>
 
 <file path=ppt/slides/slide11.xml><?xml version="1.0" encoding="utf-8"?>
+<p:sld xmlns:a="http://schemas.openxmlformats.org/drawingml/2006/main" xmlns:r="http://schemas.openxmlformats.org/officeDocument/2006/relationships" xmlns:p="http://schemas.openxmlformats.org/presentationml/2006/main">
+  <p:cSld>
+    <p:spTree>
+      <p:nvGrpSpPr>
+        <p:cNvPr id="1" name="Shape 274"/>
+        <p:cNvGrpSpPr/>
+        <p:nvPr/>
+      </p:nvGrpSpPr>
+      <p:grpSpPr>
+        <a:xfrm>
+          <a:off x="0" y="0"/>
+          <a:ext cx="0" cy="0"/>
+          <a:chOff x="0" y="0"/>
+          <a:chExt cx="0" cy="0"/>
+        </a:xfrm>
+      </p:grpSpPr>
+      <p:pic>
+        <p:nvPicPr>
+          <p:cNvPr id="275" name="Google Shape;275;p26" descr="A picture containing electronics&#10;&#10;Description automatically generated"/>
+          <p:cNvPicPr preferRelativeResize="0"/>
+          <p:nvPr/>
+        </p:nvPicPr>
+        <p:blipFill rotWithShape="1">
+          <a:blip r:embed="rId3">
+            <a:alphaModFix/>
+          </a:blip>
+          <a:srcRect t="13406" b="32624"/>
+          <a:stretch/>
+        </p:blipFill>
+        <p:spPr>
+          <a:xfrm>
+            <a:off x="0" y="2916185"/>
+            <a:ext cx="12192000" cy="2495551"/>
+          </a:xfrm>
+          <a:custGeom>
+            <a:avLst/>
+            <a:gdLst/>
+            <a:ahLst/>
+            <a:cxnLst/>
+            <a:rect l="l" t="t" r="r" b="b"/>
+            <a:pathLst>
+              <a:path w="9144000" h="1871663" extrusionOk="0">
+                <a:moveTo>
+                  <a:pt x="0" y="0"/>
+                </a:moveTo>
+                <a:lnTo>
+                  <a:pt x="9144000" y="0"/>
+                </a:lnTo>
+                <a:lnTo>
+                  <a:pt x="9144000" y="1871663"/>
+                </a:lnTo>
+                <a:lnTo>
+                  <a:pt x="0" y="1871663"/>
+                </a:lnTo>
+                <a:close/>
+              </a:path>
+            </a:pathLst>
+          </a:custGeom>
+          <a:noFill/>
+          <a:ln>
+            <a:noFill/>
+          </a:ln>
+        </p:spPr>
+      </p:pic>
+      <p:sp>
+        <p:nvSpPr>
+          <p:cNvPr id="276" name="Google Shape;276;p26"/>
+          <p:cNvSpPr txBox="1">
+            <a:spLocks noGrp="1"/>
+          </p:cNvSpPr>
+          <p:nvPr>
+            <p:ph type="title"/>
+          </p:nvPr>
+        </p:nvSpPr>
+        <p:spPr>
+          <a:xfrm>
+            <a:off x="761933" y="576900"/>
+            <a:ext cx="9908800" cy="508800"/>
+          </a:xfrm>
+          <a:prstGeom prst="rect">
+            <a:avLst/>
+          </a:prstGeom>
+        </p:spPr>
+        <p:txBody>
+          <a:bodyPr spcFirstLastPara="1" vert="horz" wrap="square" lIns="0" tIns="121900" rIns="121900" bIns="121900" rtlCol="0" anchor="t" anchorCtr="0">
+            <a:noAutofit/>
+          </a:bodyPr>
+          <a:lstStyle/>
+          <a:p>
+            <a:r>
+              <a:rPr lang="en"/>
+              <a:t>VI. Access to Talent </a:t>
+            </a:r>
+            <a:endParaRPr/>
+          </a:p>
+        </p:txBody>
+      </p:sp>
+      <p:sp>
+        <p:nvSpPr>
+          <p:cNvPr id="277" name="Google Shape;277;p26"/>
+          <p:cNvSpPr txBox="1">
+            <a:spLocks noGrp="1"/>
+          </p:cNvSpPr>
+          <p:nvPr>
+            <p:ph type="subTitle" idx="1"/>
+          </p:nvPr>
+        </p:nvSpPr>
+        <p:spPr>
+          <a:xfrm>
+            <a:off x="761933" y="1084800"/>
+            <a:ext cx="9908800" cy="432000"/>
+          </a:xfrm>
+          <a:prstGeom prst="rect">
+            <a:avLst/>
+          </a:prstGeom>
+        </p:spPr>
+        <p:txBody>
+          <a:bodyPr spcFirstLastPara="1" vert="horz" wrap="square" lIns="0" tIns="0" rIns="121900" bIns="24000" rtlCol="0" anchor="t" anchorCtr="0">
+            <a:noAutofit/>
+          </a:bodyPr>
+          <a:lstStyle/>
+          <a:p>
+            <a:pPr marL="0" indent="0"/>
+            <a:endParaRPr/>
+          </a:p>
+        </p:txBody>
+      </p:sp>
+      <p:sp>
+        <p:nvSpPr>
+          <p:cNvPr id="278" name="Google Shape;278;p26"/>
+          <p:cNvSpPr/>
+          <p:nvPr/>
+        </p:nvSpPr>
+        <p:spPr>
+          <a:xfrm>
+            <a:off x="0" y="2916167"/>
+            <a:ext cx="12192000" cy="2495600"/>
+          </a:xfrm>
+          <a:prstGeom prst="rect">
+            <a:avLst/>
+          </a:prstGeom>
+          <a:solidFill>
+            <a:srgbClr val="022366">
+              <a:alpha val="84710"/>
+            </a:srgbClr>
+          </a:solidFill>
+          <a:ln>
+            <a:noFill/>
+          </a:ln>
+          <a:effectLst>
+            <a:outerShdw blurRad="57150" dist="19050" dir="5400000" algn="bl" rotWithShape="0">
+              <a:srgbClr val="000000">
+                <a:alpha val="30000"/>
+              </a:srgbClr>
+            </a:outerShdw>
+          </a:effectLst>
+        </p:spPr>
+        <p:txBody>
+          <a:bodyPr spcFirstLastPara="1" wrap="square" lIns="121900" tIns="60933" rIns="121900" bIns="60933" anchor="ctr" anchorCtr="0">
+            <a:noAutofit/>
+          </a:bodyPr>
+          <a:lstStyle/>
+          <a:p>
+            <a:pPr algn="ctr"/>
+            <a:endParaRPr sz="1867">
+              <a:solidFill>
+                <a:srgbClr val="1482FA"/>
+              </a:solidFill>
+              <a:latin typeface="Arial"/>
+              <a:ea typeface="Arial"/>
+              <a:cs typeface="Arial"/>
+              <a:sym typeface="Arial"/>
+            </a:endParaRPr>
+          </a:p>
+        </p:txBody>
+      </p:sp>
+      <p:sp>
+        <p:nvSpPr>
+          <p:cNvPr id="279" name="Google Shape;279;p26"/>
+          <p:cNvSpPr txBox="1">
+            <a:spLocks noGrp="1"/>
+          </p:cNvSpPr>
+          <p:nvPr>
+            <p:ph type="body" idx="2"/>
+          </p:nvPr>
+        </p:nvSpPr>
+        <p:spPr>
+          <a:xfrm>
+            <a:off x="761933" y="1923567"/>
+            <a:ext cx="10972800" cy="4480800"/>
+          </a:xfrm>
+          <a:prstGeom prst="rect">
+            <a:avLst/>
+          </a:prstGeom>
+        </p:spPr>
+        <p:txBody>
+          <a:bodyPr spcFirstLastPara="1" vert="horz" wrap="square" lIns="0" tIns="0" rIns="0" bIns="0" rtlCol="0" anchor="ctr" anchorCtr="0">
+            <a:noAutofit/>
+          </a:bodyPr>
+          <a:lstStyle/>
+          <a:p>
+            <a:pPr marL="0" indent="0" algn="ctr">
+              <a:spcAft>
+                <a:spcPts val="400"/>
+              </a:spcAft>
+              <a:buNone/>
+            </a:pPr>
+            <a:r>
+              <a:rPr lang="en" sz="2667">
+                <a:solidFill>
+                  <a:srgbClr val="FFFFFF"/>
+                </a:solidFill>
+              </a:rPr>
+              <a:t>Open-source software development can </a:t>
+            </a:r>
+            <a:r>
+              <a:rPr lang="en" sz="2667" b="1">
+                <a:solidFill>
+                  <a:srgbClr val="FFFFFF"/>
+                </a:solidFill>
+                <a:latin typeface="Roche Sans"/>
+                <a:ea typeface="Roche Sans"/>
+                <a:cs typeface="Roche Sans"/>
+                <a:sym typeface="Roche Sans"/>
+              </a:rPr>
+              <a:t>attract a wider pool of talent</a:t>
+            </a:r>
+            <a:r>
+              <a:rPr lang="en" sz="2667">
+                <a:solidFill>
+                  <a:srgbClr val="FFFFFF"/>
+                </a:solidFill>
+              </a:rPr>
+              <a:t>, including volunteers and independent developers who are passionate about the project. This can bring </a:t>
+            </a:r>
+            <a:r>
+              <a:rPr lang="en" sz="2667" b="1">
+                <a:solidFill>
+                  <a:srgbClr val="FFFFFF"/>
+                </a:solidFill>
+                <a:latin typeface="Roche Sans"/>
+                <a:ea typeface="Roche Sans"/>
+                <a:cs typeface="Roche Sans"/>
+                <a:sym typeface="Roche Sans"/>
+              </a:rPr>
+              <a:t>new perspectives and ideas</a:t>
+            </a:r>
+            <a:r>
+              <a:rPr lang="en" sz="2667">
+                <a:solidFill>
+                  <a:srgbClr val="FFFFFF"/>
+                </a:solidFill>
+              </a:rPr>
+              <a:t>, and can help the project to grow and evolve over time.</a:t>
+            </a:r>
+            <a:endParaRPr sz="2667">
+              <a:solidFill>
+                <a:srgbClr val="FFFFFF"/>
+              </a:solidFill>
+            </a:endParaRPr>
+          </a:p>
+        </p:txBody>
+      </p:sp>
+    </p:spTree>
+  </p:cSld>
+  <p:clrMapOvr>
+    <a:masterClrMapping/>
+  </p:clrMapOvr>
+</p:sld>
+</file>
+
+<file path=ppt/slides/slide12.xml><?xml version="1.0" encoding="utf-8"?>
+<p:sld xmlns:a="http://schemas.openxmlformats.org/drawingml/2006/main" xmlns:r="http://schemas.openxmlformats.org/officeDocument/2006/relationships" xmlns:p="http://schemas.openxmlformats.org/presentationml/2006/main">
+  <p:cSld>
+    <p:spTree>
+      <p:nvGrpSpPr>
+        <p:cNvPr id="1" name="Shape 283"/>
+        <p:cNvGrpSpPr/>
+        <p:nvPr/>
+      </p:nvGrpSpPr>
+      <p:grpSpPr>
+        <a:xfrm>
+          <a:off x="0" y="0"/>
+          <a:ext cx="0" cy="0"/>
+          <a:chOff x="0" y="0"/>
+          <a:chExt cx="0" cy="0"/>
+        </a:xfrm>
+      </p:grpSpPr>
+      <p:pic>
+        <p:nvPicPr>
+          <p:cNvPr id="284" name="Google Shape;284;p27" descr="A picture containing electronics&#10;&#10;Description automatically generated"/>
+          <p:cNvPicPr preferRelativeResize="0"/>
+          <p:nvPr/>
+        </p:nvPicPr>
+        <p:blipFill rotWithShape="1">
+          <a:blip r:embed="rId3">
+            <a:alphaModFix/>
+          </a:blip>
+          <a:srcRect t="13406" b="32624"/>
+          <a:stretch/>
+        </p:blipFill>
+        <p:spPr>
+          <a:xfrm>
+            <a:off x="0" y="2916185"/>
+            <a:ext cx="12192000" cy="2495551"/>
+          </a:xfrm>
+          <a:custGeom>
+            <a:avLst/>
+            <a:gdLst/>
+            <a:ahLst/>
+            <a:cxnLst/>
+            <a:rect l="l" t="t" r="r" b="b"/>
+            <a:pathLst>
+              <a:path w="9144000" h="1871663" extrusionOk="0">
+                <a:moveTo>
+                  <a:pt x="0" y="0"/>
+                </a:moveTo>
+                <a:lnTo>
+                  <a:pt x="9144000" y="0"/>
+                </a:lnTo>
+                <a:lnTo>
+                  <a:pt x="9144000" y="1871663"/>
+                </a:lnTo>
+                <a:lnTo>
+                  <a:pt x="0" y="1871663"/>
+                </a:lnTo>
+                <a:close/>
+              </a:path>
+            </a:pathLst>
+          </a:custGeom>
+          <a:noFill/>
+          <a:ln>
+            <a:noFill/>
+          </a:ln>
+        </p:spPr>
+      </p:pic>
+      <p:sp>
+        <p:nvSpPr>
+          <p:cNvPr id="285" name="Google Shape;285;p27"/>
+          <p:cNvSpPr txBox="1">
+            <a:spLocks noGrp="1"/>
+          </p:cNvSpPr>
+          <p:nvPr>
+            <p:ph type="title"/>
+          </p:nvPr>
+        </p:nvSpPr>
+        <p:spPr>
+          <a:xfrm>
+            <a:off x="761933" y="576900"/>
+            <a:ext cx="9908800" cy="508800"/>
+          </a:xfrm>
+          <a:prstGeom prst="rect">
+            <a:avLst/>
+          </a:prstGeom>
+        </p:spPr>
+        <p:txBody>
+          <a:bodyPr spcFirstLastPara="1" vert="horz" wrap="square" lIns="0" tIns="121900" rIns="121900" bIns="121900" rtlCol="0" anchor="t" anchorCtr="0">
+            <a:noAutofit/>
+          </a:bodyPr>
+          <a:lstStyle/>
+          <a:p>
+            <a:r>
+              <a:rPr lang="en"/>
+              <a:t>VII. Standardization</a:t>
+            </a:r>
+            <a:endParaRPr/>
+          </a:p>
+        </p:txBody>
+      </p:sp>
+      <p:sp>
+        <p:nvSpPr>
+          <p:cNvPr id="286" name="Google Shape;286;p27"/>
+          <p:cNvSpPr txBox="1">
+            <a:spLocks noGrp="1"/>
+          </p:cNvSpPr>
+          <p:nvPr>
+            <p:ph type="subTitle" idx="1"/>
+          </p:nvPr>
+        </p:nvSpPr>
+        <p:spPr>
+          <a:xfrm>
+            <a:off x="761933" y="1084800"/>
+            <a:ext cx="9908800" cy="432000"/>
+          </a:xfrm>
+          <a:prstGeom prst="rect">
+            <a:avLst/>
+          </a:prstGeom>
+        </p:spPr>
+        <p:txBody>
+          <a:bodyPr spcFirstLastPara="1" vert="horz" wrap="square" lIns="0" tIns="0" rIns="121900" bIns="24000" rtlCol="0" anchor="t" anchorCtr="0">
+            <a:noAutofit/>
+          </a:bodyPr>
+          <a:lstStyle/>
+          <a:p>
+            <a:pPr marL="0" indent="0"/>
+            <a:endParaRPr/>
+          </a:p>
+        </p:txBody>
+      </p:sp>
+      <p:sp>
+        <p:nvSpPr>
+          <p:cNvPr id="287" name="Google Shape;287;p27"/>
+          <p:cNvSpPr/>
+          <p:nvPr/>
+        </p:nvSpPr>
+        <p:spPr>
+          <a:xfrm>
+            <a:off x="0" y="2916167"/>
+            <a:ext cx="12192000" cy="2495600"/>
+          </a:xfrm>
+          <a:prstGeom prst="rect">
+            <a:avLst/>
+          </a:prstGeom>
+          <a:solidFill>
+            <a:srgbClr val="022366">
+              <a:alpha val="84710"/>
+            </a:srgbClr>
+          </a:solidFill>
+          <a:ln>
+            <a:noFill/>
+          </a:ln>
+          <a:effectLst>
+            <a:outerShdw blurRad="57150" dist="19050" dir="5400000" algn="bl" rotWithShape="0">
+              <a:srgbClr val="000000">
+                <a:alpha val="30000"/>
+              </a:srgbClr>
+            </a:outerShdw>
+          </a:effectLst>
+        </p:spPr>
+        <p:txBody>
+          <a:bodyPr spcFirstLastPara="1" wrap="square" lIns="121900" tIns="60933" rIns="121900" bIns="60933" anchor="ctr" anchorCtr="0">
+            <a:noAutofit/>
+          </a:bodyPr>
+          <a:lstStyle/>
+          <a:p>
+            <a:pPr algn="ctr"/>
+            <a:endParaRPr sz="1867">
+              <a:solidFill>
+                <a:srgbClr val="1482FA"/>
+              </a:solidFill>
+              <a:latin typeface="Arial"/>
+              <a:ea typeface="Arial"/>
+              <a:cs typeface="Arial"/>
+              <a:sym typeface="Arial"/>
+            </a:endParaRPr>
+          </a:p>
+        </p:txBody>
+      </p:sp>
+      <p:sp>
+        <p:nvSpPr>
+          <p:cNvPr id="288" name="Google Shape;288;p27"/>
+          <p:cNvSpPr txBox="1">
+            <a:spLocks noGrp="1"/>
+          </p:cNvSpPr>
+          <p:nvPr>
+            <p:ph type="body" idx="2"/>
+          </p:nvPr>
+        </p:nvSpPr>
+        <p:spPr>
+          <a:xfrm>
+            <a:off x="761933" y="1923567"/>
+            <a:ext cx="10972800" cy="4480800"/>
+          </a:xfrm>
+          <a:prstGeom prst="rect">
+            <a:avLst/>
+          </a:prstGeom>
+        </p:spPr>
+        <p:txBody>
+          <a:bodyPr spcFirstLastPara="1" vert="horz" wrap="square" lIns="0" tIns="0" rIns="0" bIns="0" rtlCol="0" anchor="ctr" anchorCtr="0">
+            <a:noAutofit/>
+          </a:bodyPr>
+          <a:lstStyle/>
+          <a:p>
+            <a:pPr marL="0" indent="0" algn="ctr">
+              <a:spcAft>
+                <a:spcPts val="400"/>
+              </a:spcAft>
+              <a:buNone/>
+            </a:pPr>
+            <a:r>
+              <a:rPr lang="en" sz="2667">
+                <a:solidFill>
+                  <a:srgbClr val="FFFFFF"/>
+                </a:solidFill>
+              </a:rPr>
+              <a:t>Open-source software can help to </a:t>
+            </a:r>
+            <a:r>
+              <a:rPr lang="en" sz="2667" b="1">
+                <a:solidFill>
+                  <a:srgbClr val="FFFFFF"/>
+                </a:solidFill>
+                <a:latin typeface="Roche Sans"/>
+                <a:ea typeface="Roche Sans"/>
+                <a:cs typeface="Roche Sans"/>
+                <a:sym typeface="Roche Sans"/>
+              </a:rPr>
+              <a:t>standardize the submission and review of regulatory data</a:t>
+            </a:r>
+            <a:r>
+              <a:rPr lang="en" sz="2667">
+                <a:solidFill>
+                  <a:srgbClr val="FFFFFF"/>
+                </a:solidFill>
+              </a:rPr>
+              <a:t>, which can </a:t>
+            </a:r>
+            <a:r>
+              <a:rPr lang="en" sz="2667" b="1">
+                <a:solidFill>
+                  <a:srgbClr val="FFFFFF"/>
+                </a:solidFill>
+                <a:latin typeface="Roche Sans"/>
+                <a:ea typeface="Roche Sans"/>
+                <a:cs typeface="Roche Sans"/>
+                <a:sym typeface="Roche Sans"/>
+              </a:rPr>
+              <a:t>improve consistency and accuracy</a:t>
+            </a:r>
+            <a:r>
+              <a:rPr lang="en" sz="2667">
+                <a:solidFill>
+                  <a:srgbClr val="FFFFFF"/>
+                </a:solidFill>
+              </a:rPr>
+              <a:t> across different submissions.</a:t>
+            </a:r>
+            <a:endParaRPr sz="2667">
+              <a:solidFill>
+                <a:srgbClr val="FFFFFF"/>
+              </a:solidFill>
+            </a:endParaRPr>
+          </a:p>
+        </p:txBody>
+      </p:sp>
+    </p:spTree>
+  </p:cSld>
+  <p:clrMapOvr>
+    <a:masterClrMapping/>
+  </p:clrMapOvr>
+</p:sld>
+</file>
+
+<file path=ppt/slides/slide13.xml><?xml version="1.0" encoding="utf-8"?>
 <p:sld xmlns:a="http://schemas.openxmlformats.org/drawingml/2006/main" xmlns:r="http://schemas.openxmlformats.org/officeDocument/2006/relationships" xmlns:p="http://schemas.openxmlformats.org/presentationml/2006/main">
   <p:cSld>
     <p:spTree>
@@ -3617,6 +6130,921 @@
               <a:rPr lang="en-CH" dirty="0"/>
               <a:t>ontribution levels</a:t>
             </a:r>
+          </a:p>
+        </p:txBody>
+      </p:sp>
+      <p:sp>
+        <p:nvSpPr>
+          <p:cNvPr id="3" name="Content Placeholder 2">
+            <a:extLst>
+              <a:ext uri="{FF2B5EF4-FFF2-40B4-BE49-F238E27FC236}">
+                <a16:creationId xmlns:a16="http://schemas.microsoft.com/office/drawing/2014/main" id="{88B5BC8D-FD02-5098-F6E0-E650FCC6A74A}"/>
+              </a:ext>
+            </a:extLst>
+          </p:cNvPr>
+          <p:cNvSpPr>
+            <a:spLocks noGrp="1"/>
+          </p:cNvSpPr>
+          <p:nvPr>
+            <p:ph idx="1"/>
+          </p:nvPr>
+        </p:nvSpPr>
+        <p:spPr/>
+        <p:txBody>
+          <a:bodyPr>
+            <a:normAutofit/>
+          </a:bodyPr>
+          <a:lstStyle/>
+          <a:p>
+            <a:r>
+              <a:rPr lang="en-US" dirty="0"/>
+              <a:t>Use the packages</a:t>
+            </a:r>
+          </a:p>
+          <a:p>
+            <a:endParaRPr lang="en-CH" dirty="0"/>
+          </a:p>
+        </p:txBody>
+      </p:sp>
+    </p:spTree>
+    <p:extLst>
+      <p:ext uri="{BB962C8B-B14F-4D97-AF65-F5344CB8AC3E}">
+        <p14:creationId xmlns:p14="http://schemas.microsoft.com/office/powerpoint/2010/main" val="2157211617"/>
+      </p:ext>
+    </p:extLst>
+  </p:cSld>
+  <p:clrMapOvr>
+    <a:masterClrMapping/>
+  </p:clrMapOvr>
+</p:sld>
+</file>
+
+<file path=ppt/slides/slide14.xml><?xml version="1.0" encoding="utf-8"?>
+<p:sld xmlns:a="http://schemas.openxmlformats.org/drawingml/2006/main" xmlns:r="http://schemas.openxmlformats.org/officeDocument/2006/relationships" xmlns:p="http://schemas.openxmlformats.org/presentationml/2006/main">
+  <p:cSld>
+    <p:spTree>
+      <p:nvGrpSpPr>
+        <p:cNvPr id="1" name=""/>
+        <p:cNvGrpSpPr/>
+        <p:nvPr/>
+      </p:nvGrpSpPr>
+      <p:grpSpPr>
+        <a:xfrm>
+          <a:off x="0" y="0"/>
+          <a:ext cx="0" cy="0"/>
+          <a:chOff x="0" y="0"/>
+          <a:chExt cx="0" cy="0"/>
+        </a:xfrm>
+      </p:grpSpPr>
+      <p:sp>
+        <p:nvSpPr>
+          <p:cNvPr id="2" name="Title 1">
+            <a:extLst>
+              <a:ext uri="{FF2B5EF4-FFF2-40B4-BE49-F238E27FC236}">
+                <a16:creationId xmlns:a16="http://schemas.microsoft.com/office/drawing/2014/main" id="{575F4081-31BC-774C-C1EB-75A050907BFF}"/>
+              </a:ext>
+            </a:extLst>
+          </p:cNvPr>
+          <p:cNvSpPr>
+            <a:spLocks noGrp="1"/>
+          </p:cNvSpPr>
+          <p:nvPr>
+            <p:ph type="title"/>
+          </p:nvPr>
+        </p:nvSpPr>
+        <p:spPr/>
+        <p:txBody>
+          <a:bodyPr/>
+          <a:lstStyle/>
+          <a:p>
+            <a:r>
+              <a:rPr lang="en-US" dirty="0"/>
+              <a:t>C</a:t>
+            </a:r>
+            <a:r>
+              <a:rPr lang="en-CH" dirty="0"/>
+              <a:t>ontribution levels</a:t>
+            </a:r>
+          </a:p>
+        </p:txBody>
+      </p:sp>
+      <p:sp>
+        <p:nvSpPr>
+          <p:cNvPr id="3" name="Content Placeholder 2">
+            <a:extLst>
+              <a:ext uri="{FF2B5EF4-FFF2-40B4-BE49-F238E27FC236}">
+                <a16:creationId xmlns:a16="http://schemas.microsoft.com/office/drawing/2014/main" id="{88B5BC8D-FD02-5098-F6E0-E650FCC6A74A}"/>
+              </a:ext>
+            </a:extLst>
+          </p:cNvPr>
+          <p:cNvSpPr>
+            <a:spLocks noGrp="1"/>
+          </p:cNvSpPr>
+          <p:nvPr>
+            <p:ph idx="1"/>
+          </p:nvPr>
+        </p:nvSpPr>
+        <p:spPr/>
+        <p:txBody>
+          <a:bodyPr>
+            <a:normAutofit/>
+          </a:bodyPr>
+          <a:lstStyle/>
+          <a:p>
+            <a:r>
+              <a:rPr lang="en-US" dirty="0"/>
+              <a:t>Use the packages</a:t>
+            </a:r>
+          </a:p>
+          <a:p>
+            <a:r>
+              <a:rPr lang="en-CH" dirty="0"/>
+              <a:t>Submit </a:t>
+            </a:r>
+            <a:r>
+              <a:rPr lang="en-US" dirty="0"/>
+              <a:t>I</a:t>
+            </a:r>
+            <a:r>
+              <a:rPr lang="en-CH" dirty="0"/>
+              <a:t>ssue</a:t>
+            </a:r>
+            <a:r>
+              <a:rPr lang="en-US" dirty="0"/>
+              <a:t>s</a:t>
+            </a:r>
+            <a:r>
+              <a:rPr lang="en-CH" dirty="0"/>
+              <a:t> </a:t>
+            </a:r>
+            <a:endParaRPr lang="en-US" dirty="0"/>
+          </a:p>
+          <a:p>
+            <a:pPr lvl="1"/>
+            <a:r>
+              <a:rPr lang="en-US" dirty="0"/>
+              <a:t>Documentation Enhancements</a:t>
+            </a:r>
+          </a:p>
+          <a:p>
+            <a:pPr lvl="1"/>
+            <a:r>
+              <a:rPr lang="en-US" dirty="0"/>
+              <a:t>F</a:t>
+            </a:r>
+            <a:r>
+              <a:rPr lang="en-CH"/>
+              <a:t>eature </a:t>
+            </a:r>
+            <a:r>
+              <a:rPr lang="en-US" dirty="0"/>
+              <a:t>R</a:t>
+            </a:r>
+            <a:r>
+              <a:rPr lang="en-CH"/>
+              <a:t>equest</a:t>
+            </a:r>
+            <a:r>
+              <a:rPr lang="en-US" dirty="0"/>
+              <a:t>s</a:t>
+            </a:r>
+          </a:p>
+          <a:p>
+            <a:pPr lvl="1"/>
+            <a:r>
+              <a:rPr lang="en-US" dirty="0"/>
+              <a:t>B</a:t>
+            </a:r>
+            <a:r>
+              <a:rPr lang="en-CH"/>
+              <a:t>ug</a:t>
+            </a:r>
+            <a:r>
+              <a:rPr lang="en-US" dirty="0"/>
+              <a:t> Reports</a:t>
+            </a:r>
+            <a:endParaRPr lang="en-CH" dirty="0"/>
+          </a:p>
+          <a:p>
+            <a:endParaRPr lang="en-CH" dirty="0"/>
+          </a:p>
+        </p:txBody>
+      </p:sp>
+    </p:spTree>
+    <p:extLst>
+      <p:ext uri="{BB962C8B-B14F-4D97-AF65-F5344CB8AC3E}">
+        <p14:creationId xmlns:p14="http://schemas.microsoft.com/office/powerpoint/2010/main" val="82912287"/>
+      </p:ext>
+    </p:extLst>
+  </p:cSld>
+  <p:clrMapOvr>
+    <a:masterClrMapping/>
+  </p:clrMapOvr>
+  <p:timing>
+    <p:tnLst>
+      <p:par>
+        <p:cTn id="1" dur="indefinite" restart="never" nodeType="tmRoot">
+          <p:childTnLst>
+            <p:seq concurrent="1" nextAc="seek">
+              <p:cTn id="2" dur="indefinite" nodeType="mainSeq">
+                <p:childTnLst>
+                  <p:par>
+                    <p:cTn id="3" fill="hold">
+                      <p:stCondLst>
+                        <p:cond delay="indefinite"/>
+                      </p:stCondLst>
+                      <p:childTnLst>
+                        <p:par>
+                          <p:cTn id="4" fill="hold">
+                            <p:stCondLst>
+                              <p:cond delay="0"/>
+                            </p:stCondLst>
+                            <p:childTnLst>
+                              <p:par>
+                                <p:cTn id="5" presetID="1" presetClass="entr" presetSubtype="0" fill="hold" nodeType="clickEffect">
+                                  <p:stCondLst>
+                                    <p:cond delay="0"/>
+                                  </p:stCondLst>
+                                  <p:childTnLst>
+                                    <p:set>
+                                      <p:cBhvr>
+                                        <p:cTn id="6" dur="1" fill="hold">
+                                          <p:stCondLst>
+                                            <p:cond delay="0"/>
+                                          </p:stCondLst>
+                                        </p:cTn>
+                                        <p:tgtEl>
+                                          <p:spTgt spid="3">
+                                            <p:txEl>
+                                              <p:pRg st="2" end="2"/>
+                                            </p:txEl>
+                                          </p:spTgt>
+                                        </p:tgtEl>
+                                        <p:attrNameLst>
+                                          <p:attrName>style.visibility</p:attrName>
+                                        </p:attrNameLst>
+                                      </p:cBhvr>
+                                      <p:to>
+                                        <p:strVal val="visible"/>
+                                      </p:to>
+                                    </p:set>
+                                  </p:childTnLst>
+                                </p:cTn>
+                              </p:par>
+                            </p:childTnLst>
+                          </p:cTn>
+                        </p:par>
+                      </p:childTnLst>
+                    </p:cTn>
+                  </p:par>
+                  <p:par>
+                    <p:cTn id="7" fill="hold">
+                      <p:stCondLst>
+                        <p:cond delay="indefinite"/>
+                      </p:stCondLst>
+                      <p:childTnLst>
+                        <p:par>
+                          <p:cTn id="8" fill="hold">
+                            <p:stCondLst>
+                              <p:cond delay="0"/>
+                            </p:stCondLst>
+                            <p:childTnLst>
+                              <p:par>
+                                <p:cTn id="9" presetID="1" presetClass="entr" presetSubtype="0" fill="hold" nodeType="clickEffect">
+                                  <p:stCondLst>
+                                    <p:cond delay="0"/>
+                                  </p:stCondLst>
+                                  <p:childTnLst>
+                                    <p:set>
+                                      <p:cBhvr>
+                                        <p:cTn id="10" dur="1" fill="hold">
+                                          <p:stCondLst>
+                                            <p:cond delay="0"/>
+                                          </p:stCondLst>
+                                        </p:cTn>
+                                        <p:tgtEl>
+                                          <p:spTgt spid="3">
+                                            <p:txEl>
+                                              <p:pRg st="3" end="3"/>
+                                            </p:txEl>
+                                          </p:spTgt>
+                                        </p:tgtEl>
+                                        <p:attrNameLst>
+                                          <p:attrName>style.visibility</p:attrName>
+                                        </p:attrNameLst>
+                                      </p:cBhvr>
+                                      <p:to>
+                                        <p:strVal val="visible"/>
+                                      </p:to>
+                                    </p:set>
+                                  </p:childTnLst>
+                                </p:cTn>
+                              </p:par>
+                            </p:childTnLst>
+                          </p:cTn>
+                        </p:par>
+                      </p:childTnLst>
+                    </p:cTn>
+                  </p:par>
+                  <p:par>
+                    <p:cTn id="11" fill="hold">
+                      <p:stCondLst>
+                        <p:cond delay="indefinite"/>
+                      </p:stCondLst>
+                      <p:childTnLst>
+                        <p:par>
+                          <p:cTn id="12" fill="hold">
+                            <p:stCondLst>
+                              <p:cond delay="0"/>
+                            </p:stCondLst>
+                            <p:childTnLst>
+                              <p:par>
+                                <p:cTn id="13" presetID="1" presetClass="entr" presetSubtype="0" fill="hold" nodeType="clickEffect">
+                                  <p:stCondLst>
+                                    <p:cond delay="0"/>
+                                  </p:stCondLst>
+                                  <p:childTnLst>
+                                    <p:set>
+                                      <p:cBhvr>
+                                        <p:cTn id="14" dur="1" fill="hold">
+                                          <p:stCondLst>
+                                            <p:cond delay="0"/>
+                                          </p:stCondLst>
+                                        </p:cTn>
+                                        <p:tgtEl>
+                                          <p:spTgt spid="3">
+                                            <p:txEl>
+                                              <p:pRg st="4" end="4"/>
+                                            </p:txEl>
+                                          </p:spTgt>
+                                        </p:tgtEl>
+                                        <p:attrNameLst>
+                                          <p:attrName>style.visibility</p:attrName>
+                                        </p:attrNameLst>
+                                      </p:cBhvr>
+                                      <p:to>
+                                        <p:strVal val="visible"/>
+                                      </p:to>
+                                    </p:set>
+                                  </p:childTnLst>
+                                </p:cTn>
+                              </p:par>
+                            </p:childTnLst>
+                          </p:cTn>
+                        </p:par>
+                      </p:childTnLst>
+                    </p:cTn>
+                  </p:par>
+                </p:childTnLst>
+              </p:cTn>
+              <p:prevCondLst>
+                <p:cond evt="onPrev" delay="0">
+                  <p:tgtEl>
+                    <p:sldTgt/>
+                  </p:tgtEl>
+                </p:cond>
+              </p:prevCondLst>
+              <p:nextCondLst>
+                <p:cond evt="onNext" delay="0">
+                  <p:tgtEl>
+                    <p:sldTgt/>
+                  </p:tgtEl>
+                </p:cond>
+              </p:nextCondLst>
+            </p:seq>
+          </p:childTnLst>
+        </p:cTn>
+      </p:par>
+    </p:tnLst>
+  </p:timing>
+</p:sld>
+</file>
+
+<file path=ppt/slides/slide15.xml><?xml version="1.0" encoding="utf-8"?>
+<p:sld xmlns:a="http://schemas.openxmlformats.org/drawingml/2006/main" xmlns:r="http://schemas.openxmlformats.org/officeDocument/2006/relationships" xmlns:p="http://schemas.openxmlformats.org/presentationml/2006/main">
+  <p:cSld>
+    <p:spTree>
+      <p:nvGrpSpPr>
+        <p:cNvPr id="1" name=""/>
+        <p:cNvGrpSpPr/>
+        <p:nvPr/>
+      </p:nvGrpSpPr>
+      <p:grpSpPr>
+        <a:xfrm>
+          <a:off x="0" y="0"/>
+          <a:ext cx="0" cy="0"/>
+          <a:chOff x="0" y="0"/>
+          <a:chExt cx="0" cy="0"/>
+        </a:xfrm>
+      </p:grpSpPr>
+      <p:sp>
+        <p:nvSpPr>
+          <p:cNvPr id="2" name="Title 1">
+            <a:extLst>
+              <a:ext uri="{FF2B5EF4-FFF2-40B4-BE49-F238E27FC236}">
+                <a16:creationId xmlns:a16="http://schemas.microsoft.com/office/drawing/2014/main" id="{51DBAFEB-6319-A397-EA82-D82E2A7C6B55}"/>
+              </a:ext>
+            </a:extLst>
+          </p:cNvPr>
+          <p:cNvSpPr>
+            <a:spLocks noGrp="1"/>
+          </p:cNvSpPr>
+          <p:nvPr>
+            <p:ph type="title"/>
+          </p:nvPr>
+        </p:nvSpPr>
+        <p:spPr/>
+        <p:txBody>
+          <a:bodyPr/>
+          <a:lstStyle/>
+          <a:p>
+            <a:r>
+              <a:rPr lang="en-US" dirty="0"/>
+              <a:t>Opening an Issue</a:t>
+            </a:r>
+          </a:p>
+        </p:txBody>
+      </p:sp>
+      <p:sp>
+        <p:nvSpPr>
+          <p:cNvPr id="3" name="Content Placeholder 2">
+            <a:extLst>
+              <a:ext uri="{FF2B5EF4-FFF2-40B4-BE49-F238E27FC236}">
+                <a16:creationId xmlns:a16="http://schemas.microsoft.com/office/drawing/2014/main" id="{29C956F3-0D43-9F1B-25B2-95D606B5E0E2}"/>
+              </a:ext>
+            </a:extLst>
+          </p:cNvPr>
+          <p:cNvSpPr>
+            <a:spLocks noGrp="1"/>
+          </p:cNvSpPr>
+          <p:nvPr>
+            <p:ph idx="1"/>
+          </p:nvPr>
+        </p:nvSpPr>
+        <p:spPr/>
+        <p:txBody>
+          <a:bodyPr/>
+          <a:lstStyle/>
+          <a:p>
+            <a:r>
+              <a:rPr lang="en-US" dirty="0"/>
+              <a:t>If you saw a discrepancy or typo in the documentation of a package used today, open an issue pointing to the documentation and what you think should be fixed</a:t>
+            </a:r>
+          </a:p>
+          <a:p>
+            <a:pPr lvl="1"/>
+            <a:r>
+              <a:rPr lang="en-US" dirty="0"/>
+              <a:t>Find the GitHub page for the package</a:t>
+            </a:r>
+          </a:p>
+          <a:p>
+            <a:pPr lvl="1"/>
+            <a:r>
+              <a:rPr lang="en-US" dirty="0"/>
+              <a:t>Click on “Issues” then “New issue”</a:t>
+            </a:r>
+          </a:p>
+          <a:p>
+            <a:pPr lvl="1"/>
+            <a:r>
+              <a:rPr lang="en-US" dirty="0"/>
+              <a:t>Write the location of the discrepancy and what you think might be a better solution</a:t>
+            </a:r>
+          </a:p>
+          <a:p>
+            <a:pPr lvl="1"/>
+            <a:endParaRPr lang="en-US" dirty="0"/>
+          </a:p>
+          <a:p>
+            <a:r>
+              <a:rPr lang="en-US" dirty="0"/>
+              <a:t>Demo Time on admiral!</a:t>
+            </a:r>
+          </a:p>
+          <a:p>
+            <a:endParaRPr lang="en-US" dirty="0"/>
+          </a:p>
+        </p:txBody>
+      </p:sp>
+    </p:spTree>
+    <p:extLst>
+      <p:ext uri="{BB962C8B-B14F-4D97-AF65-F5344CB8AC3E}">
+        <p14:creationId xmlns:p14="http://schemas.microsoft.com/office/powerpoint/2010/main" val="3465875368"/>
+      </p:ext>
+    </p:extLst>
+  </p:cSld>
+  <p:clrMapOvr>
+    <a:masterClrMapping/>
+  </p:clrMapOvr>
+  <p:timing>
+    <p:tnLst>
+      <p:par>
+        <p:cTn id="1" dur="indefinite" restart="never" nodeType="tmRoot">
+          <p:childTnLst>
+            <p:seq concurrent="1" nextAc="seek">
+              <p:cTn id="2" dur="indefinite" nodeType="mainSeq">
+                <p:childTnLst>
+                  <p:par>
+                    <p:cTn id="3" fill="hold">
+                      <p:stCondLst>
+                        <p:cond delay="indefinite"/>
+                      </p:stCondLst>
+                      <p:childTnLst>
+                        <p:par>
+                          <p:cTn id="4" fill="hold">
+                            <p:stCondLst>
+                              <p:cond delay="0"/>
+                            </p:stCondLst>
+                            <p:childTnLst>
+                              <p:par>
+                                <p:cTn id="5" presetID="1" presetClass="entr" presetSubtype="0" fill="hold" nodeType="clickEffect">
+                                  <p:stCondLst>
+                                    <p:cond delay="0"/>
+                                  </p:stCondLst>
+                                  <p:childTnLst>
+                                    <p:set>
+                                      <p:cBhvr>
+                                        <p:cTn id="6" dur="1" fill="hold">
+                                          <p:stCondLst>
+                                            <p:cond delay="0"/>
+                                          </p:stCondLst>
+                                        </p:cTn>
+                                        <p:tgtEl>
+                                          <p:spTgt spid="3">
+                                            <p:txEl>
+                                              <p:pRg st="5" end="5"/>
+                                            </p:txEl>
+                                          </p:spTgt>
+                                        </p:tgtEl>
+                                        <p:attrNameLst>
+                                          <p:attrName>style.visibility</p:attrName>
+                                        </p:attrNameLst>
+                                      </p:cBhvr>
+                                      <p:to>
+                                        <p:strVal val="visible"/>
+                                      </p:to>
+                                    </p:set>
+                                  </p:childTnLst>
+                                </p:cTn>
+                              </p:par>
+                            </p:childTnLst>
+                          </p:cTn>
+                        </p:par>
+                      </p:childTnLst>
+                    </p:cTn>
+                  </p:par>
+                </p:childTnLst>
+              </p:cTn>
+              <p:prevCondLst>
+                <p:cond evt="onPrev" delay="0">
+                  <p:tgtEl>
+                    <p:sldTgt/>
+                  </p:tgtEl>
+                </p:cond>
+              </p:prevCondLst>
+              <p:nextCondLst>
+                <p:cond evt="onNext" delay="0">
+                  <p:tgtEl>
+                    <p:sldTgt/>
+                  </p:tgtEl>
+                </p:cond>
+              </p:nextCondLst>
+            </p:seq>
+          </p:childTnLst>
+        </p:cTn>
+      </p:par>
+    </p:tnLst>
+  </p:timing>
+</p:sld>
+</file>
+
+<file path=ppt/slides/slide16.xml><?xml version="1.0" encoding="utf-8"?>
+<p:sld xmlns:a="http://schemas.openxmlformats.org/drawingml/2006/main" xmlns:r="http://schemas.openxmlformats.org/officeDocument/2006/relationships" xmlns:p="http://schemas.openxmlformats.org/presentationml/2006/main">
+  <p:cSld>
+    <p:spTree>
+      <p:nvGrpSpPr>
+        <p:cNvPr id="1" name=""/>
+        <p:cNvGrpSpPr/>
+        <p:nvPr/>
+      </p:nvGrpSpPr>
+      <p:grpSpPr>
+        <a:xfrm>
+          <a:off x="0" y="0"/>
+          <a:ext cx="0" cy="0"/>
+          <a:chOff x="0" y="0"/>
+          <a:chExt cx="0" cy="0"/>
+        </a:xfrm>
+      </p:grpSpPr>
+      <p:sp>
+        <p:nvSpPr>
+          <p:cNvPr id="2" name="Title 1">
+            <a:extLst>
+              <a:ext uri="{FF2B5EF4-FFF2-40B4-BE49-F238E27FC236}">
+                <a16:creationId xmlns:a16="http://schemas.microsoft.com/office/drawing/2014/main" id="{19213C66-1286-66B5-81E5-991CD41106E6}"/>
+              </a:ext>
+            </a:extLst>
+          </p:cNvPr>
+          <p:cNvSpPr>
+            <a:spLocks noGrp="1"/>
+          </p:cNvSpPr>
+          <p:nvPr>
+            <p:ph type="title"/>
+          </p:nvPr>
+        </p:nvSpPr>
+        <p:spPr/>
+        <p:txBody>
+          <a:bodyPr/>
+          <a:lstStyle/>
+          <a:p>
+            <a:r>
+              <a:rPr lang="en-US" dirty="0"/>
+              <a:t>Opening an Issue (Innovator mode)</a:t>
+            </a:r>
+          </a:p>
+        </p:txBody>
+      </p:sp>
+      <p:sp>
+        <p:nvSpPr>
+          <p:cNvPr id="3" name="Content Placeholder 2">
+            <a:extLst>
+              <a:ext uri="{FF2B5EF4-FFF2-40B4-BE49-F238E27FC236}">
+                <a16:creationId xmlns:a16="http://schemas.microsoft.com/office/drawing/2014/main" id="{48E16900-D0F4-27A6-5BBB-4673F1514A3B}"/>
+              </a:ext>
+            </a:extLst>
+          </p:cNvPr>
+          <p:cNvSpPr>
+            <a:spLocks noGrp="1"/>
+          </p:cNvSpPr>
+          <p:nvPr>
+            <p:ph idx="1"/>
+          </p:nvPr>
+        </p:nvSpPr>
+        <p:spPr/>
+        <p:txBody>
+          <a:bodyPr/>
+          <a:lstStyle/>
+          <a:p>
+            <a:r>
+              <a:rPr lang="en-US" dirty="0"/>
+              <a:t>If you have a feature you would like to see in the package!</a:t>
+            </a:r>
+          </a:p>
+          <a:p>
+            <a:pPr lvl="1"/>
+            <a:r>
+              <a:rPr lang="en-US" dirty="0"/>
+              <a:t>Find the GitHub page for the package</a:t>
+            </a:r>
+          </a:p>
+          <a:p>
+            <a:pPr lvl="1"/>
+            <a:r>
+              <a:rPr lang="en-US" dirty="0"/>
+              <a:t>Click on “Issues” then “New issue”</a:t>
+            </a:r>
+          </a:p>
+          <a:p>
+            <a:pPr lvl="1"/>
+            <a:r>
+              <a:rPr lang="en-US" dirty="0"/>
+              <a:t>Write out an explanation of the feature you would like to see and why</a:t>
+            </a:r>
+          </a:p>
+          <a:p>
+            <a:pPr lvl="1"/>
+            <a:r>
+              <a:rPr lang="en-US" dirty="0"/>
+              <a:t>(optional) write pseudocode code content, detailing what you would expect and how you would like to interact with it</a:t>
+            </a:r>
+          </a:p>
+          <a:p>
+            <a:pPr lvl="2"/>
+            <a:endParaRPr lang="en-US" dirty="0"/>
+          </a:p>
+          <a:p>
+            <a:endParaRPr lang="en-US" dirty="0"/>
+          </a:p>
+        </p:txBody>
+      </p:sp>
+    </p:spTree>
+    <p:extLst>
+      <p:ext uri="{BB962C8B-B14F-4D97-AF65-F5344CB8AC3E}">
+        <p14:creationId xmlns:p14="http://schemas.microsoft.com/office/powerpoint/2010/main" val="2731555695"/>
+      </p:ext>
+    </p:extLst>
+  </p:cSld>
+  <p:clrMapOvr>
+    <a:masterClrMapping/>
+  </p:clrMapOvr>
+</p:sld>
+</file>
+
+<file path=ppt/slides/slide17.xml><?xml version="1.0" encoding="utf-8"?>
+<p:sld xmlns:a="http://schemas.openxmlformats.org/drawingml/2006/main" xmlns:r="http://schemas.openxmlformats.org/officeDocument/2006/relationships" xmlns:p="http://schemas.openxmlformats.org/presentationml/2006/main">
+  <p:cSld>
+    <p:spTree>
+      <p:nvGrpSpPr>
+        <p:cNvPr id="1" name=""/>
+        <p:cNvGrpSpPr/>
+        <p:nvPr/>
+      </p:nvGrpSpPr>
+      <p:grpSpPr>
+        <a:xfrm>
+          <a:off x="0" y="0"/>
+          <a:ext cx="0" cy="0"/>
+          <a:chOff x="0" y="0"/>
+          <a:chExt cx="0" cy="0"/>
+        </a:xfrm>
+      </p:grpSpPr>
+      <p:sp>
+        <p:nvSpPr>
+          <p:cNvPr id="2" name="Title 1">
+            <a:extLst>
+              <a:ext uri="{FF2B5EF4-FFF2-40B4-BE49-F238E27FC236}">
+                <a16:creationId xmlns:a16="http://schemas.microsoft.com/office/drawing/2014/main" id="{19213C66-1286-66B5-81E5-991CD41106E6}"/>
+              </a:ext>
+            </a:extLst>
+          </p:cNvPr>
+          <p:cNvSpPr>
+            <a:spLocks noGrp="1"/>
+          </p:cNvSpPr>
+          <p:nvPr>
+            <p:ph type="title"/>
+          </p:nvPr>
+        </p:nvSpPr>
+        <p:spPr/>
+        <p:txBody>
+          <a:bodyPr/>
+          <a:lstStyle/>
+          <a:p>
+            <a:r>
+              <a:rPr lang="en-US" dirty="0"/>
+              <a:t>Opening an Issue (Advanced mode)</a:t>
+            </a:r>
+          </a:p>
+        </p:txBody>
+      </p:sp>
+      <p:sp>
+        <p:nvSpPr>
+          <p:cNvPr id="3" name="Content Placeholder 2">
+            <a:extLst>
+              <a:ext uri="{FF2B5EF4-FFF2-40B4-BE49-F238E27FC236}">
+                <a16:creationId xmlns:a16="http://schemas.microsoft.com/office/drawing/2014/main" id="{48E16900-D0F4-27A6-5BBB-4673F1514A3B}"/>
+              </a:ext>
+            </a:extLst>
+          </p:cNvPr>
+          <p:cNvSpPr>
+            <a:spLocks noGrp="1"/>
+          </p:cNvSpPr>
+          <p:nvPr>
+            <p:ph idx="1"/>
+          </p:nvPr>
+        </p:nvSpPr>
+        <p:spPr/>
+        <p:txBody>
+          <a:bodyPr/>
+          <a:lstStyle/>
+          <a:p>
+            <a:r>
+              <a:rPr lang="en-US" dirty="0"/>
+              <a:t>If you saw a bug today, open an issue with an MVP!</a:t>
+            </a:r>
+          </a:p>
+          <a:p>
+            <a:pPr lvl="1"/>
+            <a:r>
+              <a:rPr lang="en-US" dirty="0"/>
+              <a:t>Find the GitHub page for the package</a:t>
+            </a:r>
+          </a:p>
+          <a:p>
+            <a:pPr lvl="1"/>
+            <a:r>
+              <a:rPr lang="en-US" dirty="0"/>
+              <a:t>Click on “Issues” then “New issue”</a:t>
+            </a:r>
+          </a:p>
+          <a:p>
+            <a:pPr lvl="1"/>
+            <a:r>
+              <a:rPr lang="en-US" dirty="0"/>
+              <a:t>Construct an MVP</a:t>
+            </a:r>
+          </a:p>
+          <a:p>
+            <a:pPr lvl="2"/>
+            <a:r>
+              <a:rPr lang="en-US" dirty="0"/>
+              <a:t>Make issue you see reproducible (you can repeat the error)</a:t>
+            </a:r>
+          </a:p>
+          <a:p>
+            <a:pPr lvl="2"/>
+            <a:r>
+              <a:rPr lang="en-US" dirty="0"/>
+              <a:t>See if you can simplify the code down to only the required parts</a:t>
+            </a:r>
+          </a:p>
+          <a:p>
+            <a:pPr lvl="2"/>
+            <a:r>
+              <a:rPr lang="en-US" dirty="0"/>
+              <a:t>Run in a fresh R session to confirm</a:t>
+            </a:r>
+          </a:p>
+          <a:p>
+            <a:pPr lvl="1"/>
+            <a:r>
+              <a:rPr lang="en-US" dirty="0"/>
+              <a:t>Use {</a:t>
+            </a:r>
+            <a:r>
+              <a:rPr lang="en-US" dirty="0" err="1"/>
+              <a:t>reprex</a:t>
+            </a:r>
+            <a:r>
+              <a:rPr lang="en-US" dirty="0"/>
+              <a:t>} to generate code content and write in a) the issue the error you see and b) what you would expect</a:t>
+            </a:r>
+          </a:p>
+          <a:p>
+            <a:pPr lvl="2"/>
+            <a:endParaRPr lang="en-US" dirty="0"/>
+          </a:p>
+          <a:p>
+            <a:endParaRPr lang="en-US" dirty="0"/>
+          </a:p>
+        </p:txBody>
+      </p:sp>
+    </p:spTree>
+    <p:extLst>
+      <p:ext uri="{BB962C8B-B14F-4D97-AF65-F5344CB8AC3E}">
+        <p14:creationId xmlns:p14="http://schemas.microsoft.com/office/powerpoint/2010/main" val="2901306822"/>
+      </p:ext>
+    </p:extLst>
+  </p:cSld>
+  <p:clrMapOvr>
+    <a:masterClrMapping/>
+  </p:clrMapOvr>
+</p:sld>
+</file>
+
+<file path=ppt/slides/slide18.xml><?xml version="1.0" encoding="utf-8"?>
+<p:sld xmlns:a="http://schemas.openxmlformats.org/drawingml/2006/main" xmlns:r="http://schemas.openxmlformats.org/officeDocument/2006/relationships" xmlns:p="http://schemas.openxmlformats.org/presentationml/2006/main">
+  <p:cSld>
+    <p:spTree>
+      <p:nvGrpSpPr>
+        <p:cNvPr id="1" name=""/>
+        <p:cNvGrpSpPr/>
+        <p:nvPr/>
+      </p:nvGrpSpPr>
+      <p:grpSpPr>
+        <a:xfrm>
+          <a:off x="0" y="0"/>
+          <a:ext cx="0" cy="0"/>
+          <a:chOff x="0" y="0"/>
+          <a:chExt cx="0" cy="0"/>
+        </a:xfrm>
+      </p:grpSpPr>
+      <p:sp>
+        <p:nvSpPr>
+          <p:cNvPr id="2" name="Title 1">
+            <a:extLst>
+              <a:ext uri="{FF2B5EF4-FFF2-40B4-BE49-F238E27FC236}">
+                <a16:creationId xmlns:a16="http://schemas.microsoft.com/office/drawing/2014/main" id="{575F4081-31BC-774C-C1EB-75A050907BFF}"/>
+              </a:ext>
+            </a:extLst>
+          </p:cNvPr>
+          <p:cNvSpPr>
+            <a:spLocks noGrp="1"/>
+          </p:cNvSpPr>
+          <p:nvPr>
+            <p:ph type="title"/>
+          </p:nvPr>
+        </p:nvSpPr>
+        <p:spPr/>
+        <p:txBody>
+          <a:bodyPr/>
+          <a:lstStyle/>
+          <a:p>
+            <a:r>
+              <a:rPr lang="en-US" dirty="0"/>
+              <a:t>C</a:t>
+            </a:r>
+            <a:r>
+              <a:rPr lang="en-CH"/>
+              <a:t>ontribution </a:t>
+            </a:r>
+            <a:r>
+              <a:rPr lang="en-US" dirty="0"/>
+              <a:t>L</a:t>
+            </a:r>
+            <a:r>
+              <a:rPr lang="en-CH"/>
+              <a:t>evels</a:t>
+            </a:r>
+            <a:endParaRPr lang="en-CH" dirty="0"/>
           </a:p>
         </p:txBody>
       </p:sp>
@@ -3947,7 +7375,7 @@
 </p:sld>
 </file>
 
-<file path=ppt/slides/slide12.xml><?xml version="1.0" encoding="utf-8"?>
+<file path=ppt/slides/slide19.xml><?xml version="1.0" encoding="utf-8"?>
 <p:sld xmlns:a="http://schemas.openxmlformats.org/drawingml/2006/main" xmlns:r="http://schemas.openxmlformats.org/officeDocument/2006/relationships" xmlns:p="http://schemas.openxmlformats.org/presentationml/2006/main">
   <p:cSld>
     <p:spTree>
@@ -4174,253 +7602,6 @@
     <p:extLst>
       <p:ext uri="{BB962C8B-B14F-4D97-AF65-F5344CB8AC3E}">
         <p14:creationId xmlns:p14="http://schemas.microsoft.com/office/powerpoint/2010/main" val="1033892165"/>
-      </p:ext>
-    </p:extLst>
-  </p:cSld>
-  <p:clrMapOvr>
-    <a:masterClrMapping/>
-  </p:clrMapOvr>
-</p:sld>
-</file>
-
-<file path=ppt/slides/slide13.xml><?xml version="1.0" encoding="utf-8"?>
-<p:sld xmlns:a="http://schemas.openxmlformats.org/drawingml/2006/main" xmlns:r="http://schemas.openxmlformats.org/officeDocument/2006/relationships" xmlns:p="http://schemas.openxmlformats.org/presentationml/2006/main">
-  <p:cSld>
-    <p:spTree>
-      <p:nvGrpSpPr>
-        <p:cNvPr id="1" name=""/>
-        <p:cNvGrpSpPr/>
-        <p:nvPr/>
-      </p:nvGrpSpPr>
-      <p:grpSpPr>
-        <a:xfrm>
-          <a:off x="0" y="0"/>
-          <a:ext cx="0" cy="0"/>
-          <a:chOff x="0" y="0"/>
-          <a:chExt cx="0" cy="0"/>
-        </a:xfrm>
-      </p:grpSpPr>
-      <p:sp>
-        <p:nvSpPr>
-          <p:cNvPr id="2" name="Title 1">
-            <a:extLst>
-              <a:ext uri="{FF2B5EF4-FFF2-40B4-BE49-F238E27FC236}">
-                <a16:creationId xmlns:a16="http://schemas.microsoft.com/office/drawing/2014/main" id="{20F2E90E-225D-206C-8CD1-368E2A8A55E6}"/>
-              </a:ext>
-            </a:extLst>
-          </p:cNvPr>
-          <p:cNvSpPr>
-            <a:spLocks noGrp="1"/>
-          </p:cNvSpPr>
-          <p:nvPr>
-            <p:ph type="title"/>
-          </p:nvPr>
-        </p:nvSpPr>
-        <p:spPr/>
-        <p:txBody>
-          <a:bodyPr/>
-          <a:lstStyle/>
-          <a:p>
-            <a:r>
-              <a:rPr lang="en-US" dirty="0"/>
-              <a:t>Close out</a:t>
-            </a:r>
-          </a:p>
-        </p:txBody>
-      </p:sp>
-      <p:sp>
-        <p:nvSpPr>
-          <p:cNvPr id="3" name="Content Placeholder 2">
-            <a:extLst>
-              <a:ext uri="{FF2B5EF4-FFF2-40B4-BE49-F238E27FC236}">
-                <a16:creationId xmlns:a16="http://schemas.microsoft.com/office/drawing/2014/main" id="{2607D7DB-33F2-7EEC-664F-421A1C05E3D9}"/>
-              </a:ext>
-            </a:extLst>
-          </p:cNvPr>
-          <p:cNvSpPr>
-            <a:spLocks noGrp="1"/>
-          </p:cNvSpPr>
-          <p:nvPr>
-            <p:ph idx="1"/>
-          </p:nvPr>
-        </p:nvSpPr>
-        <p:spPr/>
-        <p:txBody>
-          <a:bodyPr/>
-          <a:lstStyle/>
-          <a:p>
-            <a:r>
-              <a:rPr lang="en-US" dirty="0"/>
-              <a:t>Welcome to the </a:t>
-            </a:r>
-            <a:r>
-              <a:rPr lang="en-US" dirty="0" err="1"/>
-              <a:t>Pharmaverse</a:t>
-            </a:r>
-            <a:r>
-              <a:rPr lang="en-US" dirty="0"/>
-              <a:t>!</a:t>
-            </a:r>
-          </a:p>
-          <a:p>
-            <a:r>
-              <a:rPr lang="en-US" dirty="0"/>
-              <a:t>We hope you enjoyed your stay and want to come back to visit, maybe stay for a while</a:t>
-            </a:r>
-          </a:p>
-          <a:p>
-            <a:endParaRPr lang="en-US" dirty="0"/>
-          </a:p>
-        </p:txBody>
-      </p:sp>
-    </p:spTree>
-    <p:extLst>
-      <p:ext uri="{BB962C8B-B14F-4D97-AF65-F5344CB8AC3E}">
-        <p14:creationId xmlns:p14="http://schemas.microsoft.com/office/powerpoint/2010/main" val="2193134711"/>
-      </p:ext>
-    </p:extLst>
-  </p:cSld>
-  <p:clrMapOvr>
-    <a:masterClrMapping/>
-  </p:clrMapOvr>
-</p:sld>
-</file>
-
-<file path=ppt/slides/slide14.xml><?xml version="1.0" encoding="utf-8"?>
-<p:sld xmlns:a="http://schemas.openxmlformats.org/drawingml/2006/main" xmlns:r="http://schemas.openxmlformats.org/officeDocument/2006/relationships" xmlns:p="http://schemas.openxmlformats.org/presentationml/2006/main">
-  <p:cSld>
-    <p:spTree>
-      <p:nvGrpSpPr>
-        <p:cNvPr id="1" name=""/>
-        <p:cNvGrpSpPr/>
-        <p:nvPr/>
-      </p:nvGrpSpPr>
-      <p:grpSpPr>
-        <a:xfrm>
-          <a:off x="0" y="0"/>
-          <a:ext cx="0" cy="0"/>
-          <a:chOff x="0" y="0"/>
-          <a:chExt cx="0" cy="0"/>
-        </a:xfrm>
-      </p:grpSpPr>
-      <p:sp>
-        <p:nvSpPr>
-          <p:cNvPr id="2" name="Title 1">
-            <a:extLst>
-              <a:ext uri="{FF2B5EF4-FFF2-40B4-BE49-F238E27FC236}">
-                <a16:creationId xmlns:a16="http://schemas.microsoft.com/office/drawing/2014/main" id="{311D0BD9-FB7A-6380-8831-C3F0CFB43A02}"/>
-              </a:ext>
-            </a:extLst>
-          </p:cNvPr>
-          <p:cNvSpPr>
-            <a:spLocks noGrp="1"/>
-          </p:cNvSpPr>
-          <p:nvPr>
-            <p:ph type="title"/>
-          </p:nvPr>
-        </p:nvSpPr>
-        <p:spPr/>
-        <p:txBody>
-          <a:bodyPr/>
-          <a:lstStyle/>
-          <a:p>
-            <a:r>
-              <a:rPr lang="en-US" dirty="0"/>
-              <a:t>Post-Workshop Survey</a:t>
-            </a:r>
-          </a:p>
-        </p:txBody>
-      </p:sp>
-      <p:sp>
-        <p:nvSpPr>
-          <p:cNvPr id="3" name="Content Placeholder 2">
-            <a:extLst>
-              <a:ext uri="{FF2B5EF4-FFF2-40B4-BE49-F238E27FC236}">
-                <a16:creationId xmlns:a16="http://schemas.microsoft.com/office/drawing/2014/main" id="{51C6C13D-D8B4-5140-7B35-8F18B35B00E7}"/>
-              </a:ext>
-            </a:extLst>
-          </p:cNvPr>
-          <p:cNvSpPr>
-            <a:spLocks noGrp="1"/>
-          </p:cNvSpPr>
-          <p:nvPr>
-            <p:ph idx="1"/>
-          </p:nvPr>
-        </p:nvSpPr>
-        <p:spPr/>
-        <p:txBody>
-          <a:bodyPr>
-            <a:normAutofit/>
-          </a:bodyPr>
-          <a:lstStyle/>
-          <a:p>
-            <a:r>
-              <a:rPr lang="en-US" dirty="0">
-                <a:effectLst/>
-                <a:latin typeface="Calibri" panose="020F0502020204030204" pitchFamily="34" charset="0"/>
-                <a:ea typeface="Times New Roman" panose="02020603050405020304" pitchFamily="18" charset="0"/>
-              </a:rPr>
-              <a:t>Your feedback is crucial! </a:t>
-            </a:r>
-          </a:p>
-          <a:p>
-            <a:r>
-              <a:rPr lang="en-US" dirty="0">
-                <a:effectLst/>
-                <a:latin typeface="Calibri" panose="020F0502020204030204" pitchFamily="34" charset="0"/>
-                <a:ea typeface="Times New Roman" panose="02020603050405020304" pitchFamily="18" charset="0"/>
-              </a:rPr>
-              <a:t>Data from the survey informs curriculum and format decisions for future conf workshops, and we really appreciate you taking the time to provide it</a:t>
-            </a:r>
-            <a:endParaRPr lang="en-US" sz="4000" dirty="0"/>
-          </a:p>
-        </p:txBody>
-      </p:sp>
-      <p:sp>
-        <p:nvSpPr>
-          <p:cNvPr id="7" name="TextBox 6">
-            <a:extLst>
-              <a:ext uri="{FF2B5EF4-FFF2-40B4-BE49-F238E27FC236}">
-                <a16:creationId xmlns:a16="http://schemas.microsoft.com/office/drawing/2014/main" id="{142F6A5E-9C15-236E-A835-A4901738428E}"/>
-              </a:ext>
-            </a:extLst>
-          </p:cNvPr>
-          <p:cNvSpPr txBox="1"/>
-          <p:nvPr/>
-        </p:nvSpPr>
-        <p:spPr>
-          <a:xfrm>
-            <a:off x="2275263" y="3876102"/>
-            <a:ext cx="7641473" cy="830997"/>
-          </a:xfrm>
-          <a:prstGeom prst="rect">
-            <a:avLst/>
-          </a:prstGeom>
-          <a:noFill/>
-        </p:spPr>
-        <p:txBody>
-          <a:bodyPr wrap="square">
-            <a:spAutoFit/>
-          </a:bodyPr>
-          <a:lstStyle/>
-          <a:p>
-            <a:pPr algn="ctr"/>
-            <a:r>
-              <a:rPr lang="en-US" sz="4800" dirty="0">
-                <a:effectLst/>
-                <a:latin typeface="Calibri" panose="020F0502020204030204" pitchFamily="34" charset="0"/>
-                <a:ea typeface="Times New Roman" panose="02020603050405020304" pitchFamily="18" charset="0"/>
-              </a:rPr>
-              <a:t>pos.it/conf-workshop-survey</a:t>
-            </a:r>
-            <a:endParaRPr lang="en-US" sz="4800" dirty="0"/>
-          </a:p>
-        </p:txBody>
-      </p:sp>
-    </p:spTree>
-    <p:extLst>
-      <p:ext uri="{BB962C8B-B14F-4D97-AF65-F5344CB8AC3E}">
-        <p14:creationId xmlns:p14="http://schemas.microsoft.com/office/powerpoint/2010/main" val="1474830922"/>
       </p:ext>
     </p:extLst>
   </p:cSld>
@@ -4527,6 +7708,253 @@
 </p:sld>
 </file>
 
+<file path=ppt/slides/slide20.xml><?xml version="1.0" encoding="utf-8"?>
+<p:sld xmlns:a="http://schemas.openxmlformats.org/drawingml/2006/main" xmlns:r="http://schemas.openxmlformats.org/officeDocument/2006/relationships" xmlns:p="http://schemas.openxmlformats.org/presentationml/2006/main">
+  <p:cSld>
+    <p:spTree>
+      <p:nvGrpSpPr>
+        <p:cNvPr id="1" name=""/>
+        <p:cNvGrpSpPr/>
+        <p:nvPr/>
+      </p:nvGrpSpPr>
+      <p:grpSpPr>
+        <a:xfrm>
+          <a:off x="0" y="0"/>
+          <a:ext cx="0" cy="0"/>
+          <a:chOff x="0" y="0"/>
+          <a:chExt cx="0" cy="0"/>
+        </a:xfrm>
+      </p:grpSpPr>
+      <p:sp>
+        <p:nvSpPr>
+          <p:cNvPr id="2" name="Title 1">
+            <a:extLst>
+              <a:ext uri="{FF2B5EF4-FFF2-40B4-BE49-F238E27FC236}">
+                <a16:creationId xmlns:a16="http://schemas.microsoft.com/office/drawing/2014/main" id="{20F2E90E-225D-206C-8CD1-368E2A8A55E6}"/>
+              </a:ext>
+            </a:extLst>
+          </p:cNvPr>
+          <p:cNvSpPr>
+            <a:spLocks noGrp="1"/>
+          </p:cNvSpPr>
+          <p:nvPr>
+            <p:ph type="title"/>
+          </p:nvPr>
+        </p:nvSpPr>
+        <p:spPr/>
+        <p:txBody>
+          <a:bodyPr/>
+          <a:lstStyle/>
+          <a:p>
+            <a:r>
+              <a:rPr lang="en-US" dirty="0"/>
+              <a:t>Close Out</a:t>
+            </a:r>
+          </a:p>
+        </p:txBody>
+      </p:sp>
+      <p:sp>
+        <p:nvSpPr>
+          <p:cNvPr id="3" name="Content Placeholder 2">
+            <a:extLst>
+              <a:ext uri="{FF2B5EF4-FFF2-40B4-BE49-F238E27FC236}">
+                <a16:creationId xmlns:a16="http://schemas.microsoft.com/office/drawing/2014/main" id="{2607D7DB-33F2-7EEC-664F-421A1C05E3D9}"/>
+              </a:ext>
+            </a:extLst>
+          </p:cNvPr>
+          <p:cNvSpPr>
+            <a:spLocks noGrp="1"/>
+          </p:cNvSpPr>
+          <p:nvPr>
+            <p:ph idx="1"/>
+          </p:nvPr>
+        </p:nvSpPr>
+        <p:spPr/>
+        <p:txBody>
+          <a:bodyPr/>
+          <a:lstStyle/>
+          <a:p>
+            <a:r>
+              <a:rPr lang="en-US" dirty="0"/>
+              <a:t>Welcome to the </a:t>
+            </a:r>
+            <a:r>
+              <a:rPr lang="en-US" dirty="0" err="1"/>
+              <a:t>Pharmaverse</a:t>
+            </a:r>
+            <a:r>
+              <a:rPr lang="en-US" dirty="0"/>
+              <a:t>!</a:t>
+            </a:r>
+          </a:p>
+          <a:p>
+            <a:r>
+              <a:rPr lang="en-US" dirty="0"/>
+              <a:t>We hope you enjoyed your stay and want to come back to visit, maybe stay for a while</a:t>
+            </a:r>
+          </a:p>
+          <a:p>
+            <a:endParaRPr lang="en-US" dirty="0"/>
+          </a:p>
+        </p:txBody>
+      </p:sp>
+    </p:spTree>
+    <p:extLst>
+      <p:ext uri="{BB962C8B-B14F-4D97-AF65-F5344CB8AC3E}">
+        <p14:creationId xmlns:p14="http://schemas.microsoft.com/office/powerpoint/2010/main" val="2193134711"/>
+      </p:ext>
+    </p:extLst>
+  </p:cSld>
+  <p:clrMapOvr>
+    <a:masterClrMapping/>
+  </p:clrMapOvr>
+</p:sld>
+</file>
+
+<file path=ppt/slides/slide21.xml><?xml version="1.0" encoding="utf-8"?>
+<p:sld xmlns:a="http://schemas.openxmlformats.org/drawingml/2006/main" xmlns:r="http://schemas.openxmlformats.org/officeDocument/2006/relationships" xmlns:p="http://schemas.openxmlformats.org/presentationml/2006/main">
+  <p:cSld>
+    <p:spTree>
+      <p:nvGrpSpPr>
+        <p:cNvPr id="1" name=""/>
+        <p:cNvGrpSpPr/>
+        <p:nvPr/>
+      </p:nvGrpSpPr>
+      <p:grpSpPr>
+        <a:xfrm>
+          <a:off x="0" y="0"/>
+          <a:ext cx="0" cy="0"/>
+          <a:chOff x="0" y="0"/>
+          <a:chExt cx="0" cy="0"/>
+        </a:xfrm>
+      </p:grpSpPr>
+      <p:sp>
+        <p:nvSpPr>
+          <p:cNvPr id="2" name="Title 1">
+            <a:extLst>
+              <a:ext uri="{FF2B5EF4-FFF2-40B4-BE49-F238E27FC236}">
+                <a16:creationId xmlns:a16="http://schemas.microsoft.com/office/drawing/2014/main" id="{311D0BD9-FB7A-6380-8831-C3F0CFB43A02}"/>
+              </a:ext>
+            </a:extLst>
+          </p:cNvPr>
+          <p:cNvSpPr>
+            <a:spLocks noGrp="1"/>
+          </p:cNvSpPr>
+          <p:nvPr>
+            <p:ph type="title"/>
+          </p:nvPr>
+        </p:nvSpPr>
+        <p:spPr/>
+        <p:txBody>
+          <a:bodyPr/>
+          <a:lstStyle/>
+          <a:p>
+            <a:r>
+              <a:rPr lang="en-US" dirty="0"/>
+              <a:t>Post-Workshop Survey</a:t>
+            </a:r>
+          </a:p>
+        </p:txBody>
+      </p:sp>
+      <p:sp>
+        <p:nvSpPr>
+          <p:cNvPr id="3" name="Content Placeholder 2">
+            <a:extLst>
+              <a:ext uri="{FF2B5EF4-FFF2-40B4-BE49-F238E27FC236}">
+                <a16:creationId xmlns:a16="http://schemas.microsoft.com/office/drawing/2014/main" id="{51C6C13D-D8B4-5140-7B35-8F18B35B00E7}"/>
+              </a:ext>
+            </a:extLst>
+          </p:cNvPr>
+          <p:cNvSpPr>
+            <a:spLocks noGrp="1"/>
+          </p:cNvSpPr>
+          <p:nvPr>
+            <p:ph idx="1"/>
+          </p:nvPr>
+        </p:nvSpPr>
+        <p:spPr/>
+        <p:txBody>
+          <a:bodyPr>
+            <a:normAutofit/>
+          </a:bodyPr>
+          <a:lstStyle/>
+          <a:p>
+            <a:r>
+              <a:rPr lang="en-US" dirty="0">
+                <a:effectLst/>
+                <a:latin typeface="Calibri" panose="020F0502020204030204" pitchFamily="34" charset="0"/>
+                <a:ea typeface="Times New Roman" panose="02020603050405020304" pitchFamily="18" charset="0"/>
+              </a:rPr>
+              <a:t>Your feedback is crucial! </a:t>
+            </a:r>
+          </a:p>
+          <a:p>
+            <a:r>
+              <a:rPr lang="en-US" dirty="0">
+                <a:effectLst/>
+                <a:latin typeface="Calibri" panose="020F0502020204030204" pitchFamily="34" charset="0"/>
+                <a:ea typeface="Times New Roman" panose="02020603050405020304" pitchFamily="18" charset="0"/>
+              </a:rPr>
+              <a:t>Data from the survey informs curriculum and format decisions for future conf workshops, and we really appreciate you taking the time to provide it</a:t>
+            </a:r>
+            <a:endParaRPr lang="en-US" sz="4000" dirty="0"/>
+          </a:p>
+        </p:txBody>
+      </p:sp>
+      <p:sp>
+        <p:nvSpPr>
+          <p:cNvPr id="7" name="TextBox 6">
+            <a:extLst>
+              <a:ext uri="{FF2B5EF4-FFF2-40B4-BE49-F238E27FC236}">
+                <a16:creationId xmlns:a16="http://schemas.microsoft.com/office/drawing/2014/main" id="{142F6A5E-9C15-236E-A835-A4901738428E}"/>
+              </a:ext>
+            </a:extLst>
+          </p:cNvPr>
+          <p:cNvSpPr txBox="1"/>
+          <p:nvPr/>
+        </p:nvSpPr>
+        <p:spPr>
+          <a:xfrm>
+            <a:off x="2275263" y="3876102"/>
+            <a:ext cx="7641473" cy="830997"/>
+          </a:xfrm>
+          <a:prstGeom prst="rect">
+            <a:avLst/>
+          </a:prstGeom>
+          <a:noFill/>
+        </p:spPr>
+        <p:txBody>
+          <a:bodyPr wrap="square">
+            <a:spAutoFit/>
+          </a:bodyPr>
+          <a:lstStyle/>
+          <a:p>
+            <a:pPr algn="ctr"/>
+            <a:r>
+              <a:rPr lang="en-US" sz="4800" dirty="0">
+                <a:effectLst/>
+                <a:latin typeface="Calibri" panose="020F0502020204030204" pitchFamily="34" charset="0"/>
+                <a:ea typeface="Times New Roman" panose="02020603050405020304" pitchFamily="18" charset="0"/>
+              </a:rPr>
+              <a:t>pos.it/conf-workshop-survey</a:t>
+            </a:r>
+            <a:endParaRPr lang="en-US" sz="4800" dirty="0"/>
+          </a:p>
+        </p:txBody>
+      </p:sp>
+    </p:spTree>
+    <p:extLst>
+      <p:ext uri="{BB962C8B-B14F-4D97-AF65-F5344CB8AC3E}">
+        <p14:creationId xmlns:p14="http://schemas.microsoft.com/office/powerpoint/2010/main" val="1474830922"/>
+      </p:ext>
+    </p:extLst>
+  </p:cSld>
+  <p:clrMapOvr>
+    <a:masterClrMapping/>
+  </p:clrMapOvr>
+</p:sld>
+</file>
+
 <file path=ppt/slides/slide3.xml><?xml version="1.0" encoding="utf-8"?>
 <p:sld xmlns:a="http://schemas.openxmlformats.org/drawingml/2006/main" xmlns:r="http://schemas.openxmlformats.org/officeDocument/2006/relationships" xmlns:p="http://schemas.openxmlformats.org/presentationml/2006/main">
   <p:cSld>
@@ -4566,48 +7994,91 @@
           <a:lstStyle/>
           <a:p>
             <a:r>
+              <a:rPr lang="en-US" b="1" dirty="0"/>
+              <a:t>What</a:t>
+            </a:r>
+            <a:r>
               <a:rPr lang="en-US" dirty="0"/>
-              <a:t>What is the </a:t>
+              <a:t> is the </a:t>
             </a:r>
             <a:r>
               <a:rPr lang="en-US" dirty="0" err="1"/>
               <a:t>pharmaverse</a:t>
             </a:r>
-            <a:endParaRPr lang="en-US" dirty="0"/>
-          </a:p>
-        </p:txBody>
-      </p:sp>
-      <p:sp>
-        <p:nvSpPr>
-          <p:cNvPr id="3" name="Content Placeholder 2">
+            <a:r>
+              <a:rPr lang="en-US" dirty="0"/>
+              <a:t>?</a:t>
+            </a:r>
+          </a:p>
+        </p:txBody>
+      </p:sp>
+      <p:pic>
+        <p:nvPicPr>
+          <p:cNvPr id="6" name="Picture 5">
             <a:extLst>
               <a:ext uri="{FF2B5EF4-FFF2-40B4-BE49-F238E27FC236}">
-                <a16:creationId xmlns:a16="http://schemas.microsoft.com/office/drawing/2014/main" id="{83D474F6-D09C-3EA8-4B13-A9A1F68C4FBD}"/>
+                <a16:creationId xmlns:a16="http://schemas.microsoft.com/office/drawing/2014/main" id="{10922FF6-20D7-F1EE-5261-D14A88453568}"/>
               </a:ext>
             </a:extLst>
           </p:cNvPr>
-          <p:cNvSpPr>
-            <a:spLocks noGrp="1"/>
-          </p:cNvSpPr>
-          <p:nvPr>
-            <p:ph idx="1"/>
-          </p:nvPr>
-        </p:nvSpPr>
-        <p:spPr/>
-        <p:txBody>
-          <a:bodyPr/>
-          <a:lstStyle/>
-          <a:p>
-            <a:r>
-              <a:rPr lang="en-US" dirty="0"/>
-              <a:t>Pharmaverse.org</a:t>
-            </a:r>
-          </a:p>
-          <a:p>
-            <a:endParaRPr lang="en-US" dirty="0"/>
-          </a:p>
-          <a:p>
-            <a:endParaRPr lang="en-US" dirty="0"/>
+          <p:cNvPicPr>
+            <a:picLocks noChangeAspect="1"/>
+          </p:cNvPicPr>
+          <p:nvPr/>
+        </p:nvPicPr>
+        <p:blipFill>
+          <a:blip r:embed="rId2"/>
+          <a:stretch>
+            <a:fillRect/>
+          </a:stretch>
+        </p:blipFill>
+        <p:spPr>
+          <a:xfrm>
+            <a:off x="985349" y="1690688"/>
+            <a:ext cx="10221301" cy="4159608"/>
+          </a:xfrm>
+          <a:prstGeom prst="rect">
+            <a:avLst/>
+          </a:prstGeom>
+        </p:spPr>
+      </p:pic>
+      <p:sp>
+        <p:nvSpPr>
+          <p:cNvPr id="7" name="TextBox 6">
+            <a:extLst>
+              <a:ext uri="{FF2B5EF4-FFF2-40B4-BE49-F238E27FC236}">
+                <a16:creationId xmlns:a16="http://schemas.microsoft.com/office/drawing/2014/main" id="{C51DA10B-8153-0985-3A2A-D9A8E7F31221}"/>
+              </a:ext>
+            </a:extLst>
+          </p:cNvPr>
+          <p:cNvSpPr txBox="1"/>
+          <p:nvPr/>
+        </p:nvSpPr>
+        <p:spPr>
+          <a:xfrm>
+            <a:off x="9101259" y="5850296"/>
+            <a:ext cx="2252540" cy="369332"/>
+          </a:xfrm>
+          <a:prstGeom prst="rect">
+            <a:avLst/>
+          </a:prstGeom>
+          <a:noFill/>
+        </p:spPr>
+        <p:txBody>
+          <a:bodyPr wrap="none" rtlCol="0">
+            <a:spAutoFit/>
+          </a:bodyPr>
+          <a:lstStyle/>
+          <a:p>
+            <a:r>
+              <a:rPr lang="en-US" dirty="0" err="1">
+                <a:latin typeface="Andale Mono" panose="020B0509000000000004" pitchFamily="49" charset="0"/>
+              </a:rPr>
+              <a:t>pharmaverse.org</a:t>
+            </a:r>
+            <a:endParaRPr lang="en-US" dirty="0">
+              <a:latin typeface="Andale Mono" panose="020B0509000000000004" pitchFamily="49" charset="0"/>
+            </a:endParaRPr>
           </a:p>
         </p:txBody>
       </p:sp>
@@ -4663,8 +8134,12 @@
           <a:lstStyle/>
           <a:p>
             <a:r>
+              <a:rPr lang="en-US" b="1" dirty="0"/>
+              <a:t>Why use</a:t>
+            </a:r>
+            <a:r>
               <a:rPr lang="en-US" dirty="0"/>
-              <a:t>Why use the </a:t>
+              <a:t> the </a:t>
             </a:r>
             <a:r>
               <a:rPr lang="en-US" dirty="0" err="1"/>
@@ -4698,7 +8173,25 @@
           <a:bodyPr/>
           <a:lstStyle/>
           <a:p>
-            <a:endParaRPr lang="en-US"/>
+            <a:r>
+              <a:rPr lang="en-US" dirty="0"/>
+              <a:t>Leverage what others have build</a:t>
+            </a:r>
+          </a:p>
+          <a:p>
+            <a:r>
+              <a:rPr lang="en-US" dirty="0"/>
+              <a:t>Avoid mistakes when coding from scratch</a:t>
+            </a:r>
+          </a:p>
+          <a:p>
+            <a:r>
+              <a:rPr lang="en-US" dirty="0"/>
+              <a:t>Support the open-source revolution in pharma</a:t>
+            </a:r>
+          </a:p>
+          <a:p>
+            <a:endParaRPr lang="en-US" dirty="0"/>
           </a:p>
         </p:txBody>
       </p:sp>
@@ -4737,7 +8230,7 @@
           <p:cNvPr id="2" name="Title 1">
             <a:extLst>
               <a:ext uri="{FF2B5EF4-FFF2-40B4-BE49-F238E27FC236}">
-                <a16:creationId xmlns:a16="http://schemas.microsoft.com/office/drawing/2014/main" id="{CD9F97C4-0CC0-DA86-1714-A012AB0D2E58}"/>
+                <a16:creationId xmlns:a16="http://schemas.microsoft.com/office/drawing/2014/main" id="{9D486CFA-7D61-139F-D867-E6F4DAECF596}"/>
               </a:ext>
             </a:extLst>
           </p:cNvPr>
@@ -4754,8 +8247,12 @@
           <a:lstStyle/>
           <a:p>
             <a:r>
+              <a:rPr lang="en-US" b="1" dirty="0"/>
+              <a:t>Why contribute</a:t>
+            </a:r>
+            <a:r>
               <a:rPr lang="en-US" dirty="0"/>
-              <a:t>Why contribute to the </a:t>
+              <a:t> to the </a:t>
             </a:r>
             <a:r>
               <a:rPr lang="en-US" dirty="0" err="1"/>
@@ -4763,7 +8260,7 @@
             </a:r>
             <a:r>
               <a:rPr lang="en-US" dirty="0"/>
-              <a:t> (open source in general)</a:t>
+              <a:t>?</a:t>
             </a:r>
           </a:p>
         </p:txBody>
@@ -4773,7 +8270,7 @@
           <p:cNvPr id="3" name="Content Placeholder 2">
             <a:extLst>
               <a:ext uri="{FF2B5EF4-FFF2-40B4-BE49-F238E27FC236}">
-                <a16:creationId xmlns:a16="http://schemas.microsoft.com/office/drawing/2014/main" id="{1F483E04-2D38-5F73-B836-1BFD8868FCFD}"/>
+                <a16:creationId xmlns:a16="http://schemas.microsoft.com/office/drawing/2014/main" id="{94BF499B-E905-8927-ACC6-A4DAB2D58F85}"/>
               </a:ext>
             </a:extLst>
           </p:cNvPr>
@@ -4791,20 +8288,119 @@
           <a:p>
             <a:r>
               <a:rPr lang="en-US" dirty="0"/>
-              <a:t>Thomas – your PHUSE 2023 talk content would be great here </a:t>
-            </a:r>
-            <a:r>
-              <a:rPr lang="en-US"/>
-              <a:t>(Slides 3-5)</a:t>
-            </a:r>
-            <a:endParaRPr lang="en-US" dirty="0"/>
+              <a:t>So many reasons… (Pick your favorite!)</a:t>
+            </a:r>
+          </a:p>
+          <a:p>
+            <a:pPr lvl="1"/>
+            <a:r>
+              <a:rPr lang="en-US" dirty="0"/>
+              <a:t>Collaboration</a:t>
+            </a:r>
+          </a:p>
+          <a:p>
+            <a:pPr lvl="1"/>
+            <a:r>
+              <a:rPr lang="en-US" dirty="0"/>
+              <a:t>Rapid Innovation</a:t>
+            </a:r>
+          </a:p>
+          <a:p>
+            <a:pPr lvl="1"/>
+            <a:r>
+              <a:rPr lang="en-US" dirty="0"/>
+              <a:t>Cost Savings</a:t>
+            </a:r>
+          </a:p>
+          <a:p>
+            <a:pPr lvl="1"/>
+            <a:r>
+              <a:rPr lang="en-US" dirty="0"/>
+              <a:t>Transparency</a:t>
+            </a:r>
+          </a:p>
+          <a:p>
+            <a:pPr lvl="1"/>
+            <a:r>
+              <a:rPr lang="en-US" dirty="0"/>
+              <a:t>Reproducibility</a:t>
+            </a:r>
+          </a:p>
+          <a:p>
+            <a:pPr lvl="1"/>
+            <a:r>
+              <a:rPr lang="en-US" dirty="0"/>
+              <a:t>Access to Talent</a:t>
+            </a:r>
+          </a:p>
+          <a:p>
+            <a:pPr lvl="1"/>
+            <a:r>
+              <a:rPr lang="en-US" dirty="0"/>
+              <a:t>Standardization</a:t>
+            </a:r>
+          </a:p>
+        </p:txBody>
+      </p:sp>
+      <p:sp>
+        <p:nvSpPr>
+          <p:cNvPr id="4" name="Title 1">
+            <a:extLst>
+              <a:ext uri="{FF2B5EF4-FFF2-40B4-BE49-F238E27FC236}">
+                <a16:creationId xmlns:a16="http://schemas.microsoft.com/office/drawing/2014/main" id="{927D2DE0-5A5B-5A51-9851-9536B6995530}"/>
+              </a:ext>
+            </a:extLst>
+          </p:cNvPr>
+          <p:cNvSpPr txBox="1">
+            <a:spLocks/>
+          </p:cNvSpPr>
+          <p:nvPr/>
+        </p:nvSpPr>
+        <p:spPr>
+          <a:xfrm>
+            <a:off x="838200" y="812006"/>
+            <a:ext cx="10515600" cy="1325563"/>
+          </a:xfrm>
+          <a:prstGeom prst="rect">
+            <a:avLst/>
+          </a:prstGeom>
+        </p:spPr>
+        <p:txBody>
+          <a:bodyPr vert="horz" lIns="91440" tIns="45720" rIns="91440" bIns="45720" rtlCol="0" anchor="ctr">
+            <a:normAutofit/>
+          </a:bodyPr>
+          <a:lstStyle>
+            <a:lvl1pPr algn="l" defTabSz="914400" rtl="0" eaLnBrk="1" latinLnBrk="0" hangingPunct="1">
+              <a:lnSpc>
+                <a:spcPct val="90000"/>
+              </a:lnSpc>
+              <a:spcBef>
+                <a:spcPct val="0"/>
+              </a:spcBef>
+              <a:buNone/>
+              <a:defRPr sz="4400" kern="1200">
+                <a:solidFill>
+                  <a:schemeClr val="tx1"/>
+                </a:solidFill>
+                <a:latin typeface="+mj-lt"/>
+                <a:ea typeface="+mj-ea"/>
+                <a:cs typeface="+mj-cs"/>
+              </a:defRPr>
+            </a:lvl1pPr>
+          </a:lstStyle>
+          <a:p>
+            <a:r>
+              <a:rPr lang="en-US" sz="2400" b="1" dirty="0"/>
+              <a:t>…or open-source in general</a:t>
+            </a:r>
+            <a:endParaRPr lang="en-US" sz="2400" dirty="0"/>
           </a:p>
         </p:txBody>
       </p:sp>
     </p:spTree>
     <p:extLst>
       <p:ext uri="{BB962C8B-B14F-4D97-AF65-F5344CB8AC3E}">
-        <p14:creationId xmlns:p14="http://schemas.microsoft.com/office/powerpoint/2010/main" val="2199727946"/>
+        <p14:creationId xmlns:p14="http://schemas.microsoft.com/office/powerpoint/2010/main" val="628924105"/>
       </p:ext>
     </p:extLst>
   </p:cSld>
@@ -4819,7 +8415,7 @@
   <p:cSld>
     <p:spTree>
       <p:nvGrpSpPr>
-        <p:cNvPr id="1" name=""/>
+        <p:cNvPr id="1" name="Shape 229"/>
         <p:cNvGrpSpPr/>
         <p:nvPr/>
       </p:nvGrpSpPr>
@@ -4831,77 +8427,274 @@
           <a:chExt cx="0" cy="0"/>
         </a:xfrm>
       </p:grpSpPr>
-      <p:sp>
-        <p:nvSpPr>
-          <p:cNvPr id="2" name="Title 1">
-            <a:extLst>
-              <a:ext uri="{FF2B5EF4-FFF2-40B4-BE49-F238E27FC236}">
-                <a16:creationId xmlns:a16="http://schemas.microsoft.com/office/drawing/2014/main" id="{575F4081-31BC-774C-C1EB-75A050907BFF}"/>
-              </a:ext>
-            </a:extLst>
-          </p:cNvPr>
-          <p:cNvSpPr>
+      <p:pic>
+        <p:nvPicPr>
+          <p:cNvPr id="230" name="Google Shape;230;p21" descr="A picture containing electronics&#10;&#10;Description automatically generated"/>
+          <p:cNvPicPr preferRelativeResize="0"/>
+          <p:nvPr/>
+        </p:nvPicPr>
+        <p:blipFill rotWithShape="1">
+          <a:blip r:embed="rId3">
+            <a:alphaModFix/>
+          </a:blip>
+          <a:srcRect t="13406" b="32624"/>
+          <a:stretch/>
+        </p:blipFill>
+        <p:spPr>
+          <a:xfrm>
+            <a:off x="0" y="2916185"/>
+            <a:ext cx="12192000" cy="2495551"/>
+          </a:xfrm>
+          <a:custGeom>
+            <a:avLst/>
+            <a:gdLst/>
+            <a:ahLst/>
+            <a:cxnLst/>
+            <a:rect l="l" t="t" r="r" b="b"/>
+            <a:pathLst>
+              <a:path w="9144000" h="1871663" extrusionOk="0">
+                <a:moveTo>
+                  <a:pt x="0" y="0"/>
+                </a:moveTo>
+                <a:lnTo>
+                  <a:pt x="9144000" y="0"/>
+                </a:lnTo>
+                <a:lnTo>
+                  <a:pt x="9144000" y="1871663"/>
+                </a:lnTo>
+                <a:lnTo>
+                  <a:pt x="0" y="1871663"/>
+                </a:lnTo>
+                <a:close/>
+              </a:path>
+            </a:pathLst>
+          </a:custGeom>
+          <a:noFill/>
+          <a:ln>
+            <a:noFill/>
+          </a:ln>
+        </p:spPr>
+      </p:pic>
+      <p:sp>
+        <p:nvSpPr>
+          <p:cNvPr id="231" name="Google Shape;231;p21" descr="Chapter Title"/>
+          <p:cNvSpPr txBox="1">
             <a:spLocks noGrp="1"/>
           </p:cNvSpPr>
           <p:nvPr>
             <p:ph type="title"/>
           </p:nvPr>
         </p:nvSpPr>
-        <p:spPr/>
-        <p:txBody>
-          <a:bodyPr/>
-          <a:lstStyle/>
-          <a:p>
-            <a:r>
-              <a:rPr lang="en-US" dirty="0"/>
-              <a:t>C</a:t>
-            </a:r>
-            <a:r>
-              <a:rPr lang="en-CH" dirty="0"/>
-              <a:t>ontribution levels</a:t>
-            </a:r>
-          </a:p>
-        </p:txBody>
-      </p:sp>
-      <p:sp>
-        <p:nvSpPr>
-          <p:cNvPr id="3" name="Content Placeholder 2">
-            <a:extLst>
-              <a:ext uri="{FF2B5EF4-FFF2-40B4-BE49-F238E27FC236}">
-                <a16:creationId xmlns:a16="http://schemas.microsoft.com/office/drawing/2014/main" id="{88B5BC8D-FD02-5098-F6E0-E650FCC6A74A}"/>
-              </a:ext>
-            </a:extLst>
-          </p:cNvPr>
-          <p:cNvSpPr>
-            <a:spLocks noGrp="1"/>
-          </p:cNvSpPr>
-          <p:nvPr>
-            <p:ph idx="1"/>
-          </p:nvPr>
-        </p:nvSpPr>
-        <p:spPr/>
-        <p:txBody>
-          <a:bodyPr>
-            <a:normAutofit/>
+        <p:spPr>
+          <a:xfrm>
+            <a:off x="761933" y="576900"/>
+            <a:ext cx="9908800" cy="508800"/>
+          </a:xfrm>
+          <a:prstGeom prst="rect">
+            <a:avLst/>
+          </a:prstGeom>
+        </p:spPr>
+        <p:txBody>
+          <a:bodyPr spcFirstLastPara="1" vert="horz" wrap="square" lIns="0" tIns="121900" rIns="121900" bIns="121900" rtlCol="0" anchor="t" anchorCtr="0">
+            <a:noAutofit/>
           </a:bodyPr>
           <a:lstStyle/>
           <a:p>
             <a:r>
-              <a:rPr lang="en-US" dirty="0"/>
-              <a:t>Use the packages</a:t>
-            </a:r>
-          </a:p>
-          <a:p>
-            <a:endParaRPr lang="en-CH" dirty="0"/>
+              <a:rPr lang="en" dirty="0"/>
+              <a:t>I. Collaboration</a:t>
+            </a:r>
+            <a:endParaRPr dirty="0"/>
+          </a:p>
+        </p:txBody>
+      </p:sp>
+      <p:sp>
+        <p:nvSpPr>
+          <p:cNvPr id="232" name="Google Shape;232;p21"/>
+          <p:cNvSpPr txBox="1">
+            <a:spLocks noGrp="1"/>
+          </p:cNvSpPr>
+          <p:nvPr>
+            <p:ph type="subTitle" idx="1"/>
+          </p:nvPr>
+        </p:nvSpPr>
+        <p:spPr>
+          <a:xfrm>
+            <a:off x="761933" y="1084800"/>
+            <a:ext cx="9908800" cy="432000"/>
+          </a:xfrm>
+          <a:prstGeom prst="rect">
+            <a:avLst/>
+          </a:prstGeom>
+        </p:spPr>
+        <p:txBody>
+          <a:bodyPr spcFirstLastPara="1" vert="horz" wrap="square" lIns="0" tIns="0" rIns="121900" bIns="24000" rtlCol="0" anchor="t" anchorCtr="0">
+            <a:noAutofit/>
+          </a:bodyPr>
+          <a:lstStyle/>
+          <a:p>
+            <a:pPr marL="0" indent="0"/>
+            <a:endParaRPr dirty="0"/>
+          </a:p>
+        </p:txBody>
+      </p:sp>
+      <p:sp>
+        <p:nvSpPr>
+          <p:cNvPr id="233" name="Google Shape;233;p21"/>
+          <p:cNvSpPr/>
+          <p:nvPr/>
+        </p:nvSpPr>
+        <p:spPr>
+          <a:xfrm>
+            <a:off x="0" y="2916167"/>
+            <a:ext cx="12192000" cy="2495600"/>
+          </a:xfrm>
+          <a:prstGeom prst="rect">
+            <a:avLst/>
+          </a:prstGeom>
+          <a:solidFill>
+            <a:srgbClr val="022366">
+              <a:alpha val="84710"/>
+            </a:srgbClr>
+          </a:solidFill>
+          <a:ln>
+            <a:noFill/>
+          </a:ln>
+          <a:effectLst>
+            <a:outerShdw blurRad="57150" dist="19050" dir="5400000" algn="bl" rotWithShape="0">
+              <a:srgbClr val="000000">
+                <a:alpha val="30000"/>
+              </a:srgbClr>
+            </a:outerShdw>
+          </a:effectLst>
+        </p:spPr>
+        <p:txBody>
+          <a:bodyPr spcFirstLastPara="1" wrap="square" lIns="121900" tIns="60933" rIns="121900" bIns="60933" anchor="ctr" anchorCtr="0">
+            <a:noAutofit/>
+          </a:bodyPr>
+          <a:lstStyle/>
+          <a:p>
+            <a:pPr algn="ctr"/>
+            <a:endParaRPr sz="1867" dirty="0">
+              <a:solidFill>
+                <a:srgbClr val="1482FA"/>
+              </a:solidFill>
+              <a:latin typeface="Arial"/>
+              <a:ea typeface="Arial"/>
+              <a:cs typeface="Arial"/>
+              <a:sym typeface="Arial"/>
+            </a:endParaRPr>
+          </a:p>
+        </p:txBody>
+      </p:sp>
+      <p:sp>
+        <p:nvSpPr>
+          <p:cNvPr id="234" name="Google Shape;234;p21"/>
+          <p:cNvSpPr txBox="1">
+            <a:spLocks noGrp="1"/>
+          </p:cNvSpPr>
+          <p:nvPr>
+            <p:ph type="body" idx="2"/>
+          </p:nvPr>
+        </p:nvSpPr>
+        <p:spPr>
+          <a:xfrm>
+            <a:off x="761933" y="1923567"/>
+            <a:ext cx="10972800" cy="4480800"/>
+          </a:xfrm>
+          <a:prstGeom prst="rect">
+            <a:avLst/>
+          </a:prstGeom>
+        </p:spPr>
+        <p:txBody>
+          <a:bodyPr spcFirstLastPara="1" vert="horz" wrap="square" lIns="0" tIns="0" rIns="0" bIns="0" rtlCol="0" anchor="ctr" anchorCtr="0">
+            <a:noAutofit/>
+          </a:bodyPr>
+          <a:lstStyle/>
+          <a:p>
+            <a:pPr marL="0" indent="0" algn="ctr">
+              <a:spcAft>
+                <a:spcPts val="400"/>
+              </a:spcAft>
+              <a:buNone/>
+            </a:pPr>
+            <a:r>
+              <a:rPr lang="en" sz="2667" dirty="0">
+                <a:solidFill>
+                  <a:srgbClr val="FFFFFF"/>
+                </a:solidFill>
+              </a:rPr>
+              <a:t> Open-source software </a:t>
+            </a:r>
+            <a:r>
+              <a:rPr lang="en" sz="2667" b="1" dirty="0">
+                <a:solidFill>
+                  <a:srgbClr val="FFFFFF"/>
+                </a:solidFill>
+                <a:latin typeface="Roche Sans"/>
+                <a:ea typeface="Roche Sans"/>
+                <a:cs typeface="Roche Sans"/>
+                <a:sym typeface="Roche Sans"/>
+              </a:rPr>
+              <a:t>enables collaboration</a:t>
+            </a:r>
+            <a:r>
+              <a:rPr lang="en" sz="2667" dirty="0">
+                <a:solidFill>
+                  <a:srgbClr val="FFFFFF"/>
+                </a:solidFill>
+              </a:rPr>
+              <a:t> with other organizations, which can lead to </a:t>
+            </a:r>
+            <a:r>
+              <a:rPr lang="en" sz="2667" b="1" dirty="0">
+                <a:solidFill>
+                  <a:srgbClr val="FFFFFF"/>
+                </a:solidFill>
+                <a:latin typeface="Roche Sans"/>
+                <a:ea typeface="Roche Sans"/>
+                <a:cs typeface="Roche Sans"/>
+                <a:sym typeface="Roche Sans"/>
+              </a:rPr>
+              <a:t>faster development</a:t>
+            </a:r>
+            <a:r>
+              <a:rPr lang="en" sz="2667" dirty="0">
+                <a:solidFill>
+                  <a:srgbClr val="FFFFFF"/>
+                </a:solidFill>
+              </a:rPr>
+              <a:t> and more </a:t>
+            </a:r>
+            <a:r>
+              <a:rPr lang="en" sz="2667" b="1" dirty="0">
+                <a:solidFill>
+                  <a:srgbClr val="FFFFFF"/>
+                </a:solidFill>
+                <a:latin typeface="Roche Sans"/>
+                <a:ea typeface="Roche Sans"/>
+                <a:cs typeface="Roche Sans"/>
+                <a:sym typeface="Roche Sans"/>
+              </a:rPr>
+              <a:t>comprehensive testing and validation</a:t>
+            </a:r>
+            <a:r>
+              <a:rPr lang="en" sz="2667" dirty="0">
+                <a:solidFill>
+                  <a:srgbClr val="FFFFFF"/>
+                </a:solidFill>
+              </a:rPr>
+              <a:t> of the software.</a:t>
+            </a:r>
+            <a:endParaRPr sz="2667" dirty="0">
+              <a:solidFill>
+                <a:srgbClr val="FFFFFF"/>
+              </a:solidFill>
+            </a:endParaRPr>
           </a:p>
         </p:txBody>
       </p:sp>
     </p:spTree>
-    <p:extLst>
-      <p:ext uri="{BB962C8B-B14F-4D97-AF65-F5344CB8AC3E}">
-        <p14:creationId xmlns:p14="http://schemas.microsoft.com/office/powerpoint/2010/main" val="2157211617"/>
-      </p:ext>
-    </p:extLst>
   </p:cSld>
   <p:clrMapOvr>
     <a:masterClrMapping/>
@@ -4914,7 +8707,7 @@
   <p:cSld>
     <p:spTree>
       <p:nvGrpSpPr>
-        <p:cNvPr id="1" name=""/>
+        <p:cNvPr id="1" name="Shape 238"/>
         <p:cNvGrpSpPr/>
         <p:nvPr/>
       </p:nvGrpSpPr>
@@ -4926,306 +8719,278 @@
           <a:chExt cx="0" cy="0"/>
         </a:xfrm>
       </p:grpSpPr>
-      <p:sp>
-        <p:nvSpPr>
-          <p:cNvPr id="2" name="Title 1">
-            <a:extLst>
-              <a:ext uri="{FF2B5EF4-FFF2-40B4-BE49-F238E27FC236}">
-                <a16:creationId xmlns:a16="http://schemas.microsoft.com/office/drawing/2014/main" id="{575F4081-31BC-774C-C1EB-75A050907BFF}"/>
-              </a:ext>
-            </a:extLst>
-          </p:cNvPr>
-          <p:cNvSpPr>
+      <p:pic>
+        <p:nvPicPr>
+          <p:cNvPr id="239" name="Google Shape;239;p22" descr="A picture containing electronics&#10;&#10;Description automatically generated"/>
+          <p:cNvPicPr preferRelativeResize="0"/>
+          <p:nvPr/>
+        </p:nvPicPr>
+        <p:blipFill rotWithShape="1">
+          <a:blip r:embed="rId3">
+            <a:alphaModFix/>
+          </a:blip>
+          <a:srcRect t="13406" b="32624"/>
+          <a:stretch/>
+        </p:blipFill>
+        <p:spPr>
+          <a:xfrm>
+            <a:off x="0" y="2916185"/>
+            <a:ext cx="12192000" cy="2495551"/>
+          </a:xfrm>
+          <a:custGeom>
+            <a:avLst/>
+            <a:gdLst/>
+            <a:ahLst/>
+            <a:cxnLst/>
+            <a:rect l="l" t="t" r="r" b="b"/>
+            <a:pathLst>
+              <a:path w="9144000" h="1871663" extrusionOk="0">
+                <a:moveTo>
+                  <a:pt x="0" y="0"/>
+                </a:moveTo>
+                <a:lnTo>
+                  <a:pt x="9144000" y="0"/>
+                </a:lnTo>
+                <a:lnTo>
+                  <a:pt x="9144000" y="1871663"/>
+                </a:lnTo>
+                <a:lnTo>
+                  <a:pt x="0" y="1871663"/>
+                </a:lnTo>
+                <a:close/>
+              </a:path>
+            </a:pathLst>
+          </a:custGeom>
+          <a:noFill/>
+          <a:ln>
+            <a:noFill/>
+          </a:ln>
+        </p:spPr>
+      </p:pic>
+      <p:sp>
+        <p:nvSpPr>
+          <p:cNvPr id="240" name="Google Shape;240;p22"/>
+          <p:cNvSpPr txBox="1">
             <a:spLocks noGrp="1"/>
           </p:cNvSpPr>
           <p:nvPr>
             <p:ph type="title"/>
           </p:nvPr>
         </p:nvSpPr>
-        <p:spPr/>
-        <p:txBody>
-          <a:bodyPr/>
-          <a:lstStyle/>
-          <a:p>
-            <a:r>
-              <a:rPr lang="en-US" dirty="0"/>
-              <a:t>C</a:t>
-            </a:r>
-            <a:r>
-              <a:rPr lang="en-CH" dirty="0"/>
-              <a:t>ontribution levels</a:t>
-            </a:r>
-          </a:p>
-        </p:txBody>
-      </p:sp>
-      <p:sp>
-        <p:nvSpPr>
-          <p:cNvPr id="3" name="Content Placeholder 2">
-            <a:extLst>
-              <a:ext uri="{FF2B5EF4-FFF2-40B4-BE49-F238E27FC236}">
-                <a16:creationId xmlns:a16="http://schemas.microsoft.com/office/drawing/2014/main" id="{88B5BC8D-FD02-5098-F6E0-E650FCC6A74A}"/>
-              </a:ext>
-            </a:extLst>
-          </p:cNvPr>
-          <p:cNvSpPr>
-            <a:spLocks noGrp="1"/>
-          </p:cNvSpPr>
-          <p:nvPr>
-            <p:ph idx="1"/>
-          </p:nvPr>
-        </p:nvSpPr>
-        <p:spPr/>
-        <p:txBody>
-          <a:bodyPr>
-            <a:normAutofit/>
+        <p:spPr>
+          <a:xfrm>
+            <a:off x="761933" y="576900"/>
+            <a:ext cx="9908800" cy="508800"/>
+          </a:xfrm>
+          <a:prstGeom prst="rect">
+            <a:avLst/>
+          </a:prstGeom>
+        </p:spPr>
+        <p:txBody>
+          <a:bodyPr spcFirstLastPara="1" vert="horz" wrap="square" lIns="0" tIns="121900" rIns="121900" bIns="121900" rtlCol="0" anchor="t" anchorCtr="0">
+            <a:noAutofit/>
           </a:bodyPr>
           <a:lstStyle/>
           <a:p>
             <a:r>
-              <a:rPr lang="en-US" dirty="0"/>
-              <a:t>Use the packages</a:t>
-            </a:r>
-          </a:p>
-          <a:p>
-            <a:r>
-              <a:rPr lang="en-CH" dirty="0"/>
-              <a:t>Submit </a:t>
-            </a:r>
-            <a:r>
-              <a:rPr lang="en-US" dirty="0"/>
-              <a:t>I</a:t>
-            </a:r>
-            <a:r>
-              <a:rPr lang="en-CH" dirty="0"/>
-              <a:t>ssue</a:t>
-            </a:r>
-            <a:r>
-              <a:rPr lang="en-US" dirty="0"/>
-              <a:t>s</a:t>
-            </a:r>
-            <a:r>
-              <a:rPr lang="en-CH" dirty="0"/>
-              <a:t> </a:t>
-            </a:r>
-            <a:endParaRPr lang="en-US" dirty="0"/>
-          </a:p>
-          <a:p>
-            <a:pPr lvl="1"/>
-            <a:r>
-              <a:rPr lang="en-US" dirty="0"/>
-              <a:t>documentation</a:t>
-            </a:r>
-          </a:p>
-          <a:p>
-            <a:pPr lvl="1"/>
-            <a:r>
-              <a:rPr lang="en-CH" dirty="0"/>
-              <a:t>feature request</a:t>
-            </a:r>
-            <a:r>
-              <a:rPr lang="en-US" dirty="0"/>
-              <a:t>s</a:t>
-            </a:r>
-          </a:p>
-          <a:p>
-            <a:pPr lvl="1"/>
-            <a:r>
-              <a:rPr lang="en-CH" dirty="0"/>
-              <a:t>bug</a:t>
-            </a:r>
-          </a:p>
-          <a:p>
-            <a:endParaRPr lang="en-CH" dirty="0"/>
+              <a:rPr lang="en"/>
+              <a:t>II. Rapid Innovation</a:t>
+            </a:r>
+            <a:endParaRPr/>
+          </a:p>
+        </p:txBody>
+      </p:sp>
+      <p:sp>
+        <p:nvSpPr>
+          <p:cNvPr id="241" name="Google Shape;241;p22"/>
+          <p:cNvSpPr txBox="1">
+            <a:spLocks noGrp="1"/>
+          </p:cNvSpPr>
+          <p:nvPr>
+            <p:ph type="subTitle" idx="1"/>
+          </p:nvPr>
+        </p:nvSpPr>
+        <p:spPr>
+          <a:xfrm>
+            <a:off x="761933" y="1084800"/>
+            <a:ext cx="9908800" cy="432000"/>
+          </a:xfrm>
+          <a:prstGeom prst="rect">
+            <a:avLst/>
+          </a:prstGeom>
+        </p:spPr>
+        <p:txBody>
+          <a:bodyPr spcFirstLastPara="1" vert="horz" wrap="square" lIns="0" tIns="0" rIns="121900" bIns="24000" rtlCol="0" anchor="t" anchorCtr="0">
+            <a:noAutofit/>
+          </a:bodyPr>
+          <a:lstStyle/>
+          <a:p>
+            <a:pPr marL="0" indent="0"/>
+            <a:endParaRPr/>
+          </a:p>
+        </p:txBody>
+      </p:sp>
+      <p:sp>
+        <p:nvSpPr>
+          <p:cNvPr id="242" name="Google Shape;242;p22"/>
+          <p:cNvSpPr/>
+          <p:nvPr/>
+        </p:nvSpPr>
+        <p:spPr>
+          <a:xfrm>
+            <a:off x="0" y="2916167"/>
+            <a:ext cx="12192000" cy="2495600"/>
+          </a:xfrm>
+          <a:prstGeom prst="rect">
+            <a:avLst/>
+          </a:prstGeom>
+          <a:solidFill>
+            <a:srgbClr val="022366">
+              <a:alpha val="84710"/>
+            </a:srgbClr>
+          </a:solidFill>
+          <a:ln>
+            <a:noFill/>
+          </a:ln>
+          <a:effectLst>
+            <a:outerShdw blurRad="57150" dist="19050" dir="5400000" algn="bl" rotWithShape="0">
+              <a:srgbClr val="000000">
+                <a:alpha val="30000"/>
+              </a:srgbClr>
+            </a:outerShdw>
+          </a:effectLst>
+        </p:spPr>
+        <p:txBody>
+          <a:bodyPr spcFirstLastPara="1" wrap="square" lIns="121900" tIns="60933" rIns="121900" bIns="60933" anchor="ctr" anchorCtr="0">
+            <a:noAutofit/>
+          </a:bodyPr>
+          <a:lstStyle/>
+          <a:p>
+            <a:pPr algn="ctr"/>
+            <a:endParaRPr sz="1867">
+              <a:solidFill>
+                <a:srgbClr val="1482FA"/>
+              </a:solidFill>
+              <a:latin typeface="Arial"/>
+              <a:ea typeface="Arial"/>
+              <a:cs typeface="Arial"/>
+              <a:sym typeface="Arial"/>
+            </a:endParaRPr>
+          </a:p>
+        </p:txBody>
+      </p:sp>
+      <p:sp>
+        <p:nvSpPr>
+          <p:cNvPr id="243" name="Google Shape;243;p22"/>
+          <p:cNvSpPr txBox="1">
+            <a:spLocks noGrp="1"/>
+          </p:cNvSpPr>
+          <p:nvPr>
+            <p:ph type="body" idx="2"/>
+          </p:nvPr>
+        </p:nvSpPr>
+        <p:spPr>
+          <a:xfrm>
+            <a:off x="761933" y="1923567"/>
+            <a:ext cx="10972800" cy="4480800"/>
+          </a:xfrm>
+          <a:prstGeom prst="rect">
+            <a:avLst/>
+          </a:prstGeom>
+        </p:spPr>
+        <p:txBody>
+          <a:bodyPr spcFirstLastPara="1" vert="horz" wrap="square" lIns="0" tIns="0" rIns="0" bIns="0" rtlCol="0" anchor="ctr" anchorCtr="0">
+            <a:noAutofit/>
+          </a:bodyPr>
+          <a:lstStyle/>
+          <a:p>
+            <a:pPr marL="0" indent="0" algn="ctr">
+              <a:spcAft>
+                <a:spcPts val="400"/>
+              </a:spcAft>
+              <a:buNone/>
+            </a:pPr>
+            <a:r>
+              <a:rPr lang="en" sz="2667">
+                <a:solidFill>
+                  <a:srgbClr val="FFFFFF"/>
+                </a:solidFill>
+              </a:rPr>
+              <a:t>Because open-source software is often developed collaboratively, it can benefit from a </a:t>
+            </a:r>
+            <a:r>
+              <a:rPr lang="en" sz="2667" b="1">
+                <a:solidFill>
+                  <a:srgbClr val="FFFFFF"/>
+                </a:solidFill>
+                <a:latin typeface="Roche Sans"/>
+                <a:ea typeface="Roche Sans"/>
+                <a:cs typeface="Roche Sans"/>
+                <a:sym typeface="Roche Sans"/>
+              </a:rPr>
+              <a:t>faster pace of innovation</a:t>
+            </a:r>
+            <a:r>
+              <a:rPr lang="en" sz="2667">
+                <a:solidFill>
+                  <a:srgbClr val="FFFFFF"/>
+                </a:solidFill>
+              </a:rPr>
+              <a:t> than proprietary software. New features and capabilities can be added more </a:t>
+            </a:r>
+            <a:r>
+              <a:rPr lang="en" sz="2667" b="1">
+                <a:solidFill>
+                  <a:srgbClr val="FFFFFF"/>
+                </a:solidFill>
+                <a:latin typeface="Roche Sans"/>
+                <a:ea typeface="Roche Sans"/>
+                <a:cs typeface="Roche Sans"/>
+                <a:sym typeface="Roche Sans"/>
+              </a:rPr>
+              <a:t>quickly</a:t>
+            </a:r>
+            <a:r>
+              <a:rPr lang="en" sz="2667">
+                <a:solidFill>
+                  <a:srgbClr val="FFFFFF"/>
+                </a:solidFill>
+              </a:rPr>
+              <a:t>, and bugs and issues can be addressed more </a:t>
+            </a:r>
+            <a:r>
+              <a:rPr lang="en" sz="2667" b="1">
+                <a:solidFill>
+                  <a:srgbClr val="FFFFFF"/>
+                </a:solidFill>
+                <a:latin typeface="Roche Sans"/>
+                <a:ea typeface="Roche Sans"/>
+                <a:cs typeface="Roche Sans"/>
+                <a:sym typeface="Roche Sans"/>
+              </a:rPr>
+              <a:t>efficiently</a:t>
+            </a:r>
+            <a:r>
+              <a:rPr lang="en" sz="2667">
+                <a:solidFill>
+                  <a:srgbClr val="FFFFFF"/>
+                </a:solidFill>
+              </a:rPr>
+              <a:t>.</a:t>
+            </a:r>
+            <a:endParaRPr sz="2667">
+              <a:solidFill>
+                <a:srgbClr val="FFFFFF"/>
+              </a:solidFill>
+            </a:endParaRPr>
           </a:p>
         </p:txBody>
       </p:sp>
     </p:spTree>
-    <p:extLst>
-      <p:ext uri="{BB962C8B-B14F-4D97-AF65-F5344CB8AC3E}">
-        <p14:creationId xmlns:p14="http://schemas.microsoft.com/office/powerpoint/2010/main" val="82912287"/>
-      </p:ext>
-    </p:extLst>
   </p:cSld>
   <p:clrMapOvr>
     <a:masterClrMapping/>
   </p:clrMapOvr>
-  <p:timing>
-    <p:tnLst>
-      <p:par>
-        <p:cTn id="1" dur="indefinite" restart="never" nodeType="tmRoot">
-          <p:childTnLst>
-            <p:seq concurrent="1" nextAc="seek">
-              <p:cTn id="2" dur="indefinite" nodeType="mainSeq">
-                <p:childTnLst>
-                  <p:par>
-                    <p:cTn id="3" fill="hold">
-                      <p:stCondLst>
-                        <p:cond delay="indefinite"/>
-                      </p:stCondLst>
-                      <p:childTnLst>
-                        <p:par>
-                          <p:cTn id="4" fill="hold">
-                            <p:stCondLst>
-                              <p:cond delay="0"/>
-                            </p:stCondLst>
-                            <p:childTnLst>
-                              <p:par>
-                                <p:cTn id="5" presetID="1" presetClass="entr" presetSubtype="0" fill="hold" nodeType="clickEffect">
-                                  <p:stCondLst>
-                                    <p:cond delay="0"/>
-                                  </p:stCondLst>
-                                  <p:childTnLst>
-                                    <p:set>
-                                      <p:cBhvr>
-                                        <p:cTn id="6" dur="1" fill="hold">
-                                          <p:stCondLst>
-                                            <p:cond delay="0"/>
-                                          </p:stCondLst>
-                                        </p:cTn>
-                                        <p:tgtEl>
-                                          <p:spTgt spid="3">
-                                            <p:txEl>
-                                              <p:pRg st="2" end="2"/>
-                                            </p:txEl>
-                                          </p:spTgt>
-                                        </p:tgtEl>
-                                        <p:attrNameLst>
-                                          <p:attrName>style.visibility</p:attrName>
-                                        </p:attrNameLst>
-                                      </p:cBhvr>
-                                      <p:to>
-                                        <p:strVal val="visible"/>
-                                      </p:to>
-                                    </p:set>
-                                  </p:childTnLst>
-                                </p:cTn>
-                              </p:par>
-                            </p:childTnLst>
-                          </p:cTn>
-                        </p:par>
-                      </p:childTnLst>
-                    </p:cTn>
-                  </p:par>
-                  <p:par>
-                    <p:cTn id="7" fill="hold">
-                      <p:stCondLst>
-                        <p:cond delay="indefinite"/>
-                      </p:stCondLst>
-                      <p:childTnLst>
-                        <p:par>
-                          <p:cTn id="8" fill="hold">
-                            <p:stCondLst>
-                              <p:cond delay="0"/>
-                            </p:stCondLst>
-                            <p:childTnLst>
-                              <p:par>
-                                <p:cTn id="9" presetID="1" presetClass="entr" presetSubtype="0" fill="hold" nodeType="clickEffect">
-                                  <p:stCondLst>
-                                    <p:cond delay="0"/>
-                                  </p:stCondLst>
-                                  <p:childTnLst>
-                                    <p:set>
-                                      <p:cBhvr>
-                                        <p:cTn id="10" dur="1" fill="hold">
-                                          <p:stCondLst>
-                                            <p:cond delay="0"/>
-                                          </p:stCondLst>
-                                        </p:cTn>
-                                        <p:tgtEl>
-                                          <p:spTgt spid="3">
-                                            <p:txEl>
-                                              <p:pRg st="3" end="3"/>
-                                            </p:txEl>
-                                          </p:spTgt>
-                                        </p:tgtEl>
-                                        <p:attrNameLst>
-                                          <p:attrName>style.visibility</p:attrName>
-                                        </p:attrNameLst>
-                                      </p:cBhvr>
-                                      <p:to>
-                                        <p:strVal val="visible"/>
-                                      </p:to>
-                                    </p:set>
-                                  </p:childTnLst>
-                                </p:cTn>
-                              </p:par>
-                            </p:childTnLst>
-                          </p:cTn>
-                        </p:par>
-                      </p:childTnLst>
-                    </p:cTn>
-                  </p:par>
-                  <p:par>
-                    <p:cTn id="11" fill="hold">
-                      <p:stCondLst>
-                        <p:cond delay="indefinite"/>
-                      </p:stCondLst>
-                      <p:childTnLst>
-                        <p:par>
-                          <p:cTn id="12" fill="hold">
-                            <p:stCondLst>
-                              <p:cond delay="0"/>
-                            </p:stCondLst>
-                            <p:childTnLst>
-                              <p:par>
-                                <p:cTn id="13" presetID="1" presetClass="entr" presetSubtype="0" fill="hold" nodeType="clickEffect">
-                                  <p:stCondLst>
-                                    <p:cond delay="0"/>
-                                  </p:stCondLst>
-                                  <p:childTnLst>
-                                    <p:set>
-                                      <p:cBhvr>
-                                        <p:cTn id="14" dur="1" fill="hold">
-                                          <p:stCondLst>
-                                            <p:cond delay="0"/>
-                                          </p:stCondLst>
-                                        </p:cTn>
-                                        <p:tgtEl>
-                                          <p:spTgt spid="3">
-                                            <p:txEl>
-                                              <p:pRg st="4" end="4"/>
-                                            </p:txEl>
-                                          </p:spTgt>
-                                        </p:tgtEl>
-                                        <p:attrNameLst>
-                                          <p:attrName>style.visibility</p:attrName>
-                                        </p:attrNameLst>
-                                      </p:cBhvr>
-                                      <p:to>
-                                        <p:strVal val="visible"/>
-                                      </p:to>
-                                    </p:set>
-                                  </p:childTnLst>
-                                </p:cTn>
-                              </p:par>
-                            </p:childTnLst>
-                          </p:cTn>
-                        </p:par>
-                      </p:childTnLst>
-                    </p:cTn>
-                  </p:par>
-                </p:childTnLst>
-              </p:cTn>
-              <p:prevCondLst>
-                <p:cond evt="onPrev" delay="0">
-                  <p:tgtEl>
-                    <p:sldTgt/>
-                  </p:tgtEl>
-                </p:cond>
-              </p:prevCondLst>
-              <p:nextCondLst>
-                <p:cond evt="onNext" delay="0">
-                  <p:tgtEl>
-                    <p:sldTgt/>
-                  </p:tgtEl>
-                </p:cond>
-              </p:nextCondLst>
-            </p:seq>
-          </p:childTnLst>
-        </p:cTn>
-      </p:par>
-    </p:tnLst>
-  </p:timing>
 </p:sld>
 </file>
 
@@ -5234,7 +8999,7 @@
   <p:cSld>
     <p:spTree>
       <p:nvGrpSpPr>
-        <p:cNvPr id="1" name=""/>
+        <p:cNvPr id="1" name="Shape 247"/>
         <p:cNvGrpSpPr/>
         <p:nvPr/>
       </p:nvGrpSpPr>
@@ -5246,193 +9011,258 @@
           <a:chExt cx="0" cy="0"/>
         </a:xfrm>
       </p:grpSpPr>
-      <p:sp>
-        <p:nvSpPr>
-          <p:cNvPr id="2" name="Title 1">
-            <a:extLst>
-              <a:ext uri="{FF2B5EF4-FFF2-40B4-BE49-F238E27FC236}">
-                <a16:creationId xmlns:a16="http://schemas.microsoft.com/office/drawing/2014/main" id="{51DBAFEB-6319-A397-EA82-D82E2A7C6B55}"/>
-              </a:ext>
-            </a:extLst>
-          </p:cNvPr>
-          <p:cNvSpPr>
+      <p:pic>
+        <p:nvPicPr>
+          <p:cNvPr id="248" name="Google Shape;248;p23" descr="A picture containing electronics&#10;&#10;Description automatically generated"/>
+          <p:cNvPicPr preferRelativeResize="0"/>
+          <p:nvPr/>
+        </p:nvPicPr>
+        <p:blipFill rotWithShape="1">
+          <a:blip r:embed="rId3">
+            <a:alphaModFix/>
+          </a:blip>
+          <a:srcRect t="13406" b="32624"/>
+          <a:stretch/>
+        </p:blipFill>
+        <p:spPr>
+          <a:xfrm>
+            <a:off x="0" y="2916185"/>
+            <a:ext cx="12192000" cy="2495551"/>
+          </a:xfrm>
+          <a:custGeom>
+            <a:avLst/>
+            <a:gdLst/>
+            <a:ahLst/>
+            <a:cxnLst/>
+            <a:rect l="l" t="t" r="r" b="b"/>
+            <a:pathLst>
+              <a:path w="9144000" h="1871663" extrusionOk="0">
+                <a:moveTo>
+                  <a:pt x="0" y="0"/>
+                </a:moveTo>
+                <a:lnTo>
+                  <a:pt x="9144000" y="0"/>
+                </a:lnTo>
+                <a:lnTo>
+                  <a:pt x="9144000" y="1871663"/>
+                </a:lnTo>
+                <a:lnTo>
+                  <a:pt x="0" y="1871663"/>
+                </a:lnTo>
+                <a:close/>
+              </a:path>
+            </a:pathLst>
+          </a:custGeom>
+          <a:noFill/>
+          <a:ln>
+            <a:noFill/>
+          </a:ln>
+        </p:spPr>
+      </p:pic>
+      <p:sp>
+        <p:nvSpPr>
+          <p:cNvPr id="249" name="Google Shape;249;p23"/>
+          <p:cNvSpPr txBox="1">
             <a:spLocks noGrp="1"/>
           </p:cNvSpPr>
           <p:nvPr>
             <p:ph type="title"/>
           </p:nvPr>
         </p:nvSpPr>
-        <p:spPr/>
-        <p:txBody>
-          <a:bodyPr/>
-          <a:lstStyle/>
-          <a:p>
-            <a:r>
-              <a:rPr lang="en-US" dirty="0"/>
-              <a:t>Opening an Issue</a:t>
-            </a:r>
-          </a:p>
-        </p:txBody>
-      </p:sp>
-      <p:sp>
-        <p:nvSpPr>
-          <p:cNvPr id="3" name="Content Placeholder 2">
-            <a:extLst>
-              <a:ext uri="{FF2B5EF4-FFF2-40B4-BE49-F238E27FC236}">
-                <a16:creationId xmlns:a16="http://schemas.microsoft.com/office/drawing/2014/main" id="{29C956F3-0D43-9F1B-25B2-95D606B5E0E2}"/>
-              </a:ext>
-            </a:extLst>
-          </p:cNvPr>
-          <p:cNvSpPr>
-            <a:spLocks noGrp="1"/>
-          </p:cNvSpPr>
-          <p:nvPr>
-            <p:ph idx="1"/>
-          </p:nvPr>
-        </p:nvSpPr>
-        <p:spPr/>
-        <p:txBody>
-          <a:bodyPr/>
-          <a:lstStyle/>
-          <a:p>
-            <a:r>
-              <a:rPr lang="en-US" dirty="0"/>
-              <a:t>If you saw a discrepancy or typo in the documentation of a package used today, open an issue pointing to the documentation and what you think should be fixed</a:t>
-            </a:r>
-          </a:p>
-          <a:p>
-            <a:pPr lvl="1"/>
-            <a:r>
-              <a:rPr lang="en-US" dirty="0"/>
-              <a:t>Find the </a:t>
-            </a:r>
-            <a:r>
-              <a:rPr lang="en-US" dirty="0" err="1"/>
-              <a:t>github</a:t>
-            </a:r>
-            <a:r>
-              <a:rPr lang="en-US" dirty="0"/>
-              <a:t> page for the package</a:t>
-            </a:r>
-          </a:p>
-          <a:p>
-            <a:pPr lvl="1"/>
-            <a:r>
-              <a:rPr lang="en-US" dirty="0"/>
-              <a:t>Click on “Issues” then “New issue”</a:t>
-            </a:r>
-          </a:p>
-          <a:p>
-            <a:pPr lvl="1"/>
-            <a:r>
-              <a:rPr lang="en-US" dirty="0"/>
-              <a:t>Write the location of the discrepancy and what you think might be a better solution</a:t>
-            </a:r>
-          </a:p>
-          <a:p>
-            <a:pPr lvl="1"/>
-            <a:endParaRPr lang="en-US" dirty="0"/>
-          </a:p>
-          <a:p>
-            <a:r>
-              <a:rPr lang="en-US" dirty="0"/>
-              <a:t>Demo Time on admiral!</a:t>
-            </a:r>
-          </a:p>
-          <a:p>
-            <a:endParaRPr lang="en-US" dirty="0"/>
+        <p:spPr>
+          <a:xfrm>
+            <a:off x="761933" y="576900"/>
+            <a:ext cx="9908800" cy="508800"/>
+          </a:xfrm>
+          <a:prstGeom prst="rect">
+            <a:avLst/>
+          </a:prstGeom>
+        </p:spPr>
+        <p:txBody>
+          <a:bodyPr spcFirstLastPara="1" vert="horz" wrap="square" lIns="0" tIns="121900" rIns="121900" bIns="121900" rtlCol="0" anchor="t" anchorCtr="0">
+            <a:noAutofit/>
+          </a:bodyPr>
+          <a:lstStyle/>
+          <a:p>
+            <a:r>
+              <a:rPr lang="en"/>
+              <a:t>III. Cost Savings</a:t>
+            </a:r>
+            <a:endParaRPr/>
+          </a:p>
+        </p:txBody>
+      </p:sp>
+      <p:sp>
+        <p:nvSpPr>
+          <p:cNvPr id="250" name="Google Shape;250;p23"/>
+          <p:cNvSpPr txBox="1">
+            <a:spLocks noGrp="1"/>
+          </p:cNvSpPr>
+          <p:nvPr>
+            <p:ph type="subTitle" idx="1"/>
+          </p:nvPr>
+        </p:nvSpPr>
+        <p:spPr>
+          <a:xfrm>
+            <a:off x="761933" y="1084800"/>
+            <a:ext cx="9908800" cy="432000"/>
+          </a:xfrm>
+          <a:prstGeom prst="rect">
+            <a:avLst/>
+          </a:prstGeom>
+        </p:spPr>
+        <p:txBody>
+          <a:bodyPr spcFirstLastPara="1" vert="horz" wrap="square" lIns="0" tIns="0" rIns="121900" bIns="24000" rtlCol="0" anchor="t" anchorCtr="0">
+            <a:noAutofit/>
+          </a:bodyPr>
+          <a:lstStyle/>
+          <a:p>
+            <a:pPr marL="0" indent="0"/>
+            <a:endParaRPr/>
+          </a:p>
+        </p:txBody>
+      </p:sp>
+      <p:sp>
+        <p:nvSpPr>
+          <p:cNvPr id="251" name="Google Shape;251;p23"/>
+          <p:cNvSpPr/>
+          <p:nvPr/>
+        </p:nvSpPr>
+        <p:spPr>
+          <a:xfrm>
+            <a:off x="0" y="2916167"/>
+            <a:ext cx="12192000" cy="2495600"/>
+          </a:xfrm>
+          <a:prstGeom prst="rect">
+            <a:avLst/>
+          </a:prstGeom>
+          <a:solidFill>
+            <a:srgbClr val="022366">
+              <a:alpha val="84710"/>
+            </a:srgbClr>
+          </a:solidFill>
+          <a:ln>
+            <a:noFill/>
+          </a:ln>
+          <a:effectLst>
+            <a:outerShdw blurRad="57150" dist="19050" dir="5400000" algn="bl" rotWithShape="0">
+              <a:srgbClr val="000000">
+                <a:alpha val="30000"/>
+              </a:srgbClr>
+            </a:outerShdw>
+          </a:effectLst>
+        </p:spPr>
+        <p:txBody>
+          <a:bodyPr spcFirstLastPara="1" wrap="square" lIns="121900" tIns="60933" rIns="121900" bIns="60933" anchor="ctr" anchorCtr="0">
+            <a:noAutofit/>
+          </a:bodyPr>
+          <a:lstStyle/>
+          <a:p>
+            <a:pPr algn="ctr"/>
+            <a:endParaRPr sz="1867">
+              <a:solidFill>
+                <a:srgbClr val="1482FA"/>
+              </a:solidFill>
+              <a:latin typeface="Arial"/>
+              <a:ea typeface="Arial"/>
+              <a:cs typeface="Arial"/>
+              <a:sym typeface="Arial"/>
+            </a:endParaRPr>
+          </a:p>
+        </p:txBody>
+      </p:sp>
+      <p:sp>
+        <p:nvSpPr>
+          <p:cNvPr id="252" name="Google Shape;252;p23"/>
+          <p:cNvSpPr txBox="1">
+            <a:spLocks noGrp="1"/>
+          </p:cNvSpPr>
+          <p:nvPr>
+            <p:ph type="body" idx="2"/>
+          </p:nvPr>
+        </p:nvSpPr>
+        <p:spPr>
+          <a:xfrm>
+            <a:off x="761933" y="1923567"/>
+            <a:ext cx="10972800" cy="4480800"/>
+          </a:xfrm>
+          <a:prstGeom prst="rect">
+            <a:avLst/>
+          </a:prstGeom>
+        </p:spPr>
+        <p:txBody>
+          <a:bodyPr spcFirstLastPara="1" vert="horz" wrap="square" lIns="0" tIns="0" rIns="0" bIns="0" rtlCol="0" anchor="ctr" anchorCtr="0">
+            <a:noAutofit/>
+          </a:bodyPr>
+          <a:lstStyle/>
+          <a:p>
+            <a:pPr marL="0" indent="0" algn="ctr">
+              <a:spcAft>
+                <a:spcPts val="400"/>
+              </a:spcAft>
+              <a:buNone/>
+            </a:pPr>
+            <a:r>
+              <a:rPr lang="en" sz="2667">
+                <a:solidFill>
+                  <a:srgbClr val="FFFFFF"/>
+                </a:solidFill>
+              </a:rPr>
+              <a:t>Open-source software can be developed and maintained at a </a:t>
+            </a:r>
+            <a:r>
+              <a:rPr lang="en" sz="2667" b="1">
+                <a:solidFill>
+                  <a:srgbClr val="FFFFFF"/>
+                </a:solidFill>
+                <a:latin typeface="Roche Sans"/>
+                <a:ea typeface="Roche Sans"/>
+                <a:cs typeface="Roche Sans"/>
+                <a:sym typeface="Roche Sans"/>
+              </a:rPr>
+              <a:t>lower cost</a:t>
+            </a:r>
+            <a:r>
+              <a:rPr lang="en" sz="2667">
+                <a:solidFill>
+                  <a:srgbClr val="FFFFFF"/>
+                </a:solidFill>
+              </a:rPr>
+              <a:t> compared to proprietary software, as the development and maintenance </a:t>
+            </a:r>
+            <a:r>
+              <a:rPr lang="en" sz="2667" b="1">
+                <a:solidFill>
+                  <a:srgbClr val="FFFFFF"/>
+                </a:solidFill>
+                <a:latin typeface="Roche Sans"/>
+                <a:ea typeface="Roche Sans"/>
+                <a:cs typeface="Roche Sans"/>
+                <a:sym typeface="Roche Sans"/>
+              </a:rPr>
+              <a:t>costs are distributed</a:t>
+            </a:r>
+            <a:r>
+              <a:rPr lang="en" sz="2667">
+                <a:solidFill>
+                  <a:srgbClr val="FFFFFF"/>
+                </a:solidFill>
+              </a:rPr>
+              <a:t> across a larger user and developer base.</a:t>
+            </a:r>
+            <a:endParaRPr sz="2667">
+              <a:solidFill>
+                <a:srgbClr val="FFFFFF"/>
+              </a:solidFill>
+            </a:endParaRPr>
           </a:p>
         </p:txBody>
       </p:sp>
     </p:spTree>
-    <p:extLst>
-      <p:ext uri="{BB962C8B-B14F-4D97-AF65-F5344CB8AC3E}">
-        <p14:creationId xmlns:p14="http://schemas.microsoft.com/office/powerpoint/2010/main" val="3465875368"/>
-      </p:ext>
-    </p:extLst>
   </p:cSld>
   <p:clrMapOvr>
     <a:masterClrMapping/>
   </p:clrMapOvr>
-  <p:timing>
-    <p:tnLst>
-      <p:par>
-        <p:cTn id="1" dur="indefinite" restart="never" nodeType="tmRoot">
-          <p:childTnLst>
-            <p:seq concurrent="1" nextAc="seek">
-              <p:cTn id="2" dur="indefinite" nodeType="mainSeq">
-                <p:childTnLst>
-                  <p:par>
-                    <p:cTn id="3" fill="hold">
-                      <p:stCondLst>
-                        <p:cond delay="indefinite"/>
-                      </p:stCondLst>
-                      <p:childTnLst>
-                        <p:par>
-                          <p:cTn id="4" fill="hold">
-                            <p:stCondLst>
-                              <p:cond delay="0"/>
-                            </p:stCondLst>
-                            <p:childTnLst>
-                              <p:par>
-                                <p:cTn id="5" presetID="1" presetClass="entr" presetSubtype="0" fill="hold" nodeType="clickEffect">
-                                  <p:stCondLst>
-                                    <p:cond delay="0"/>
-                                  </p:stCondLst>
-                                  <p:childTnLst>
-                                    <p:set>
-                                      <p:cBhvr>
-                                        <p:cTn id="6" dur="1" fill="hold">
-                                          <p:stCondLst>
-                                            <p:cond delay="0"/>
-                                          </p:stCondLst>
-                                        </p:cTn>
-                                        <p:tgtEl>
-                                          <p:spTgt spid="3">
-                                            <p:txEl>
-                                              <p:pRg st="5" end="5"/>
-                                            </p:txEl>
-                                          </p:spTgt>
-                                        </p:tgtEl>
-                                        <p:attrNameLst>
-                                          <p:attrName>style.visibility</p:attrName>
-                                        </p:attrNameLst>
-                                      </p:cBhvr>
-                                      <p:to>
-                                        <p:strVal val="visible"/>
-                                      </p:to>
-                                    </p:set>
-                                  </p:childTnLst>
-                                </p:cTn>
-                              </p:par>
-                            </p:childTnLst>
-                          </p:cTn>
-                        </p:par>
-                      </p:childTnLst>
-                    </p:cTn>
-                  </p:par>
-                </p:childTnLst>
-              </p:cTn>
-              <p:prevCondLst>
-                <p:cond evt="onPrev" delay="0">
-                  <p:tgtEl>
-                    <p:sldTgt/>
-                  </p:tgtEl>
-                </p:cond>
-              </p:prevCondLst>
-              <p:nextCondLst>
-                <p:cond evt="onNext" delay="0">
-                  <p:tgtEl>
-                    <p:sldTgt/>
-                  </p:tgtEl>
-                </p:cond>
-              </p:nextCondLst>
-            </p:seq>
-          </p:childTnLst>
-        </p:cTn>
-      </p:par>
-    </p:tnLst>
-  </p:timing>
 </p:sld>
 </file>
 
@@ -5441,7 +9271,7 @@
   <p:cSld>
     <p:spTree>
       <p:nvGrpSpPr>
-        <p:cNvPr id="1" name=""/>
+        <p:cNvPr id="1" name="Shape 256"/>
         <p:cNvGrpSpPr/>
         <p:nvPr/>
       </p:nvGrpSpPr>
@@ -5453,111 +9283,254 @@
           <a:chExt cx="0" cy="0"/>
         </a:xfrm>
       </p:grpSpPr>
-      <p:sp>
-        <p:nvSpPr>
-          <p:cNvPr id="2" name="Title 1">
-            <a:extLst>
-              <a:ext uri="{FF2B5EF4-FFF2-40B4-BE49-F238E27FC236}">
-                <a16:creationId xmlns:a16="http://schemas.microsoft.com/office/drawing/2014/main" id="{19213C66-1286-66B5-81E5-991CD41106E6}"/>
-              </a:ext>
-            </a:extLst>
-          </p:cNvPr>
-          <p:cNvSpPr>
+      <p:pic>
+        <p:nvPicPr>
+          <p:cNvPr id="257" name="Google Shape;257;p24" descr="A picture containing electronics&#10;&#10;Description automatically generated"/>
+          <p:cNvPicPr preferRelativeResize="0"/>
+          <p:nvPr/>
+        </p:nvPicPr>
+        <p:blipFill rotWithShape="1">
+          <a:blip r:embed="rId3">
+            <a:alphaModFix/>
+          </a:blip>
+          <a:srcRect t="13406" b="32624"/>
+          <a:stretch/>
+        </p:blipFill>
+        <p:spPr>
+          <a:xfrm>
+            <a:off x="0" y="2916185"/>
+            <a:ext cx="12192000" cy="2495551"/>
+          </a:xfrm>
+          <a:custGeom>
+            <a:avLst/>
+            <a:gdLst/>
+            <a:ahLst/>
+            <a:cxnLst/>
+            <a:rect l="l" t="t" r="r" b="b"/>
+            <a:pathLst>
+              <a:path w="9144000" h="1871663" extrusionOk="0">
+                <a:moveTo>
+                  <a:pt x="0" y="0"/>
+                </a:moveTo>
+                <a:lnTo>
+                  <a:pt x="9144000" y="0"/>
+                </a:lnTo>
+                <a:lnTo>
+                  <a:pt x="9144000" y="1871663"/>
+                </a:lnTo>
+                <a:lnTo>
+                  <a:pt x="0" y="1871663"/>
+                </a:lnTo>
+                <a:close/>
+              </a:path>
+            </a:pathLst>
+          </a:custGeom>
+          <a:noFill/>
+          <a:ln>
+            <a:noFill/>
+          </a:ln>
+        </p:spPr>
+      </p:pic>
+      <p:sp>
+        <p:nvSpPr>
+          <p:cNvPr id="258" name="Google Shape;258;p24"/>
+          <p:cNvSpPr txBox="1">
             <a:spLocks noGrp="1"/>
           </p:cNvSpPr>
           <p:nvPr>
             <p:ph type="title"/>
           </p:nvPr>
         </p:nvSpPr>
-        <p:spPr/>
-        <p:txBody>
-          <a:bodyPr/>
-          <a:lstStyle/>
-          <a:p>
-            <a:r>
-              <a:rPr lang="en-US" dirty="0"/>
-              <a:t>Opening an Issue (Innovator mode)</a:t>
-            </a:r>
-          </a:p>
-        </p:txBody>
-      </p:sp>
-      <p:sp>
-        <p:nvSpPr>
-          <p:cNvPr id="3" name="Content Placeholder 2">
-            <a:extLst>
-              <a:ext uri="{FF2B5EF4-FFF2-40B4-BE49-F238E27FC236}">
-                <a16:creationId xmlns:a16="http://schemas.microsoft.com/office/drawing/2014/main" id="{48E16900-D0F4-27A6-5BBB-4673F1514A3B}"/>
-              </a:ext>
-            </a:extLst>
-          </p:cNvPr>
-          <p:cNvSpPr>
-            <a:spLocks noGrp="1"/>
-          </p:cNvSpPr>
-          <p:nvPr>
-            <p:ph idx="1"/>
-          </p:nvPr>
-        </p:nvSpPr>
-        <p:spPr/>
-        <p:txBody>
-          <a:bodyPr/>
-          <a:lstStyle/>
-          <a:p>
-            <a:r>
-              <a:rPr lang="en-US" dirty="0"/>
-              <a:t>If you have a feature you would like to see in the package!</a:t>
-            </a:r>
-          </a:p>
-          <a:p>
-            <a:pPr lvl="1"/>
-            <a:r>
-              <a:rPr lang="en-US" dirty="0"/>
-              <a:t>Find the </a:t>
-            </a:r>
-            <a:r>
-              <a:rPr lang="en-US" dirty="0" err="1"/>
-              <a:t>github</a:t>
-            </a:r>
-            <a:r>
-              <a:rPr lang="en-US" dirty="0"/>
-              <a:t> page for the package</a:t>
-            </a:r>
-          </a:p>
-          <a:p>
-            <a:pPr lvl="1"/>
-            <a:r>
-              <a:rPr lang="en-US" dirty="0"/>
-              <a:t>Click on “Issues” then “New issue”</a:t>
-            </a:r>
-          </a:p>
-          <a:p>
-            <a:pPr lvl="1"/>
-            <a:r>
-              <a:rPr lang="en-US" dirty="0"/>
-              <a:t>Write out an explanation of the feature you would like to see and why</a:t>
-            </a:r>
-          </a:p>
-          <a:p>
-            <a:pPr lvl="1"/>
-            <a:r>
-              <a:rPr lang="en-US" dirty="0"/>
-              <a:t>(optional) write pseudocode code content, detailing what you would expect and how you would like to interact with it</a:t>
-            </a:r>
-          </a:p>
-          <a:p>
-            <a:pPr lvl="2"/>
-            <a:endParaRPr lang="en-US" dirty="0"/>
-          </a:p>
-          <a:p>
-            <a:endParaRPr lang="en-US" dirty="0"/>
+        <p:spPr>
+          <a:xfrm>
+            <a:off x="761933" y="576900"/>
+            <a:ext cx="9908800" cy="508800"/>
+          </a:xfrm>
+          <a:prstGeom prst="rect">
+            <a:avLst/>
+          </a:prstGeom>
+        </p:spPr>
+        <p:txBody>
+          <a:bodyPr spcFirstLastPara="1" vert="horz" wrap="square" lIns="0" tIns="121900" rIns="121900" bIns="121900" rtlCol="0" anchor="t" anchorCtr="0">
+            <a:noAutofit/>
+          </a:bodyPr>
+          <a:lstStyle/>
+          <a:p>
+            <a:r>
+              <a:rPr lang="en"/>
+              <a:t>IV. Transparency</a:t>
+            </a:r>
+            <a:endParaRPr/>
+          </a:p>
+        </p:txBody>
+      </p:sp>
+      <p:sp>
+        <p:nvSpPr>
+          <p:cNvPr id="259" name="Google Shape;259;p24"/>
+          <p:cNvSpPr txBox="1">
+            <a:spLocks noGrp="1"/>
+          </p:cNvSpPr>
+          <p:nvPr>
+            <p:ph type="subTitle" idx="1"/>
+          </p:nvPr>
+        </p:nvSpPr>
+        <p:spPr>
+          <a:xfrm>
+            <a:off x="761933" y="1084800"/>
+            <a:ext cx="9908800" cy="432000"/>
+          </a:xfrm>
+          <a:prstGeom prst="rect">
+            <a:avLst/>
+          </a:prstGeom>
+        </p:spPr>
+        <p:txBody>
+          <a:bodyPr spcFirstLastPara="1" vert="horz" wrap="square" lIns="0" tIns="0" rIns="121900" bIns="24000" rtlCol="0" anchor="t" anchorCtr="0">
+            <a:noAutofit/>
+          </a:bodyPr>
+          <a:lstStyle/>
+          <a:p>
+            <a:pPr marL="0" indent="0"/>
+            <a:endParaRPr dirty="0"/>
+          </a:p>
+        </p:txBody>
+      </p:sp>
+      <p:sp>
+        <p:nvSpPr>
+          <p:cNvPr id="260" name="Google Shape;260;p24"/>
+          <p:cNvSpPr/>
+          <p:nvPr/>
+        </p:nvSpPr>
+        <p:spPr>
+          <a:xfrm>
+            <a:off x="0" y="2916167"/>
+            <a:ext cx="12192000" cy="2495600"/>
+          </a:xfrm>
+          <a:prstGeom prst="rect">
+            <a:avLst/>
+          </a:prstGeom>
+          <a:solidFill>
+            <a:srgbClr val="022366">
+              <a:alpha val="84710"/>
+            </a:srgbClr>
+          </a:solidFill>
+          <a:ln>
+            <a:noFill/>
+          </a:ln>
+          <a:effectLst>
+            <a:outerShdw blurRad="57150" dist="19050" dir="5400000" algn="bl" rotWithShape="0">
+              <a:srgbClr val="000000">
+                <a:alpha val="30000"/>
+              </a:srgbClr>
+            </a:outerShdw>
+          </a:effectLst>
+        </p:spPr>
+        <p:txBody>
+          <a:bodyPr spcFirstLastPara="1" wrap="square" lIns="121900" tIns="60933" rIns="121900" bIns="60933" anchor="ctr" anchorCtr="0">
+            <a:noAutofit/>
+          </a:bodyPr>
+          <a:lstStyle/>
+          <a:p>
+            <a:pPr algn="ctr"/>
+            <a:endParaRPr sz="1867">
+              <a:solidFill>
+                <a:srgbClr val="1482FA"/>
+              </a:solidFill>
+              <a:latin typeface="Arial"/>
+              <a:ea typeface="Arial"/>
+              <a:cs typeface="Arial"/>
+              <a:sym typeface="Arial"/>
+            </a:endParaRPr>
+          </a:p>
+        </p:txBody>
+      </p:sp>
+      <p:sp>
+        <p:nvSpPr>
+          <p:cNvPr id="261" name="Google Shape;261;p24"/>
+          <p:cNvSpPr txBox="1">
+            <a:spLocks noGrp="1"/>
+          </p:cNvSpPr>
+          <p:nvPr>
+            <p:ph type="body" idx="2"/>
+          </p:nvPr>
+        </p:nvSpPr>
+        <p:spPr>
+          <a:xfrm>
+            <a:off x="761933" y="1923567"/>
+            <a:ext cx="10972800" cy="4480800"/>
+          </a:xfrm>
+          <a:prstGeom prst="rect">
+            <a:avLst/>
+          </a:prstGeom>
+        </p:spPr>
+        <p:txBody>
+          <a:bodyPr spcFirstLastPara="1" vert="horz" wrap="square" lIns="0" tIns="0" rIns="0" bIns="0" rtlCol="0" anchor="ctr" anchorCtr="0">
+            <a:noAutofit/>
+          </a:bodyPr>
+          <a:lstStyle/>
+          <a:p>
+            <a:pPr marL="0" indent="0" algn="ctr">
+              <a:spcAft>
+                <a:spcPts val="400"/>
+              </a:spcAft>
+              <a:buNone/>
+            </a:pPr>
+            <a:r>
+              <a:rPr lang="en" sz="2667">
+                <a:solidFill>
+                  <a:srgbClr val="FFFFFF"/>
+                </a:solidFill>
+              </a:rPr>
+              <a:t>Open-source software is </a:t>
+            </a:r>
+            <a:r>
+              <a:rPr lang="en" sz="2667" b="1">
+                <a:solidFill>
+                  <a:srgbClr val="FFFFFF"/>
+                </a:solidFill>
+                <a:latin typeface="Roche Sans"/>
+                <a:ea typeface="Roche Sans"/>
+                <a:cs typeface="Roche Sans"/>
+                <a:sym typeface="Roche Sans"/>
+              </a:rPr>
+              <a:t>transparent</a:t>
+            </a:r>
+            <a:r>
+              <a:rPr lang="en" sz="2667">
+                <a:solidFill>
+                  <a:srgbClr val="FFFFFF"/>
+                </a:solidFill>
+              </a:rPr>
+              <a:t>, meaning that all users have access to the source code and can review it, test it, and provide feedback. This can </a:t>
+            </a:r>
+            <a:r>
+              <a:rPr lang="en" sz="2667" b="1">
+                <a:solidFill>
+                  <a:srgbClr val="FFFFFF"/>
+                </a:solidFill>
+                <a:latin typeface="Roche Sans"/>
+                <a:ea typeface="Roche Sans"/>
+                <a:cs typeface="Roche Sans"/>
+                <a:sym typeface="Roche Sans"/>
+              </a:rPr>
+              <a:t>increase confidence</a:t>
+            </a:r>
+            <a:r>
+              <a:rPr lang="en" sz="2667">
+                <a:solidFill>
+                  <a:srgbClr val="FFFFFF"/>
+                </a:solidFill>
+              </a:rPr>
+              <a:t> in the software and make it easier to identify and address issues.</a:t>
+            </a:r>
+            <a:endParaRPr sz="2667">
+              <a:solidFill>
+                <a:srgbClr val="FFFFFF"/>
+              </a:solidFill>
+            </a:endParaRPr>
           </a:p>
         </p:txBody>
       </p:sp>
     </p:spTree>
-    <p:extLst>
-      <p:ext uri="{BB962C8B-B14F-4D97-AF65-F5344CB8AC3E}">
-        <p14:creationId xmlns:p14="http://schemas.microsoft.com/office/powerpoint/2010/main" val="2731555695"/>
-      </p:ext>
-    </p:extLst>
   </p:cSld>
   <p:clrMapOvr>
     <a:masterClrMapping/>
@@ -5858,4 +9831,299 @@
     </a:ext>
   </a:extLst>
 </a:theme>
+</file>
+
+<file path=ppt/theme/theme2.xml><?xml version="1.0" encoding="utf-8"?>
+<a:theme xmlns:a="http://schemas.openxmlformats.org/drawingml/2006/main" name="Office Theme">
+  <a:themeElements>
+    <a:clrScheme name="Office">
+      <a:dk1>
+        <a:sysClr val="windowText" lastClr="000000"/>
+      </a:dk1>
+      <a:lt1>
+        <a:sysClr val="window" lastClr="FFFFFF"/>
+      </a:lt1>
+      <a:dk2>
+        <a:srgbClr val="44546A"/>
+      </a:dk2>
+      <a:lt2>
+        <a:srgbClr val="E7E6E6"/>
+      </a:lt2>
+      <a:accent1>
+        <a:srgbClr val="4472C4"/>
+      </a:accent1>
+      <a:accent2>
+        <a:srgbClr val="ED7D31"/>
+      </a:accent2>
+      <a:accent3>
+        <a:srgbClr val="A5A5A5"/>
+      </a:accent3>
+      <a:accent4>
+        <a:srgbClr val="FFC000"/>
+      </a:accent4>
+      <a:accent5>
+        <a:srgbClr val="5B9BD5"/>
+      </a:accent5>
+      <a:accent6>
+        <a:srgbClr val="70AD47"/>
+      </a:accent6>
+      <a:hlink>
+        <a:srgbClr val="0563C1"/>
+      </a:hlink>
+      <a:folHlink>
+        <a:srgbClr val="954F72"/>
+      </a:folHlink>
+    </a:clrScheme>
+    <a:fontScheme name="Office">
+      <a:majorFont>
+        <a:latin typeface="Calibri Light" panose="020F0302020204030204"/>
+        <a:ea typeface=""/>
+        <a:cs typeface=""/>
+        <a:font script="Jpan" typeface="游ゴシック Light"/>
+        <a:font script="Hang" typeface="맑은 고딕"/>
+        <a:font script="Hans" typeface="等线 Light"/>
+        <a:font script="Hant" typeface="新細明體"/>
+        <a:font script="Arab" typeface="Times New Roman"/>
+        <a:font script="Hebr" typeface="Times New Roman"/>
+        <a:font script="Thai" typeface="Angsana New"/>
+        <a:font script="Ethi" typeface="Nyala"/>
+        <a:font script="Beng" typeface="Vrinda"/>
+        <a:font script="Gujr" typeface="Shruti"/>
+        <a:font script="Khmr" typeface="MoolBoran"/>
+        <a:font script="Knda" typeface="Tunga"/>
+        <a:font script="Guru" typeface="Raavi"/>
+        <a:font script="Cans" typeface="Euphemia"/>
+        <a:font script="Cher" typeface="Plantagenet Cherokee"/>
+        <a:font script="Yiii" typeface="Microsoft Yi Baiti"/>
+        <a:font script="Tibt" typeface="Microsoft Himalaya"/>
+        <a:font script="Thaa" typeface="MV Boli"/>
+        <a:font script="Deva" typeface="Mangal"/>
+        <a:font script="Telu" typeface="Gautami"/>
+        <a:font script="Taml" typeface="Latha"/>
+        <a:font script="Syrc" typeface="Estrangelo Edessa"/>
+        <a:font script="Orya" typeface="Kalinga"/>
+        <a:font script="Mlym" typeface="Kartika"/>
+        <a:font script="Laoo" typeface="DokChampa"/>
+        <a:font script="Sinh" typeface="Iskoola Pota"/>
+        <a:font script="Mong" typeface="Mongolian Baiti"/>
+        <a:font script="Viet" typeface="Times New Roman"/>
+        <a:font script="Uigh" typeface="Microsoft Uighur"/>
+        <a:font script="Geor" typeface="Sylfaen"/>
+        <a:font script="Armn" typeface="Arial"/>
+        <a:font script="Bugi" typeface="Leelawadee UI"/>
+        <a:font script="Bopo" typeface="Microsoft JhengHei"/>
+        <a:font script="Java" typeface="Javanese Text"/>
+        <a:font script="Lisu" typeface="Segoe UI"/>
+        <a:font script="Mymr" typeface="Myanmar Text"/>
+        <a:font script="Nkoo" typeface="Ebrima"/>
+        <a:font script="Olck" typeface="Nirmala UI"/>
+        <a:font script="Osma" typeface="Ebrima"/>
+        <a:font script="Phag" typeface="Phagspa"/>
+        <a:font script="Syrn" typeface="Estrangelo Edessa"/>
+        <a:font script="Syrj" typeface="Estrangelo Edessa"/>
+        <a:font script="Syre" typeface="Estrangelo Edessa"/>
+        <a:font script="Sora" typeface="Nirmala UI"/>
+        <a:font script="Tale" typeface="Microsoft Tai Le"/>
+        <a:font script="Talu" typeface="Microsoft New Tai Lue"/>
+        <a:font script="Tfng" typeface="Ebrima"/>
+      </a:majorFont>
+      <a:minorFont>
+        <a:latin typeface="Calibri" panose="020F0502020204030204"/>
+        <a:ea typeface=""/>
+        <a:cs typeface=""/>
+        <a:font script="Jpan" typeface="游ゴシック"/>
+        <a:font script="Hang" typeface="맑은 고딕"/>
+        <a:font script="Hans" typeface="等线"/>
+        <a:font script="Hant" typeface="新細明體"/>
+        <a:font script="Arab" typeface="Arial"/>
+        <a:font script="Hebr" typeface="Arial"/>
+        <a:font script="Thai" typeface="Cordia New"/>
+        <a:font script="Ethi" typeface="Nyala"/>
+        <a:font script="Beng" typeface="Vrinda"/>
+        <a:font script="Gujr" typeface="Shruti"/>
+        <a:font script="Khmr" typeface="DaunPenh"/>
+        <a:font script="Knda" typeface="Tunga"/>
+        <a:font script="Guru" typeface="Raavi"/>
+        <a:font script="Cans" typeface="Euphemia"/>
+        <a:font script="Cher" typeface="Plantagenet Cherokee"/>
+        <a:font script="Yiii" typeface="Microsoft Yi Baiti"/>
+        <a:font script="Tibt" typeface="Microsoft Himalaya"/>
+        <a:font script="Thaa" typeface="MV Boli"/>
+        <a:font script="Deva" typeface="Mangal"/>
+        <a:font script="Telu" typeface="Gautami"/>
+        <a:font script="Taml" typeface="Latha"/>
+        <a:font script="Syrc" typeface="Estrangelo Edessa"/>
+        <a:font script="Orya" typeface="Kalinga"/>
+        <a:font script="Mlym" typeface="Kartika"/>
+        <a:font script="Laoo" typeface="DokChampa"/>
+        <a:font script="Sinh" typeface="Iskoola Pota"/>
+        <a:font script="Mong" typeface="Mongolian Baiti"/>
+        <a:font script="Viet" typeface="Arial"/>
+        <a:font script="Uigh" typeface="Microsoft Uighur"/>
+        <a:font script="Geor" typeface="Sylfaen"/>
+        <a:font script="Armn" typeface="Arial"/>
+        <a:font script="Bugi" typeface="Leelawadee UI"/>
+        <a:font script="Bopo" typeface="Microsoft JhengHei"/>
+        <a:font script="Java" typeface="Javanese Text"/>
+        <a:font script="Lisu" typeface="Segoe UI"/>
+        <a:font script="Mymr" typeface="Myanmar Text"/>
+        <a:font script="Nkoo" typeface="Ebrima"/>
+        <a:font script="Olck" typeface="Nirmala UI"/>
+        <a:font script="Osma" typeface="Ebrima"/>
+        <a:font script="Phag" typeface="Phagspa"/>
+        <a:font script="Syrn" typeface="Estrangelo Edessa"/>
+        <a:font script="Syrj" typeface="Estrangelo Edessa"/>
+        <a:font script="Syre" typeface="Estrangelo Edessa"/>
+        <a:font script="Sora" typeface="Nirmala UI"/>
+        <a:font script="Tale" typeface="Microsoft Tai Le"/>
+        <a:font script="Talu" typeface="Microsoft New Tai Lue"/>
+        <a:font script="Tfng" typeface="Ebrima"/>
+      </a:minorFont>
+    </a:fontScheme>
+    <a:fmtScheme name="Office">
+      <a:fillStyleLst>
+        <a:solidFill>
+          <a:schemeClr val="phClr"/>
+        </a:solidFill>
+        <a:gradFill rotWithShape="1">
+          <a:gsLst>
+            <a:gs pos="0">
+              <a:schemeClr val="phClr">
+                <a:lumMod val="110000"/>
+                <a:satMod val="105000"/>
+                <a:tint val="67000"/>
+              </a:schemeClr>
+            </a:gs>
+            <a:gs pos="50000">
+              <a:schemeClr val="phClr">
+                <a:lumMod val="105000"/>
+                <a:satMod val="103000"/>
+                <a:tint val="73000"/>
+              </a:schemeClr>
+            </a:gs>
+            <a:gs pos="100000">
+              <a:schemeClr val="phClr">
+                <a:lumMod val="105000"/>
+                <a:satMod val="109000"/>
+                <a:tint val="81000"/>
+              </a:schemeClr>
+            </a:gs>
+          </a:gsLst>
+          <a:lin ang="5400000" scaled="0"/>
+        </a:gradFill>
+        <a:gradFill rotWithShape="1">
+          <a:gsLst>
+            <a:gs pos="0">
+              <a:schemeClr val="phClr">
+                <a:satMod val="103000"/>
+                <a:lumMod val="102000"/>
+                <a:tint val="94000"/>
+              </a:schemeClr>
+            </a:gs>
+            <a:gs pos="50000">
+              <a:schemeClr val="phClr">
+                <a:satMod val="110000"/>
+                <a:lumMod val="100000"/>
+                <a:shade val="100000"/>
+              </a:schemeClr>
+            </a:gs>
+            <a:gs pos="100000">
+              <a:schemeClr val="phClr">
+                <a:lumMod val="99000"/>
+                <a:satMod val="120000"/>
+                <a:shade val="78000"/>
+              </a:schemeClr>
+            </a:gs>
+          </a:gsLst>
+          <a:lin ang="5400000" scaled="0"/>
+        </a:gradFill>
+      </a:fillStyleLst>
+      <a:lnStyleLst>
+        <a:ln w="6350" cap="flat" cmpd="sng" algn="ctr">
+          <a:solidFill>
+            <a:schemeClr val="phClr"/>
+          </a:solidFill>
+          <a:prstDash val="solid"/>
+          <a:miter lim="800000"/>
+        </a:ln>
+        <a:ln w="12700" cap="flat" cmpd="sng" algn="ctr">
+          <a:solidFill>
+            <a:schemeClr val="phClr"/>
+          </a:solidFill>
+          <a:prstDash val="solid"/>
+          <a:miter lim="800000"/>
+        </a:ln>
+        <a:ln w="19050" cap="flat" cmpd="sng" algn="ctr">
+          <a:solidFill>
+            <a:schemeClr val="phClr"/>
+          </a:solidFill>
+          <a:prstDash val="solid"/>
+          <a:miter lim="800000"/>
+        </a:ln>
+      </a:lnStyleLst>
+      <a:effectStyleLst>
+        <a:effectStyle>
+          <a:effectLst/>
+        </a:effectStyle>
+        <a:effectStyle>
+          <a:effectLst/>
+        </a:effectStyle>
+        <a:effectStyle>
+          <a:effectLst>
+            <a:outerShdw blurRad="57150" dist="19050" dir="5400000" algn="ctr" rotWithShape="0">
+              <a:srgbClr val="000000">
+                <a:alpha val="63000"/>
+              </a:srgbClr>
+            </a:outerShdw>
+          </a:effectLst>
+        </a:effectStyle>
+      </a:effectStyleLst>
+      <a:bgFillStyleLst>
+        <a:solidFill>
+          <a:schemeClr val="phClr"/>
+        </a:solidFill>
+        <a:solidFill>
+          <a:schemeClr val="phClr">
+            <a:tint val="95000"/>
+            <a:satMod val="170000"/>
+          </a:schemeClr>
+        </a:solidFill>
+        <a:gradFill rotWithShape="1">
+          <a:gsLst>
+            <a:gs pos="0">
+              <a:schemeClr val="phClr">
+                <a:tint val="93000"/>
+                <a:satMod val="150000"/>
+                <a:shade val="98000"/>
+                <a:lumMod val="102000"/>
+              </a:schemeClr>
+            </a:gs>
+            <a:gs pos="50000">
+              <a:schemeClr val="phClr">
+                <a:tint val="98000"/>
+                <a:satMod val="130000"/>
+                <a:shade val="90000"/>
+                <a:lumMod val="103000"/>
+              </a:schemeClr>
+            </a:gs>
+            <a:gs pos="100000">
+              <a:schemeClr val="phClr">
+                <a:shade val="63000"/>
+                <a:satMod val="120000"/>
+              </a:schemeClr>
+            </a:gs>
+          </a:gsLst>
+          <a:lin ang="5400000" scaled="0"/>
+        </a:gradFill>
+      </a:bgFillStyleLst>
+    </a:fmtScheme>
+  </a:themeElements>
+  <a:objectDefaults/>
+  <a:extraClrSchemeLst/>
+  <a:extLst>
+    <a:ext uri="{05A4C25C-085E-4340-85A3-A5531E510DB2}">
+      <thm15:themeFamily xmlns:thm15="http://schemas.microsoft.com/office/thememl/2012/main" name="Office Theme" id="{62F939B6-93AF-4DB8-9C6B-D6C7DFDC589F}" vid="{4A3C46E8-61CC-4603-A589-7422A47A8E4A}"/>
+    </a:ext>
+  </a:extLst>
+</a:theme>
 </file>